--- a/ctech401/module_2/CTECH401 Module 2 - Variables.pptx
+++ b/ctech401/module_2/CTECH401 Module 2 - Variables.pptx
@@ -5,7 +5,7 @@
     <p:sldMasterId id="2147483648" r:id="rId1"/>
   </p:sldMasterIdLst>
   <p:notesMasterIdLst>
-    <p:notesMasterId r:id="rId43"/>
+    <p:notesMasterId r:id="rId44"/>
   </p:notesMasterIdLst>
   <p:sldIdLst>
     <p:sldId id="272" r:id="rId2"/>
@@ -14,10 +14,10 @@
     <p:sldId id="276" r:id="rId5"/>
     <p:sldId id="277" r:id="rId6"/>
     <p:sldId id="278" r:id="rId7"/>
-    <p:sldId id="282" r:id="rId8"/>
-    <p:sldId id="280" r:id="rId9"/>
-    <p:sldId id="283" r:id="rId10"/>
-    <p:sldId id="281" r:id="rId11"/>
+    <p:sldId id="318" r:id="rId8"/>
+    <p:sldId id="319" r:id="rId9"/>
+    <p:sldId id="280" r:id="rId10"/>
+    <p:sldId id="283" r:id="rId11"/>
     <p:sldId id="284" r:id="rId12"/>
     <p:sldId id="285" r:id="rId13"/>
     <p:sldId id="286" r:id="rId14"/>
@@ -28,27 +28,28 @@
     <p:sldId id="291" r:id="rId19"/>
     <p:sldId id="292" r:id="rId20"/>
     <p:sldId id="293" r:id="rId21"/>
-    <p:sldId id="294" r:id="rId22"/>
-    <p:sldId id="296" r:id="rId23"/>
-    <p:sldId id="295" r:id="rId24"/>
-    <p:sldId id="297" r:id="rId25"/>
-    <p:sldId id="298" r:id="rId26"/>
-    <p:sldId id="299" r:id="rId27"/>
-    <p:sldId id="300" r:id="rId28"/>
-    <p:sldId id="302" r:id="rId29"/>
-    <p:sldId id="303" r:id="rId30"/>
-    <p:sldId id="304" r:id="rId31"/>
-    <p:sldId id="305" r:id="rId32"/>
-    <p:sldId id="311" r:id="rId33"/>
-    <p:sldId id="310" r:id="rId34"/>
-    <p:sldId id="307" r:id="rId35"/>
-    <p:sldId id="308" r:id="rId36"/>
-    <p:sldId id="309" r:id="rId37"/>
-    <p:sldId id="313" r:id="rId38"/>
-    <p:sldId id="314" r:id="rId39"/>
-    <p:sldId id="315" r:id="rId40"/>
-    <p:sldId id="316" r:id="rId41"/>
-    <p:sldId id="317" r:id="rId42"/>
+    <p:sldId id="320" r:id="rId22"/>
+    <p:sldId id="294" r:id="rId23"/>
+    <p:sldId id="296" r:id="rId24"/>
+    <p:sldId id="295" r:id="rId25"/>
+    <p:sldId id="297" r:id="rId26"/>
+    <p:sldId id="298" r:id="rId27"/>
+    <p:sldId id="299" r:id="rId28"/>
+    <p:sldId id="300" r:id="rId29"/>
+    <p:sldId id="302" r:id="rId30"/>
+    <p:sldId id="303" r:id="rId31"/>
+    <p:sldId id="304" r:id="rId32"/>
+    <p:sldId id="305" r:id="rId33"/>
+    <p:sldId id="311" r:id="rId34"/>
+    <p:sldId id="310" r:id="rId35"/>
+    <p:sldId id="307" r:id="rId36"/>
+    <p:sldId id="308" r:id="rId37"/>
+    <p:sldId id="309" r:id="rId38"/>
+    <p:sldId id="313" r:id="rId39"/>
+    <p:sldId id="314" r:id="rId40"/>
+    <p:sldId id="315" r:id="rId41"/>
+    <p:sldId id="316" r:id="rId42"/>
+    <p:sldId id="317" r:id="rId43"/>
   </p:sldIdLst>
   <p:sldSz cx="12192000" cy="6858000"/>
   <p:notesSz cx="6858000" cy="9144000"/>
@@ -248,7 +249,7 @@
           <a:p>
             <a:fld id="{1778ACD8-6E14-F146-9986-2DDB8F18C1FA}" type="datetimeFigureOut">
               <a:rPr lang="en-US" smtClean="0"/>
-              <a:t>6/4/18</a:t>
+              <a:t>1/22/19</a:t>
             </a:fld>
             <a:endParaRPr lang="en-US"/>
           </a:p>
@@ -643,88 +644,7 @@
           <a:bodyPr/>
           <a:lstStyle/>
           <a:p>
-            <a:r>
-              <a:rPr lang="en-US" dirty="0"/>
-              <a:t>This is going to be an error: python treats these as </a:t>
-            </a:r>
-            <a:r>
-              <a:rPr lang="en-US" dirty="0" err="1"/>
-              <a:t>differrent</a:t>
-            </a:r>
-            <a:r>
-              <a:rPr lang="en-US" dirty="0"/>
-              <a:t> variables</a:t>
-            </a:r>
-          </a:p>
-          <a:p>
             <a:endParaRPr lang="en-US" dirty="0"/>
-          </a:p>
-          <a:p>
-            <a:pPr marL="0" marR="0" lvl="0" indent="0" algn="l" defTabSz="914400" rtl="0" eaLnBrk="1" fontAlgn="auto" latinLnBrk="0" hangingPunct="1">
-              <a:lnSpc>
-                <a:spcPct val="100000"/>
-              </a:lnSpc>
-              <a:spcBef>
-                <a:spcPts val="0"/>
-              </a:spcBef>
-              <a:spcAft>
-                <a:spcPts val="0"/>
-              </a:spcAft>
-              <a:buClrTx/>
-              <a:buSzTx/>
-              <a:buFontTx/>
-              <a:buNone/>
-              <a:tabLst/>
-              <a:defRPr/>
-            </a:pPr>
-            <a:r>
-              <a:rPr lang="en-US" sz="1200" kern="1200" dirty="0" err="1">
-                <a:solidFill>
-                  <a:schemeClr val="tx1"/>
-                </a:solidFill>
-                <a:effectLst/>
-                <a:latin typeface="+mn-lt"/>
-                <a:ea typeface="+mn-ea"/>
-                <a:cs typeface="+mn-cs"/>
-              </a:rPr>
-              <a:t>NameError</a:t>
-            </a:r>
-            <a:r>
-              <a:rPr lang="en-US" sz="1200" kern="1200" dirty="0">
-                <a:solidFill>
-                  <a:schemeClr val="tx1"/>
-                </a:solidFill>
-                <a:effectLst/>
-                <a:latin typeface="+mn-lt"/>
-                <a:ea typeface="+mn-ea"/>
-                <a:cs typeface="+mn-cs"/>
-              </a:rPr>
-              <a:t>: name '</a:t>
-            </a:r>
-            <a:r>
-              <a:rPr lang="en-US" sz="1200" kern="1200" dirty="0" err="1">
-                <a:solidFill>
-                  <a:schemeClr val="tx1"/>
-                </a:solidFill>
-                <a:effectLst/>
-                <a:latin typeface="+mn-lt"/>
-                <a:ea typeface="+mn-ea"/>
-                <a:cs typeface="+mn-cs"/>
-              </a:rPr>
-              <a:t>jabberwock</a:t>
-            </a:r>
-            <a:r>
-              <a:rPr lang="en-US" sz="1200" kern="1200" dirty="0">
-                <a:solidFill>
-                  <a:schemeClr val="tx1"/>
-                </a:solidFill>
-                <a:effectLst/>
-                <a:latin typeface="+mn-lt"/>
-                <a:ea typeface="+mn-ea"/>
-                <a:cs typeface="+mn-cs"/>
-              </a:rPr>
-              <a:t>' is not defined</a:t>
-            </a:r>
           </a:p>
         </p:txBody>
       </p:sp>
@@ -745,7 +665,7 @@
           <a:p>
             <a:fld id="{C8B14FCA-A5D1-0749-96A8-1423D61C59E6}" type="slidenum">
               <a:rPr lang="en-US" smtClean="0"/>
-              <a:t>25</a:t>
+              <a:t>27</a:t>
             </a:fld>
             <a:endParaRPr lang="en-US"/>
           </a:p>
@@ -754,7 +674,7 @@
     </p:spTree>
     <p:extLst>
       <p:ext uri="{BB962C8B-B14F-4D97-AF65-F5344CB8AC3E}">
-        <p14:creationId xmlns:p14="http://schemas.microsoft.com/office/powerpoint/2010/main" val="646187063"/>
+        <p14:creationId xmlns:p14="http://schemas.microsoft.com/office/powerpoint/2010/main" val="1687928316"/>
       </p:ext>
     </p:extLst>
   </p:cSld>
@@ -829,7 +749,7 @@
           <a:p>
             <a:fld id="{C8B14FCA-A5D1-0749-96A8-1423D61C59E6}" type="slidenum">
               <a:rPr lang="en-US" smtClean="0"/>
-              <a:t>26</a:t>
+              <a:t>29</a:t>
             </a:fld>
             <a:endParaRPr lang="en-US"/>
           </a:p>
@@ -838,7 +758,7 @@
     </p:spTree>
     <p:extLst>
       <p:ext uri="{BB962C8B-B14F-4D97-AF65-F5344CB8AC3E}">
-        <p14:creationId xmlns:p14="http://schemas.microsoft.com/office/powerpoint/2010/main" val="1687928316"/>
+        <p14:creationId xmlns:p14="http://schemas.microsoft.com/office/powerpoint/2010/main" val="2040412324"/>
       </p:ext>
     </p:extLst>
   </p:cSld>
@@ -913,7 +833,7 @@
           <a:p>
             <a:fld id="{C8B14FCA-A5D1-0749-96A8-1423D61C59E6}" type="slidenum">
               <a:rPr lang="en-US" smtClean="0"/>
-              <a:t>28</a:t>
+              <a:t>34</a:t>
             </a:fld>
             <a:endParaRPr lang="en-US"/>
           </a:p>
@@ -922,7 +842,7 @@
     </p:spTree>
     <p:extLst>
       <p:ext uri="{BB962C8B-B14F-4D97-AF65-F5344CB8AC3E}">
-        <p14:creationId xmlns:p14="http://schemas.microsoft.com/office/powerpoint/2010/main" val="2040412324"/>
+        <p14:creationId xmlns:p14="http://schemas.microsoft.com/office/powerpoint/2010/main" val="3603002248"/>
       </p:ext>
     </p:extLst>
   </p:cSld>
@@ -976,7 +896,10 @@
           <a:bodyPr/>
           <a:lstStyle/>
           <a:p>
-            <a:endParaRPr lang="en-US" dirty="0"/>
+            <a:r>
+              <a:rPr lang="en-US" dirty="0"/>
+              <a:t>Here it is. The input() function takes a string, just like the print function does. It shows that string to the user</a:t>
+            </a:r>
           </a:p>
         </p:txBody>
       </p:sp>
@@ -997,94 +920,7 @@
           <a:p>
             <a:fld id="{C8B14FCA-A5D1-0749-96A8-1423D61C59E6}" type="slidenum">
               <a:rPr lang="en-US" smtClean="0"/>
-              <a:t>33</a:t>
-            </a:fld>
-            <a:endParaRPr lang="en-US"/>
-          </a:p>
-        </p:txBody>
-      </p:sp>
-    </p:spTree>
-    <p:extLst>
-      <p:ext uri="{BB962C8B-B14F-4D97-AF65-F5344CB8AC3E}">
-        <p14:creationId xmlns:p14="http://schemas.microsoft.com/office/powerpoint/2010/main" val="3603002248"/>
-      </p:ext>
-    </p:extLst>
-  </p:cSld>
-  <p:clrMapOvr>
-    <a:masterClrMapping/>
-  </p:clrMapOvr>
-</p:notes>
-</file>
-
-<file path=ppt/notesSlides/notesSlide14.xml><?xml version="1.0" encoding="utf-8"?>
-<p:notes xmlns:a="http://schemas.openxmlformats.org/drawingml/2006/main" xmlns:r="http://schemas.openxmlformats.org/officeDocument/2006/relationships" xmlns:p="http://schemas.openxmlformats.org/presentationml/2006/main">
-  <p:cSld>
-    <p:spTree>
-      <p:nvGrpSpPr>
-        <p:cNvPr id="1" name=""/>
-        <p:cNvGrpSpPr/>
-        <p:nvPr/>
-      </p:nvGrpSpPr>
-      <p:grpSpPr>
-        <a:xfrm>
-          <a:off x="0" y="0"/>
-          <a:ext cx="0" cy="0"/>
-          <a:chOff x="0" y="0"/>
-          <a:chExt cx="0" cy="0"/>
-        </a:xfrm>
-      </p:grpSpPr>
-      <p:sp>
-        <p:nvSpPr>
-          <p:cNvPr id="2" name="Slide Image Placeholder 1"/>
-          <p:cNvSpPr>
-            <a:spLocks noGrp="1" noRot="1" noChangeAspect="1"/>
-          </p:cNvSpPr>
-          <p:nvPr>
-            <p:ph type="sldImg"/>
-          </p:nvPr>
-        </p:nvSpPr>
-        <p:spPr/>
-      </p:sp>
-      <p:sp>
-        <p:nvSpPr>
-          <p:cNvPr id="3" name="Notes Placeholder 2"/>
-          <p:cNvSpPr>
-            <a:spLocks noGrp="1"/>
-          </p:cNvSpPr>
-          <p:nvPr>
-            <p:ph type="body" idx="1"/>
-          </p:nvPr>
-        </p:nvSpPr>
-        <p:spPr/>
-        <p:txBody>
-          <a:bodyPr/>
-          <a:lstStyle/>
-          <a:p>
-            <a:r>
-              <a:rPr lang="en-US" dirty="0"/>
-              <a:t>Here it is. The input() function takes a string, just like the print function does. It shows that string to the user</a:t>
-            </a:r>
-          </a:p>
-        </p:txBody>
-      </p:sp>
-      <p:sp>
-        <p:nvSpPr>
-          <p:cNvPr id="4" name="Slide Number Placeholder 3"/>
-          <p:cNvSpPr>
-            <a:spLocks noGrp="1"/>
-          </p:cNvSpPr>
-          <p:nvPr>
-            <p:ph type="sldNum" sz="quarter" idx="10"/>
-          </p:nvPr>
-        </p:nvSpPr>
-        <p:spPr/>
-        <p:txBody>
-          <a:bodyPr/>
-          <a:lstStyle/>
-          <a:p>
-            <a:fld id="{C8B14FCA-A5D1-0749-96A8-1423D61C59E6}" type="slidenum">
-              <a:rPr lang="en-US" smtClean="0"/>
-              <a:t>35</a:t>
+              <a:t>36</a:t>
             </a:fld>
             <a:endParaRPr lang="en-US"/>
           </a:p>
@@ -1252,7 +1088,7 @@
           <a:p>
             <a:fld id="{C8B14FCA-A5D1-0749-96A8-1423D61C59E6}" type="slidenum">
               <a:rPr lang="en-US" smtClean="0"/>
-              <a:t>7</a:t>
+              <a:t>11</a:t>
             </a:fld>
             <a:endParaRPr lang="en-US"/>
           </a:p>
@@ -1261,7 +1097,7 @@
     </p:spTree>
     <p:extLst>
       <p:ext uri="{BB962C8B-B14F-4D97-AF65-F5344CB8AC3E}">
-        <p14:creationId xmlns:p14="http://schemas.microsoft.com/office/powerpoint/2010/main" val="2429714140"/>
+        <p14:creationId xmlns:p14="http://schemas.microsoft.com/office/powerpoint/2010/main" val="1157028516"/>
       </p:ext>
     </p:extLst>
   </p:cSld>
@@ -1315,7 +1151,78 @@
           <a:bodyPr/>
           <a:lstStyle/>
           <a:p>
-            <a:endParaRPr lang="en-US" dirty="0"/>
+            <a:pPr marL="0" marR="0" lvl="0" indent="0" algn="l" defTabSz="914400" rtl="0" eaLnBrk="1" fontAlgn="auto" latinLnBrk="0" hangingPunct="1">
+              <a:lnSpc>
+                <a:spcPct val="100000"/>
+              </a:lnSpc>
+              <a:spcBef>
+                <a:spcPts val="0"/>
+              </a:spcBef>
+              <a:spcAft>
+                <a:spcPts val="0"/>
+              </a:spcAft>
+              <a:buClrTx/>
+              <a:buSzTx/>
+              <a:buFontTx/>
+              <a:buNone/>
+              <a:tabLst/>
+              <a:defRPr/>
+            </a:pPr>
+            <a:r>
+              <a:rPr lang="en-US" sz="1200" b="0" i="0" u="none" strike="noStrike" kern="1200" dirty="0">
+                <a:solidFill>
+                  <a:schemeClr val="tx1"/>
+                </a:solidFill>
+                <a:effectLst/>
+                <a:latin typeface="+mn-lt"/>
+                <a:ea typeface="+mn-ea"/>
+                <a:cs typeface="+mn-cs"/>
+              </a:rPr>
+              <a:t>7/12 = </a:t>
+            </a:r>
+            <a:r>
+              <a:rPr lang="en-US" sz="1200" kern="1200" dirty="0">
+                <a:solidFill>
+                  <a:schemeClr val="tx1"/>
+                </a:solidFill>
+                <a:effectLst/>
+                <a:latin typeface="+mn-lt"/>
+                <a:ea typeface="+mn-ea"/>
+                <a:cs typeface="+mn-cs"/>
+              </a:rPr>
+              <a:t>0.5833333333333334</a:t>
+            </a:r>
+          </a:p>
+          <a:p>
+            <a:pPr marL="0" marR="0" lvl="0" indent="0" algn="l" defTabSz="914400" rtl="0" eaLnBrk="1" fontAlgn="auto" latinLnBrk="0" hangingPunct="1">
+              <a:lnSpc>
+                <a:spcPct val="100000"/>
+              </a:lnSpc>
+              <a:spcBef>
+                <a:spcPts val="0"/>
+              </a:spcBef>
+              <a:spcAft>
+                <a:spcPts val="0"/>
+              </a:spcAft>
+              <a:buClrTx/>
+              <a:buSzTx/>
+              <a:buFontTx/>
+              <a:buNone/>
+              <a:tabLst/>
+              <a:defRPr/>
+            </a:pPr>
+            <a:r>
+              <a:rPr lang="en-US" sz="1200" kern="1200" dirty="0">
+                <a:solidFill>
+                  <a:schemeClr val="tx1"/>
+                </a:solidFill>
+                <a:effectLst/>
+                <a:latin typeface="+mn-lt"/>
+                <a:ea typeface="+mn-ea"/>
+                <a:cs typeface="+mn-cs"/>
+              </a:rPr>
+              <a:t>3/12 + 4/12 = 0.5833333333333333</a:t>
+            </a:r>
           </a:p>
         </p:txBody>
       </p:sp>
@@ -1336,7 +1243,7 @@
           <a:p>
             <a:fld id="{C8B14FCA-A5D1-0749-96A8-1423D61C59E6}" type="slidenum">
               <a:rPr lang="en-US" smtClean="0"/>
-              <a:t>11</a:t>
+              <a:t>15</a:t>
             </a:fld>
             <a:endParaRPr lang="en-US"/>
           </a:p>
@@ -1345,7 +1252,7 @@
     </p:spTree>
     <p:extLst>
       <p:ext uri="{BB962C8B-B14F-4D97-AF65-F5344CB8AC3E}">
-        <p14:creationId xmlns:p14="http://schemas.microsoft.com/office/powerpoint/2010/main" val="1157028516"/>
+        <p14:creationId xmlns:p14="http://schemas.microsoft.com/office/powerpoint/2010/main" val="2247493953"/>
       </p:ext>
     </p:extLst>
   </p:cSld>
@@ -1399,77 +1306,27 @@
           <a:bodyPr/>
           <a:lstStyle/>
           <a:p>
-            <a:pPr marL="0" marR="0" lvl="0" indent="0" algn="l" defTabSz="914400" rtl="0" eaLnBrk="1" fontAlgn="auto" latinLnBrk="0" hangingPunct="1">
-              <a:lnSpc>
-                <a:spcPct val="100000"/>
-              </a:lnSpc>
-              <a:spcBef>
-                <a:spcPts val="0"/>
-              </a:spcBef>
-              <a:spcAft>
-                <a:spcPts val="0"/>
-              </a:spcAft>
-              <a:buClrTx/>
-              <a:buSzTx/>
-              <a:buFontTx/>
-              <a:buNone/>
-              <a:tabLst/>
-              <a:defRPr/>
-            </a:pPr>
-            <a:r>
-              <a:rPr lang="en-US" sz="1200" b="0" i="0" u="none" strike="noStrike" kern="1200" dirty="0">
-                <a:solidFill>
-                  <a:schemeClr val="tx1"/>
-                </a:solidFill>
-                <a:effectLst/>
-                <a:latin typeface="+mn-lt"/>
-                <a:ea typeface="+mn-ea"/>
-                <a:cs typeface="+mn-cs"/>
-              </a:rPr>
-              <a:t>7/12 = </a:t>
-            </a:r>
-            <a:r>
-              <a:rPr lang="en-US" sz="1200" kern="1200" dirty="0">
-                <a:solidFill>
-                  <a:schemeClr val="tx1"/>
-                </a:solidFill>
-                <a:effectLst/>
-                <a:latin typeface="+mn-lt"/>
-                <a:ea typeface="+mn-ea"/>
-                <a:cs typeface="+mn-cs"/>
-              </a:rPr>
-              <a:t>0.5833333333333334</a:t>
-            </a:r>
-          </a:p>
-          <a:p>
-            <a:pPr marL="0" marR="0" lvl="0" indent="0" algn="l" defTabSz="914400" rtl="0" eaLnBrk="1" fontAlgn="auto" latinLnBrk="0" hangingPunct="1">
-              <a:lnSpc>
-                <a:spcPct val="100000"/>
-              </a:lnSpc>
-              <a:spcBef>
-                <a:spcPts val="0"/>
-              </a:spcBef>
-              <a:spcAft>
-                <a:spcPts val="0"/>
-              </a:spcAft>
-              <a:buClrTx/>
-              <a:buSzTx/>
-              <a:buFontTx/>
-              <a:buNone/>
-              <a:tabLst/>
-              <a:defRPr/>
-            </a:pPr>
-            <a:r>
-              <a:rPr lang="en-US" sz="1200" kern="1200" dirty="0">
-                <a:solidFill>
-                  <a:schemeClr val="tx1"/>
-                </a:solidFill>
-                <a:effectLst/>
-                <a:latin typeface="+mn-lt"/>
-                <a:ea typeface="+mn-ea"/>
-                <a:cs typeface="+mn-cs"/>
-              </a:rPr>
-              <a:t>3/12 + 4/12 = 0.5833333333333333</a:t>
+            <a:r>
+              <a:rPr lang="en-US" dirty="0"/>
+              <a:t>11 / 4 = 2.75</a:t>
+            </a:r>
+          </a:p>
+          <a:p>
+            <a:endParaRPr lang="en-US" dirty="0"/>
+          </a:p>
+          <a:p>
+            <a:r>
+              <a:rPr lang="en-US" dirty="0"/>
+              <a:t>11 // 4 = 2</a:t>
+            </a:r>
+          </a:p>
+          <a:p>
+            <a:endParaRPr lang="en-US" dirty="0"/>
+          </a:p>
+          <a:p>
+            <a:r>
+              <a:rPr lang="en-US" dirty="0"/>
+              <a:t>11 % 4 = 360</a:t>
             </a:r>
           </a:p>
         </p:txBody>
@@ -1491,7 +1348,7 @@
           <a:p>
             <a:fld id="{C8B14FCA-A5D1-0749-96A8-1423D61C59E6}" type="slidenum">
               <a:rPr lang="en-US" smtClean="0"/>
-              <a:t>15</a:t>
+              <a:t>17</a:t>
             </a:fld>
             <a:endParaRPr lang="en-US"/>
           </a:p>
@@ -1500,7 +1357,7 @@
     </p:spTree>
     <p:extLst>
       <p:ext uri="{BB962C8B-B14F-4D97-AF65-F5344CB8AC3E}">
-        <p14:creationId xmlns:p14="http://schemas.microsoft.com/office/powerpoint/2010/main" val="2247493953"/>
+        <p14:creationId xmlns:p14="http://schemas.microsoft.com/office/powerpoint/2010/main" val="3505282533"/>
       </p:ext>
     </p:extLst>
   </p:cSld>
@@ -1554,28 +1411,7 @@
           <a:bodyPr/>
           <a:lstStyle/>
           <a:p>
-            <a:r>
-              <a:rPr lang="en-US" dirty="0"/>
-              <a:t>11 / 4 = 2.75</a:t>
-            </a:r>
-          </a:p>
-          <a:p>
             <a:endParaRPr lang="en-US" dirty="0"/>
-          </a:p>
-          <a:p>
-            <a:r>
-              <a:rPr lang="en-US" dirty="0"/>
-              <a:t>11 // 4 = 2</a:t>
-            </a:r>
-          </a:p>
-          <a:p>
-            <a:endParaRPr lang="en-US" dirty="0"/>
-          </a:p>
-          <a:p>
-            <a:r>
-              <a:rPr lang="en-US" dirty="0"/>
-              <a:t>11 % 4 = 360</a:t>
-            </a:r>
           </a:p>
         </p:txBody>
       </p:sp>
@@ -1596,7 +1432,7 @@
           <a:p>
             <a:fld id="{C8B14FCA-A5D1-0749-96A8-1423D61C59E6}" type="slidenum">
               <a:rPr lang="en-US" smtClean="0"/>
-              <a:t>17</a:t>
+              <a:t>18</a:t>
             </a:fld>
             <a:endParaRPr lang="en-US"/>
           </a:p>
@@ -1605,7 +1441,7 @@
     </p:spTree>
     <p:extLst>
       <p:ext uri="{BB962C8B-B14F-4D97-AF65-F5344CB8AC3E}">
-        <p14:creationId xmlns:p14="http://schemas.microsoft.com/office/powerpoint/2010/main" val="3505282533"/>
+        <p14:creationId xmlns:p14="http://schemas.microsoft.com/office/powerpoint/2010/main" val="1276503672"/>
       </p:ext>
     </p:extLst>
   </p:cSld>
@@ -1680,7 +1516,7 @@
           <a:p>
             <a:fld id="{C8B14FCA-A5D1-0749-96A8-1423D61C59E6}" type="slidenum">
               <a:rPr lang="en-US" smtClean="0"/>
-              <a:t>18</a:t>
+              <a:t>22</a:t>
             </a:fld>
             <a:endParaRPr lang="en-US"/>
           </a:p>
@@ -1689,7 +1525,7 @@
     </p:spTree>
     <p:extLst>
       <p:ext uri="{BB962C8B-B14F-4D97-AF65-F5344CB8AC3E}">
-        <p14:creationId xmlns:p14="http://schemas.microsoft.com/office/powerpoint/2010/main" val="1276503672"/>
+        <p14:creationId xmlns:p14="http://schemas.microsoft.com/office/powerpoint/2010/main" val="4248924182"/>
       </p:ext>
     </p:extLst>
   </p:cSld>
@@ -1743,6 +1579,50 @@
           <a:bodyPr/>
           <a:lstStyle/>
           <a:p>
+            <a:r>
+              <a:rPr lang="en-US" dirty="0"/>
+              <a:t>a = 1</a:t>
+            </a:r>
+          </a:p>
+          <a:p>
+            <a:r>
+              <a:rPr lang="en-US" dirty="0"/>
+              <a:t>a = 1, b= 2</a:t>
+            </a:r>
+          </a:p>
+          <a:p>
+            <a:r>
+              <a:rPr lang="en-US" dirty="0"/>
+              <a:t>a = 1, b = 2 (no changes, this isn't an assignment statement)</a:t>
+            </a:r>
+          </a:p>
+          <a:p>
+            <a:r>
+              <a:rPr lang="en-US" dirty="0"/>
+              <a:t>a = 3, b= 2</a:t>
+            </a:r>
+          </a:p>
+          <a:p>
+            <a:r>
+              <a:rPr lang="en-US" dirty="0"/>
+              <a:t>a = 5 (you can use a variable in the process of updating it. the </a:t>
+            </a:r>
+            <a:r>
+              <a:rPr lang="en-US" b="1" dirty="0"/>
+              <a:t>new</a:t>
+            </a:r>
+            <a:r>
+              <a:rPr lang="en-US" b="0" dirty="0"/>
+              <a:t> value of a is 2 more than the </a:t>
+            </a:r>
+            <a:r>
+              <a:rPr lang="en-US" b="1" dirty="0"/>
+              <a:t>old</a:t>
+            </a:r>
+            <a:r>
+              <a:rPr lang="en-US" b="0" dirty="0"/>
+              <a:t> value)</a:t>
+            </a:r>
             <a:endParaRPr lang="en-US" dirty="0"/>
           </a:p>
         </p:txBody>
@@ -1764,7 +1644,7 @@
           <a:p>
             <a:fld id="{C8B14FCA-A5D1-0749-96A8-1423D61C59E6}" type="slidenum">
               <a:rPr lang="en-US" smtClean="0"/>
-              <a:t>21</a:t>
+              <a:t>24</a:t>
             </a:fld>
             <a:endParaRPr lang="en-US"/>
           </a:p>
@@ -1773,7 +1653,7 @@
     </p:spTree>
     <p:extLst>
       <p:ext uri="{BB962C8B-B14F-4D97-AF65-F5344CB8AC3E}">
-        <p14:creationId xmlns:p14="http://schemas.microsoft.com/office/powerpoint/2010/main" val="4248924182"/>
+        <p14:creationId xmlns:p14="http://schemas.microsoft.com/office/powerpoint/2010/main" val="3551540761"/>
       </p:ext>
     </p:extLst>
   </p:cSld>
@@ -1829,49 +1709,86 @@
           <a:p>
             <a:r>
               <a:rPr lang="en-US" dirty="0"/>
-              <a:t>a = 1</a:t>
-            </a:r>
-          </a:p>
-          <a:p>
-            <a:r>
-              <a:rPr lang="en-US" dirty="0"/>
-              <a:t>a = 1, b= 2</a:t>
-            </a:r>
-          </a:p>
-          <a:p>
-            <a:r>
-              <a:rPr lang="en-US" dirty="0"/>
-              <a:t>a = 1, b = 2 (no changes, this isn't an assignment statement)</a:t>
-            </a:r>
-          </a:p>
-          <a:p>
-            <a:r>
-              <a:rPr lang="en-US" dirty="0"/>
-              <a:t>a = 3, b= 2</a:t>
-            </a:r>
-          </a:p>
-          <a:p>
-            <a:r>
-              <a:rPr lang="en-US" dirty="0"/>
-              <a:t>a = 5 (you can use a variable in the process of updating it. the </a:t>
-            </a:r>
-            <a:r>
-              <a:rPr lang="en-US" b="1" dirty="0"/>
-              <a:t>new</a:t>
-            </a:r>
-            <a:r>
-              <a:rPr lang="en-US" b="0" dirty="0"/>
-              <a:t> value of a is 2 more than the </a:t>
-            </a:r>
-            <a:r>
-              <a:rPr lang="en-US" b="1" dirty="0"/>
-              <a:t>old</a:t>
-            </a:r>
-            <a:r>
-              <a:rPr lang="en-US" b="0" dirty="0"/>
-              <a:t> value)</a:t>
-            </a:r>
+              <a:t>This is going to be an error: python treats these as </a:t>
+            </a:r>
+            <a:r>
+              <a:rPr lang="en-US" dirty="0" err="1"/>
+              <a:t>differrent</a:t>
+            </a:r>
+            <a:r>
+              <a:rPr lang="en-US" dirty="0"/>
+              <a:t> variables</a:t>
+            </a:r>
+          </a:p>
+          <a:p>
             <a:endParaRPr lang="en-US" dirty="0"/>
+          </a:p>
+          <a:p>
+            <a:pPr marL="0" marR="0" lvl="0" indent="0" algn="l" defTabSz="914400" rtl="0" eaLnBrk="1" fontAlgn="auto" latinLnBrk="0" hangingPunct="1">
+              <a:lnSpc>
+                <a:spcPct val="100000"/>
+              </a:lnSpc>
+              <a:spcBef>
+                <a:spcPts val="0"/>
+              </a:spcBef>
+              <a:spcAft>
+                <a:spcPts val="0"/>
+              </a:spcAft>
+              <a:buClrTx/>
+              <a:buSzTx/>
+              <a:buFontTx/>
+              <a:buNone/>
+              <a:tabLst/>
+              <a:defRPr/>
+            </a:pPr>
+            <a:r>
+              <a:rPr lang="en-US" sz="1200" kern="1200" dirty="0" err="1">
+                <a:solidFill>
+                  <a:schemeClr val="tx1"/>
+                </a:solidFill>
+                <a:effectLst/>
+                <a:latin typeface="+mn-lt"/>
+                <a:ea typeface="+mn-ea"/>
+                <a:cs typeface="+mn-cs"/>
+              </a:rPr>
+              <a:t>NameError</a:t>
+            </a:r>
+            <a:r>
+              <a:rPr lang="en-US" sz="1200" kern="1200" dirty="0">
+                <a:solidFill>
+                  <a:schemeClr val="tx1"/>
+                </a:solidFill>
+                <a:effectLst/>
+                <a:latin typeface="+mn-lt"/>
+                <a:ea typeface="+mn-ea"/>
+                <a:cs typeface="+mn-cs"/>
+              </a:rPr>
+              <a:t>: name '</a:t>
+            </a:r>
+            <a:r>
+              <a:rPr lang="en-US" sz="1200" kern="1200" dirty="0" err="1">
+                <a:solidFill>
+                  <a:schemeClr val="tx1"/>
+                </a:solidFill>
+                <a:effectLst/>
+                <a:latin typeface="+mn-lt"/>
+                <a:ea typeface="+mn-ea"/>
+                <a:cs typeface="+mn-cs"/>
+              </a:rPr>
+              <a:t>jabberwock</a:t>
+            </a:r>
+            <a:r>
+              <a:rPr lang="en-US" sz="1200" kern="1200" dirty="0">
+                <a:solidFill>
+                  <a:schemeClr val="tx1"/>
+                </a:solidFill>
+                <a:effectLst/>
+                <a:latin typeface="+mn-lt"/>
+                <a:ea typeface="+mn-ea"/>
+                <a:cs typeface="+mn-cs"/>
+              </a:rPr>
+              <a:t>' is not defined</a:t>
+            </a:r>
           </a:p>
         </p:txBody>
       </p:sp>
@@ -1892,7 +1809,7 @@
           <a:p>
             <a:fld id="{C8B14FCA-A5D1-0749-96A8-1423D61C59E6}" type="slidenum">
               <a:rPr lang="en-US" smtClean="0"/>
-              <a:t>23</a:t>
+              <a:t>26</a:t>
             </a:fld>
             <a:endParaRPr lang="en-US"/>
           </a:p>
@@ -1901,7 +1818,7 @@
     </p:spTree>
     <p:extLst>
       <p:ext uri="{BB962C8B-B14F-4D97-AF65-F5344CB8AC3E}">
-        <p14:creationId xmlns:p14="http://schemas.microsoft.com/office/powerpoint/2010/main" val="3551540761"/>
+        <p14:creationId xmlns:p14="http://schemas.microsoft.com/office/powerpoint/2010/main" val="646187063"/>
       </p:ext>
     </p:extLst>
   </p:cSld>
@@ -3139,7 +3056,7 @@
           <p:cNvPr id="2" name="Text Placeholder 1">
             <a:extLst>
               <a:ext uri="{FF2B5EF4-FFF2-40B4-BE49-F238E27FC236}">
-                <a16:creationId xmlns:a16="http://schemas.microsoft.com/office/drawing/2014/main" id="{CE92A811-116F-274F-A5F9-8B1AF8CDAC73}"/>
+                <a16:creationId xmlns:a16="http://schemas.microsoft.com/office/drawing/2014/main" id="{FE084B4B-6E60-7342-9D10-B1CB418D1B45}"/>
               </a:ext>
             </a:extLst>
           </p:cNvPr>
@@ -3152,95 +3069,20 @@
         </p:nvSpPr>
         <p:spPr/>
         <p:txBody>
-          <a:bodyPr>
-            <a:normAutofit/>
-          </a:bodyPr>
+          <a:bodyPr/>
           <a:lstStyle/>
           <a:p>
             <a:r>
               <a:rPr lang="en-US" dirty="0"/>
-              <a:t>Let's be more precise: </a:t>
-            </a:r>
-            <a:r>
-              <a:rPr lang="en-US" b="1" dirty="0"/>
-              <a:t>5 + (2 * 3)</a:t>
-            </a:r>
-          </a:p>
-          <a:p>
-            <a:r>
-              <a:rPr lang="en-US" dirty="0"/>
-              <a:t>First, Python computes the value of </a:t>
-            </a:r>
-            <a:r>
-              <a:rPr lang="en-US" b="1" dirty="0"/>
-              <a:t>2*3</a:t>
-            </a:r>
-            <a:r>
-              <a:rPr lang="en-US" dirty="0"/>
-              <a:t>, that's </a:t>
-            </a:r>
-            <a:r>
-              <a:rPr lang="en-US" b="1" dirty="0"/>
-              <a:t>6</a:t>
-            </a:r>
-            <a:r>
-              <a:rPr lang="en-US" dirty="0"/>
-              <a:t>, and replaces </a:t>
-            </a:r>
-            <a:r>
-              <a:rPr lang="en-US" b="1" dirty="0"/>
-              <a:t>2*3</a:t>
-            </a:r>
-            <a:r>
-              <a:rPr lang="en-US" dirty="0"/>
-              <a:t> with its value: </a:t>
-            </a:r>
-            <a:r>
-              <a:rPr lang="en-US" b="1" dirty="0"/>
-              <a:t>5 + 6</a:t>
-            </a:r>
-            <a:endParaRPr lang="en-US" dirty="0"/>
-          </a:p>
-          <a:p>
-            <a:r>
-              <a:rPr lang="en-US" dirty="0"/>
-              <a:t>Now, Python computes the value of </a:t>
-            </a:r>
-            <a:r>
-              <a:rPr lang="en-US" b="1" dirty="0"/>
-              <a:t>5+6</a:t>
-            </a:r>
-            <a:r>
-              <a:rPr lang="en-US" dirty="0"/>
-              <a:t>, which is </a:t>
-            </a:r>
-            <a:r>
-              <a:rPr lang="en-US" b="1" dirty="0"/>
-              <a:t>11</a:t>
-            </a:r>
-            <a:r>
-              <a:rPr lang="en-US" dirty="0"/>
-              <a:t>.</a:t>
-            </a:r>
-          </a:p>
-          <a:p>
-            <a:r>
-              <a:rPr lang="en-US" dirty="0"/>
-              <a:t>This follows all of the same rules as regular math.</a:t>
-            </a:r>
-          </a:p>
-          <a:p>
-            <a:pPr marL="0" indent="0">
-              <a:buNone/>
-            </a:pPr>
-            <a:endParaRPr lang="en-US" b="1" dirty="0"/>
+              <a:t>Python is extremely literal. Even if it's "obvious" you forgot the parentheses, Python doesn't know what's obvious to humans. It will do what you typed, not what you meant.</a:t>
+            </a:r>
           </a:p>
         </p:txBody>
       </p:sp>
     </p:spTree>
     <p:extLst>
       <p:ext uri="{BB962C8B-B14F-4D97-AF65-F5344CB8AC3E}">
-        <p14:creationId xmlns:p14="http://schemas.microsoft.com/office/powerpoint/2010/main" val="4004284696"/>
+        <p14:creationId xmlns:p14="http://schemas.microsoft.com/office/powerpoint/2010/main" val="3176490625"/>
       </p:ext>
     </p:extLst>
   </p:cSld>
@@ -3309,7 +3151,7 @@
                   <a:schemeClr val="bg1"/>
                 </a:solidFill>
               </a:rPr>
-              <a:t>CTECH401_M2_04</a:t>
+              <a:t>CTECH401_M2_03</a:t>
             </a:r>
           </a:p>
           <a:p>
@@ -3941,98 +3783,6 @@
           </a:p>
         </p:txBody>
       </p:sp>
-      <p:sp>
-        <p:nvSpPr>
-          <p:cNvPr id="3" name="Rectangle 2">
-            <a:extLst>
-              <a:ext uri="{FF2B5EF4-FFF2-40B4-BE49-F238E27FC236}">
-                <a16:creationId xmlns:a16="http://schemas.microsoft.com/office/drawing/2014/main" id="{7E6C3C0C-D9DD-974E-80A0-73B193DB6200}"/>
-              </a:ext>
-            </a:extLst>
-          </p:cNvPr>
-          <p:cNvSpPr/>
-          <p:nvPr/>
-        </p:nvSpPr>
-        <p:spPr>
-          <a:xfrm>
-            <a:off x="5750392" y="3244334"/>
-            <a:ext cx="691215" cy="369332"/>
-          </a:xfrm>
-          <a:prstGeom prst="rect">
-            <a:avLst/>
-          </a:prstGeom>
-        </p:spPr>
-        <p:txBody>
-          <a:bodyPr wrap="none">
-            <a:spAutoFit/>
-          </a:bodyPr>
-          <a:lstStyle/>
-          <a:p>
-            <a:r>
-              <a:rPr lang="en-US" dirty="0">
-                <a:solidFill>
-                  <a:srgbClr val="000000"/>
-                </a:solidFill>
-                <a:latin typeface="Consolas" panose="020B0609020204030204" pitchFamily="49" charset="0"/>
-              </a:rPr>
-              <a:t>2.75</a:t>
-            </a:r>
-            <a:endParaRPr lang="en-US" dirty="0">
-              <a:solidFill>
-                <a:srgbClr val="000000"/>
-              </a:solidFill>
-              <a:effectLst/>
-              <a:latin typeface="Consolas" panose="020B0609020204030204" pitchFamily="49" charset="0"/>
-            </a:endParaRPr>
-          </a:p>
-        </p:txBody>
-      </p:sp>
-      <p:sp>
-        <p:nvSpPr>
-          <p:cNvPr id="4" name="Rectangle 3">
-            <a:extLst>
-              <a:ext uri="{FF2B5EF4-FFF2-40B4-BE49-F238E27FC236}">
-                <a16:creationId xmlns:a16="http://schemas.microsoft.com/office/drawing/2014/main" id="{B8671D27-EE5F-BC48-BEFC-7E02259051FD}"/>
-              </a:ext>
-            </a:extLst>
-          </p:cNvPr>
-          <p:cNvSpPr/>
-          <p:nvPr/>
-        </p:nvSpPr>
-        <p:spPr>
-          <a:xfrm>
-            <a:off x="5750392" y="3244334"/>
-            <a:ext cx="691215" cy="369332"/>
-          </a:xfrm>
-          <a:prstGeom prst="rect">
-            <a:avLst/>
-          </a:prstGeom>
-        </p:spPr>
-        <p:txBody>
-          <a:bodyPr wrap="none">
-            <a:spAutoFit/>
-          </a:bodyPr>
-          <a:lstStyle/>
-          <a:p>
-            <a:r>
-              <a:rPr lang="en-US" dirty="0">
-                <a:solidFill>
-                  <a:srgbClr val="000000"/>
-                </a:solidFill>
-                <a:latin typeface="Consolas" panose="020B0609020204030204" pitchFamily="49" charset="0"/>
-              </a:rPr>
-              <a:t>2.75</a:t>
-            </a:r>
-            <a:endParaRPr lang="en-US" dirty="0">
-              <a:solidFill>
-                <a:srgbClr val="000000"/>
-              </a:solidFill>
-              <a:effectLst/>
-              <a:latin typeface="Consolas" panose="020B0609020204030204" pitchFamily="49" charset="0"/>
-            </a:endParaRPr>
-          </a:p>
-        </p:txBody>
-      </p:sp>
     </p:spTree>
     <p:extLst>
       <p:ext uri="{BB962C8B-B14F-4D97-AF65-F5344CB8AC3E}">
@@ -4105,7 +3855,7 @@
                   <a:schemeClr val="bg1"/>
                 </a:solidFill>
               </a:rPr>
-              <a:t>CTECH401_M2_05</a:t>
+              <a:t>CTECH401_M2_04</a:t>
             </a:r>
           </a:p>
           <a:p>
@@ -4317,7 +4067,7 @@
           <a:p>
             <a:r>
               <a:rPr lang="en-US" dirty="0"/>
-              <a:t>x = 3</a:t>
+              <a:t>&gt;&gt;&gt; x = 3</a:t>
             </a:r>
           </a:p>
           <a:p>
@@ -4362,7 +4112,7 @@
           <a:p>
             <a:r>
               <a:rPr lang="en-US" dirty="0"/>
-              <a:t>x</a:t>
+              <a:t>&gt;&gt;&gt; x</a:t>
             </a:r>
           </a:p>
           <a:p>
@@ -4411,7 +4161,7 @@
           <p:cNvPr id="2" name="Content Placeholder 1">
             <a:extLst>
               <a:ext uri="{FF2B5EF4-FFF2-40B4-BE49-F238E27FC236}">
-                <a16:creationId xmlns:a16="http://schemas.microsoft.com/office/drawing/2014/main" id="{E88C7A8C-ED14-8643-AAC4-EF33D7E54267}"/>
+                <a16:creationId xmlns:a16="http://schemas.microsoft.com/office/drawing/2014/main" id="{74C089FE-F5AE-C144-B7E4-ABA41CA88A57}"/>
               </a:ext>
             </a:extLst>
           </p:cNvPr>
@@ -4424,92 +4174,83 @@
         </p:nvSpPr>
         <p:spPr/>
         <p:txBody>
-          <a:bodyPr>
-            <a:normAutofit fontScale="85000" lnSpcReduction="20000"/>
-          </a:bodyPr>
+          <a:bodyPr/>
           <a:lstStyle/>
           <a:p>
             <a:r>
               <a:rPr lang="en-US" dirty="0"/>
-              <a:t>x = 1</a:t>
-            </a:r>
-          </a:p>
-          <a:p>
-            <a:r>
-              <a:rPr lang="en-US" dirty="0"/>
-              <a:t>x = 2</a:t>
-            </a:r>
-          </a:p>
-          <a:p>
+              <a:t>First we </a:t>
+            </a:r>
             <a:r>
               <a:rPr lang="en-US" i="1" dirty="0"/>
-              <a:t>What is x</a:t>
-            </a:r>
-            <a:r>
-              <a:rPr lang="en-US" dirty="0"/>
-              <a:t>? 2</a:t>
-            </a:r>
-          </a:p>
-          <a:p>
+              <a:t>assign</a:t>
+            </a:r>
+            <a:r>
+              <a:rPr lang="en-US" dirty="0"/>
+              <a:t> a value to a variable</a:t>
+            </a:r>
+          </a:p>
+          <a:p>
+            <a:endParaRPr lang="en-US" dirty="0"/>
+          </a:p>
+          <a:p>
+            <a:r>
+              <a:rPr lang="en-US" dirty="0"/>
+              <a:t>&gt;&gt;&gt; x = 3</a:t>
+            </a:r>
+          </a:p>
+          <a:p>
+            <a:r>
+              <a:rPr lang="en-US" dirty="0"/>
+              <a:t>(This is called an </a:t>
+            </a:r>
             <a:r>
               <a:rPr lang="en-US" i="1" dirty="0"/>
-              <a:t>What happened to 1? Python forgot it. Don't put something in a variable unless you don't mind losing its current value. A variable only holds one value.</a:t>
-            </a:r>
-          </a:p>
-          <a:p>
-            <a:endParaRPr lang="en-US" i="1" dirty="0"/>
-          </a:p>
-          <a:p>
-            <a:r>
-              <a:rPr lang="en-US" dirty="0"/>
-              <a:t>x = 2</a:t>
-            </a:r>
-          </a:p>
-          <a:p>
-            <a:r>
-              <a:rPr lang="en-US" dirty="0"/>
-              <a:t>y = x + 2</a:t>
-            </a:r>
-          </a:p>
-          <a:p>
+              <a:t>assignment</a:t>
+            </a:r>
+            <a:r>
+              <a:rPr lang="en-US" dirty="0"/>
+              <a:t> </a:t>
+            </a:r>
             <a:r>
               <a:rPr lang="en-US" i="1" dirty="0"/>
-              <a:t>What is x?</a:t>
-            </a:r>
-            <a:r>
-              <a:rPr lang="en-US" dirty="0"/>
-              <a:t> 2</a:t>
-            </a:r>
-          </a:p>
-          <a:p>
+              <a:t>statement</a:t>
+            </a:r>
+            <a:r>
+              <a:rPr lang="en-US" dirty="0"/>
+              <a:t>)</a:t>
+            </a:r>
+          </a:p>
+          <a:p>
+            <a:r>
+              <a:rPr lang="en-US" dirty="0"/>
+              <a:t>Then we can </a:t>
+            </a:r>
             <a:r>
               <a:rPr lang="en-US" i="1" dirty="0"/>
-              <a:t>What is y?</a:t>
-            </a:r>
-            <a:r>
-              <a:rPr lang="en-US" dirty="0"/>
-              <a:t> 4</a:t>
-            </a:r>
-          </a:p>
-          <a:p>
-            <a:endParaRPr lang="en-US" i="1" dirty="0"/>
-          </a:p>
-          <a:p>
-            <a:r>
-              <a:rPr lang="en-US" dirty="0"/>
-              <a:t>x = 1</a:t>
-            </a:r>
-          </a:p>
-          <a:p>
-            <a:r>
-              <a:rPr lang="en-US" dirty="0"/>
-              <a:t>y = 2</a:t>
-            </a:r>
-          </a:p>
-          <a:p>
-            <a:r>
-              <a:rPr lang="en-US" dirty="0"/>
-              <a:t>x + y</a:t>
+              <a:t>use</a:t>
+            </a:r>
+            <a:r>
+              <a:rPr lang="en-US" dirty="0"/>
+              <a:t> the variable</a:t>
+            </a:r>
+          </a:p>
+          <a:p>
+            <a:endParaRPr lang="en-US" dirty="0"/>
+          </a:p>
+          <a:p>
+            <a:r>
+              <a:rPr lang="en-US" dirty="0"/>
+              <a:t>&gt;&gt;&gt; x</a:t>
+            </a:r>
+          </a:p>
+          <a:p>
+            <a:endParaRPr lang="en-US" dirty="0"/>
+          </a:p>
+          <a:p>
+            <a:r>
+              <a:rPr lang="en-US" dirty="0"/>
+              <a:t>See. Python remembers that x is 3. The value of a variable is the value that was assigned to it most recently. Look in the box and you find the last thing you put in it.</a:t>
             </a:r>
           </a:p>
         </p:txBody>
@@ -4517,7 +4258,7 @@
     </p:spTree>
     <p:extLst>
       <p:ext uri="{BB962C8B-B14F-4D97-AF65-F5344CB8AC3E}">
-        <p14:creationId xmlns:p14="http://schemas.microsoft.com/office/powerpoint/2010/main" val="3330022924"/>
+        <p14:creationId xmlns:p14="http://schemas.microsoft.com/office/powerpoint/2010/main" val="2143638849"/>
       </p:ext>
     </p:extLst>
   </p:cSld>
@@ -4546,10 +4287,10 @@
       </p:grpSpPr>
       <p:sp>
         <p:nvSpPr>
-          <p:cNvPr id="2" name="Text Placeholder 1">
+          <p:cNvPr id="2" name="Content Placeholder 1">
             <a:extLst>
               <a:ext uri="{FF2B5EF4-FFF2-40B4-BE49-F238E27FC236}">
-                <a16:creationId xmlns:a16="http://schemas.microsoft.com/office/drawing/2014/main" id="{22E0FA48-0D7A-7648-9FF5-4E29F94EB868}"/>
+                <a16:creationId xmlns:a16="http://schemas.microsoft.com/office/drawing/2014/main" id="{E88C7A8C-ED14-8643-AAC4-EF33D7E54267}"/>
               </a:ext>
             </a:extLst>
           </p:cNvPr>
@@ -4557,23 +4298,103 @@
             <a:spLocks noGrp="1"/>
           </p:cNvSpPr>
           <p:nvPr>
-            <p:ph type="body" sz="quarter" idx="10"/>
+            <p:ph sz="quarter" idx="10"/>
           </p:nvPr>
         </p:nvSpPr>
         <p:spPr/>
         <p:txBody>
-          <a:bodyPr/>
+          <a:bodyPr>
+            <a:normAutofit fontScale="85000" lnSpcReduction="20000"/>
+          </a:bodyPr>
           <a:lstStyle/>
           <a:p>
             <a:r>
               <a:rPr lang="en-US" dirty="0"/>
-              <a:t>More complicated example.</a:t>
-            </a:r>
-          </a:p>
-          <a:p>
-            <a:r>
-              <a:rPr lang="en-US" dirty="0"/>
-              <a:t>What are the variables after each line in this program?</a:t>
+              <a:t>&gt;&gt;&gt; x = 1</a:t>
+            </a:r>
+          </a:p>
+          <a:p>
+            <a:r>
+              <a:rPr lang="en-US" dirty="0"/>
+              <a:t>&gt;&gt;&gt; x = 2</a:t>
+            </a:r>
+          </a:p>
+          <a:p>
+            <a:r>
+              <a:rPr lang="en-US" i="1" dirty="0"/>
+              <a:t>What is x</a:t>
+            </a:r>
+            <a:r>
+              <a:rPr lang="en-US" dirty="0"/>
+              <a:t>? 2</a:t>
+            </a:r>
+          </a:p>
+          <a:p>
+            <a:r>
+              <a:rPr lang="en-US" i="1" dirty="0"/>
+              <a:t>What happened to 1? Python forgot it. Don't put something in a variable unless you don't mind losing its current value. A variable only holds one value.</a:t>
+            </a:r>
+          </a:p>
+          <a:p>
+            <a:endParaRPr lang="en-US" i="1" dirty="0"/>
+          </a:p>
+          <a:p>
+            <a:r>
+              <a:rPr lang="en-US" dirty="0"/>
+              <a:t>&gt;&gt;&gt; x = 2</a:t>
+            </a:r>
+          </a:p>
+          <a:p>
+            <a:r>
+              <a:rPr lang="en-US" dirty="0"/>
+              <a:t>&gt;&gt;&gt; y = x + 2</a:t>
+            </a:r>
+          </a:p>
+          <a:p>
+            <a:r>
+              <a:rPr lang="en-US" i="1" dirty="0"/>
+              <a:t>What is x?</a:t>
+            </a:r>
+            <a:r>
+              <a:rPr lang="en-US" dirty="0"/>
+              <a:t> 2</a:t>
+            </a:r>
+          </a:p>
+          <a:p>
+            <a:r>
+              <a:rPr lang="en-US" i="1" dirty="0"/>
+              <a:t>What is y?</a:t>
+            </a:r>
+            <a:r>
+              <a:rPr lang="en-US" dirty="0"/>
+              <a:t> 4</a:t>
+            </a:r>
+          </a:p>
+          <a:p>
+            <a:endParaRPr lang="en-US" i="1" dirty="0"/>
+          </a:p>
+          <a:p>
+            <a:r>
+              <a:rPr lang="en-US" dirty="0"/>
+              <a:t>x = 1</a:t>
+            </a:r>
+          </a:p>
+          <a:p>
+            <a:r>
+              <a:rPr lang="en-US" dirty="0"/>
+              <a:t>y = 2</a:t>
+            </a:r>
+          </a:p>
+          <a:p>
+            <a:r>
+              <a:rPr lang="en-US" i="1" dirty="0"/>
+              <a:t>What is x + y?</a:t>
+            </a:r>
+          </a:p>
+          <a:p>
+            <a:r>
+              <a:rPr lang="en-US" dirty="0"/>
+              <a:t>x + y</a:t>
             </a:r>
           </a:p>
         </p:txBody>
@@ -4581,7 +4402,7 @@
     </p:spTree>
     <p:extLst>
       <p:ext uri="{BB962C8B-B14F-4D97-AF65-F5344CB8AC3E}">
-        <p14:creationId xmlns:p14="http://schemas.microsoft.com/office/powerpoint/2010/main" val="2383968008"/>
+        <p14:creationId xmlns:p14="http://schemas.microsoft.com/office/powerpoint/2010/main" val="3330022924"/>
       </p:ext>
     </p:extLst>
   </p:cSld>
@@ -4613,7 +4434,7 @@
           <p:cNvPr id="2" name="Text Placeholder 1">
             <a:extLst>
               <a:ext uri="{FF2B5EF4-FFF2-40B4-BE49-F238E27FC236}">
-                <a16:creationId xmlns:a16="http://schemas.microsoft.com/office/drawing/2014/main" id="{49E79222-9378-8546-A143-A7AFB823A0C3}"/>
+                <a16:creationId xmlns:a16="http://schemas.microsoft.com/office/drawing/2014/main" id="{22E0FA48-0D7A-7648-9FF5-4E29F94EB868}"/>
               </a:ext>
             </a:extLst>
           </p:cNvPr>
@@ -4621,212 +4442,31 @@
             <a:spLocks noGrp="1"/>
           </p:cNvSpPr>
           <p:nvPr>
-            <p:ph type="body" sz="quarter" idx="11"/>
-          </p:nvPr>
-        </p:nvSpPr>
-        <p:spPr>
-          <a:xfrm>
-            <a:off x="5892800" y="359330"/>
-            <a:ext cx="6011900" cy="2171492"/>
-          </a:xfrm>
-        </p:spPr>
+            <p:ph type="body" sz="quarter" idx="10"/>
+          </p:nvPr>
+        </p:nvSpPr>
+        <p:spPr/>
         <p:txBody>
           <a:bodyPr/>
           <a:lstStyle/>
           <a:p>
             <a:r>
-              <a:rPr lang="en-US" b="1" dirty="0">
-                <a:solidFill>
-                  <a:srgbClr val="000000"/>
-                </a:solidFill>
-                <a:latin typeface="Consolas" panose="020B0609020204030204" pitchFamily="49" charset="0"/>
-              </a:rPr>
-              <a:t>a </a:t>
-            </a:r>
-            <a:r>
-              <a:rPr lang="en-US" b="1" dirty="0">
-                <a:solidFill>
-                  <a:srgbClr val="CE5C00"/>
-                </a:solidFill>
-                <a:latin typeface="Consolas" panose="020B0609020204030204" pitchFamily="49" charset="0"/>
-              </a:rPr>
-              <a:t>= </a:t>
-            </a:r>
-            <a:r>
-              <a:rPr lang="en-US" b="1" dirty="0">
-                <a:solidFill>
-                  <a:srgbClr val="0000CF"/>
-                </a:solidFill>
-                <a:latin typeface="Consolas" panose="020B0609020204030204" pitchFamily="49" charset="0"/>
-              </a:rPr>
-              <a:t>1</a:t>
-            </a:r>
-          </a:p>
-          <a:p>
-            <a:r>
-              <a:rPr lang="en-US" b="1" dirty="0">
-                <a:solidFill>
-                  <a:srgbClr val="000000"/>
-                </a:solidFill>
-                <a:latin typeface="Consolas" panose="020B0609020204030204" pitchFamily="49" charset="0"/>
-              </a:rPr>
-              <a:t>b </a:t>
-            </a:r>
-            <a:r>
-              <a:rPr lang="en-US" b="1" dirty="0">
-                <a:solidFill>
-                  <a:srgbClr val="CE5C00"/>
-                </a:solidFill>
-                <a:latin typeface="Consolas" panose="020B0609020204030204" pitchFamily="49" charset="0"/>
-              </a:rPr>
-              <a:t>= </a:t>
-            </a:r>
-            <a:r>
-              <a:rPr lang="en-US" b="1" dirty="0">
-                <a:solidFill>
-                  <a:srgbClr val="0000CF"/>
-                </a:solidFill>
-                <a:latin typeface="Consolas" panose="020B0609020204030204" pitchFamily="49" charset="0"/>
-              </a:rPr>
-              <a:t>2</a:t>
-            </a:r>
-          </a:p>
-          <a:p>
-            <a:r>
-              <a:rPr lang="en-US" b="1" dirty="0">
-                <a:solidFill>
-                  <a:srgbClr val="000000"/>
-                </a:solidFill>
-                <a:latin typeface="Consolas" panose="020B0609020204030204" pitchFamily="49" charset="0"/>
-              </a:rPr>
-              <a:t>a </a:t>
-            </a:r>
-            <a:r>
-              <a:rPr lang="en-US" b="1" dirty="0">
-                <a:solidFill>
-                  <a:srgbClr val="CE5C00"/>
-                </a:solidFill>
-                <a:latin typeface="Consolas" panose="020B0609020204030204" pitchFamily="49" charset="0"/>
-              </a:rPr>
-              <a:t>+ </a:t>
-            </a:r>
-            <a:r>
-              <a:rPr lang="en-US" b="1" dirty="0">
-                <a:solidFill>
-                  <a:srgbClr val="000000"/>
-                </a:solidFill>
-                <a:latin typeface="Consolas" panose="020B0609020204030204" pitchFamily="49" charset="0"/>
-              </a:rPr>
-              <a:t>b</a:t>
-            </a:r>
-          </a:p>
-          <a:p>
-            <a:r>
-              <a:rPr lang="en-US" b="1" dirty="0">
-                <a:solidFill>
-                  <a:srgbClr val="000000"/>
-                </a:solidFill>
-                <a:latin typeface="Consolas" panose="020B0609020204030204" pitchFamily="49" charset="0"/>
-              </a:rPr>
-              <a:t>a </a:t>
-            </a:r>
-            <a:r>
-              <a:rPr lang="en-US" b="1" dirty="0">
-                <a:solidFill>
-                  <a:srgbClr val="CE5C00"/>
-                </a:solidFill>
-                <a:latin typeface="Consolas" panose="020B0609020204030204" pitchFamily="49" charset="0"/>
-              </a:rPr>
-              <a:t>= </a:t>
-            </a:r>
-            <a:r>
-              <a:rPr lang="en-US" b="1" dirty="0">
-                <a:solidFill>
-                  <a:srgbClr val="0000CF"/>
-                </a:solidFill>
-                <a:latin typeface="Consolas" panose="020B0609020204030204" pitchFamily="49" charset="0"/>
-              </a:rPr>
-              <a:t>3</a:t>
-            </a:r>
-          </a:p>
-          <a:p>
-            <a:r>
-              <a:rPr lang="en-US" b="1" dirty="0">
-                <a:solidFill>
-                  <a:srgbClr val="000000"/>
-                </a:solidFill>
-                <a:latin typeface="Consolas" panose="020B0609020204030204" pitchFamily="49" charset="0"/>
-              </a:rPr>
-              <a:t>a </a:t>
-            </a:r>
-            <a:r>
-              <a:rPr lang="en-US" b="1" dirty="0">
-                <a:solidFill>
-                  <a:srgbClr val="CE5C00"/>
-                </a:solidFill>
-                <a:latin typeface="Consolas" panose="020B0609020204030204" pitchFamily="49" charset="0"/>
-              </a:rPr>
-              <a:t>= </a:t>
-            </a:r>
-            <a:r>
-              <a:rPr lang="en-US" b="1" dirty="0">
-                <a:solidFill>
-                  <a:srgbClr val="000000"/>
-                </a:solidFill>
-                <a:latin typeface="Consolas" panose="020B0609020204030204" pitchFamily="49" charset="0"/>
-              </a:rPr>
-              <a:t>a </a:t>
-            </a:r>
-            <a:r>
-              <a:rPr lang="en-US" b="1" dirty="0">
-                <a:solidFill>
-                  <a:srgbClr val="CE5C00"/>
-                </a:solidFill>
-                <a:latin typeface="Consolas" panose="020B0609020204030204" pitchFamily="49" charset="0"/>
-              </a:rPr>
-              <a:t>+ </a:t>
-            </a:r>
-            <a:r>
-              <a:rPr lang="en-US" b="1" dirty="0">
-                <a:solidFill>
-                  <a:srgbClr val="0000CF"/>
-                </a:solidFill>
-                <a:latin typeface="Consolas" panose="020B0609020204030204" pitchFamily="49" charset="0"/>
-              </a:rPr>
-              <a:t>2</a:t>
-            </a:r>
-          </a:p>
-        </p:txBody>
-      </p:sp>
-      <p:sp>
-        <p:nvSpPr>
-          <p:cNvPr id="3" name="Text Placeholder 2">
-            <a:extLst>
-              <a:ext uri="{FF2B5EF4-FFF2-40B4-BE49-F238E27FC236}">
-                <a16:creationId xmlns:a16="http://schemas.microsoft.com/office/drawing/2014/main" id="{829A63BD-C652-D447-9DB9-0EEA6B1B993F}"/>
-              </a:ext>
-            </a:extLst>
-          </p:cNvPr>
-          <p:cNvSpPr>
-            <a:spLocks noGrp="1"/>
-          </p:cNvSpPr>
-          <p:nvPr>
-            <p:ph type="body" sz="quarter" idx="12"/>
-          </p:nvPr>
-        </p:nvSpPr>
-        <p:spPr/>
-        <p:txBody>
-          <a:bodyPr/>
-          <a:lstStyle/>
-          <a:p>
-            <a:endParaRPr lang="en-US"/>
+              <a:rPr lang="en-US" dirty="0"/>
+              <a:t>More complicated example.</a:t>
+            </a:r>
+          </a:p>
+          <a:p>
+            <a:r>
+              <a:rPr lang="en-US" dirty="0"/>
+              <a:t>What are the variables after each line in this program?</a:t>
+            </a:r>
           </a:p>
         </p:txBody>
       </p:sp>
     </p:spTree>
     <p:extLst>
       <p:ext uri="{BB962C8B-B14F-4D97-AF65-F5344CB8AC3E}">
-        <p14:creationId xmlns:p14="http://schemas.microsoft.com/office/powerpoint/2010/main" val="3089521584"/>
+        <p14:creationId xmlns:p14="http://schemas.microsoft.com/office/powerpoint/2010/main" val="2383968008"/>
       </p:ext>
     </p:extLst>
   </p:cSld>
@@ -4858,7 +4498,7 @@
           <p:cNvPr id="2" name="Text Placeholder 1">
             <a:extLst>
               <a:ext uri="{FF2B5EF4-FFF2-40B4-BE49-F238E27FC236}">
-                <a16:creationId xmlns:a16="http://schemas.microsoft.com/office/drawing/2014/main" id="{FDC03C01-63DF-2D4F-AF11-33DBAFBAA695}"/>
+                <a16:creationId xmlns:a16="http://schemas.microsoft.com/office/drawing/2014/main" id="{49E79222-9378-8546-A143-A7AFB823A0C3}"/>
               </a:ext>
             </a:extLst>
           </p:cNvPr>
@@ -4866,102 +4506,212 @@
             <a:spLocks noGrp="1"/>
           </p:cNvSpPr>
           <p:nvPr>
-            <p:ph type="body" sz="quarter" idx="10"/>
-          </p:nvPr>
-        </p:nvSpPr>
-        <p:spPr/>
+            <p:ph type="body" sz="quarter" idx="11"/>
+          </p:nvPr>
+        </p:nvSpPr>
+        <p:spPr>
+          <a:xfrm>
+            <a:off x="5892800" y="359330"/>
+            <a:ext cx="6011900" cy="2171492"/>
+          </a:xfrm>
+        </p:spPr>
         <p:txBody>
           <a:bodyPr/>
           <a:lstStyle/>
           <a:p>
             <a:r>
-              <a:rPr lang="en-US" dirty="0"/>
-              <a:t>Variable names have to start with a letter or the underscore _, and then they can have letters, digits, and underscores.</a:t>
-            </a:r>
-          </a:p>
-          <a:p>
-            <a:pPr lvl="1"/>
-            <a:r>
-              <a:rPr lang="en-US" dirty="0"/>
-              <a:t>OK: </a:t>
-            </a:r>
-            <a:r>
-              <a:rPr lang="en-US" b="1" dirty="0"/>
-              <a:t>months</a:t>
-            </a:r>
-            <a:r>
-              <a:rPr lang="en-US" dirty="0"/>
-              <a:t>, </a:t>
-            </a:r>
-            <a:r>
-              <a:rPr lang="en-US" b="1" dirty="0"/>
-              <a:t>my2data</a:t>
-            </a:r>
-            <a:r>
-              <a:rPr lang="en-US" dirty="0"/>
-              <a:t>, </a:t>
-            </a:r>
-            <a:r>
-              <a:rPr lang="en-US" b="1" dirty="0" err="1"/>
-              <a:t>BIG_variable</a:t>
-            </a:r>
-            <a:endParaRPr lang="en-US" b="1" dirty="0"/>
-          </a:p>
-          <a:p>
-            <a:pPr lvl="1"/>
-            <a:r>
-              <a:rPr lang="en-US" dirty="0"/>
-              <a:t>Not OK: </a:t>
-            </a:r>
-            <a:r>
-              <a:rPr lang="en-US" b="1" dirty="0" err="1"/>
-              <a:t>email@domain.com</a:t>
-            </a:r>
-            <a:r>
-              <a:rPr lang="en-US" dirty="0"/>
-              <a:t>, </a:t>
-            </a:r>
-            <a:r>
-              <a:rPr lang="en-US" b="1" dirty="0"/>
-              <a:t>10times</a:t>
-            </a:r>
-          </a:p>
-          <a:p>
-            <a:r>
-              <a:rPr lang="en-US" dirty="0"/>
-              <a:t>Variable names are case-sensitive: they depend on </a:t>
-            </a:r>
-            <a:r>
-              <a:rPr lang="en-US" dirty="0" err="1"/>
-              <a:t>capitalizatiton</a:t>
-            </a:r>
-            <a:endParaRPr lang="en-US" dirty="0"/>
-          </a:p>
-          <a:p>
-            <a:pPr lvl="1"/>
-            <a:r>
-              <a:rPr lang="en-US" b="1" dirty="0" err="1"/>
-              <a:t>JabberWock</a:t>
-            </a:r>
-            <a:r>
-              <a:rPr lang="en-US" dirty="0"/>
-              <a:t> and </a:t>
-            </a:r>
-            <a:r>
-              <a:rPr lang="en-US" b="1" dirty="0" err="1"/>
-              <a:t>jabberwock</a:t>
-            </a:r>
-            <a:r>
-              <a:rPr lang="en-US" dirty="0"/>
-              <a:t> are different variables</a:t>
-            </a:r>
+              <a:rPr lang="en-US" b="1" dirty="0">
+                <a:solidFill>
+                  <a:srgbClr val="000000"/>
+                </a:solidFill>
+                <a:latin typeface="Consolas" panose="020B0609020204030204" pitchFamily="49" charset="0"/>
+              </a:rPr>
+              <a:t>a </a:t>
+            </a:r>
+            <a:r>
+              <a:rPr lang="en-US" b="1" dirty="0">
+                <a:solidFill>
+                  <a:srgbClr val="CE5C00"/>
+                </a:solidFill>
+                <a:latin typeface="Consolas" panose="020B0609020204030204" pitchFamily="49" charset="0"/>
+              </a:rPr>
+              <a:t>= </a:t>
+            </a:r>
+            <a:r>
+              <a:rPr lang="en-US" b="1" dirty="0">
+                <a:solidFill>
+                  <a:srgbClr val="0000CF"/>
+                </a:solidFill>
+                <a:latin typeface="Consolas" panose="020B0609020204030204" pitchFamily="49" charset="0"/>
+              </a:rPr>
+              <a:t>1</a:t>
+            </a:r>
+          </a:p>
+          <a:p>
+            <a:r>
+              <a:rPr lang="en-US" b="1" dirty="0">
+                <a:solidFill>
+                  <a:srgbClr val="000000"/>
+                </a:solidFill>
+                <a:latin typeface="Consolas" panose="020B0609020204030204" pitchFamily="49" charset="0"/>
+              </a:rPr>
+              <a:t>b </a:t>
+            </a:r>
+            <a:r>
+              <a:rPr lang="en-US" b="1" dirty="0">
+                <a:solidFill>
+                  <a:srgbClr val="CE5C00"/>
+                </a:solidFill>
+                <a:latin typeface="Consolas" panose="020B0609020204030204" pitchFamily="49" charset="0"/>
+              </a:rPr>
+              <a:t>= </a:t>
+            </a:r>
+            <a:r>
+              <a:rPr lang="en-US" b="1" dirty="0">
+                <a:solidFill>
+                  <a:srgbClr val="0000CF"/>
+                </a:solidFill>
+                <a:latin typeface="Consolas" panose="020B0609020204030204" pitchFamily="49" charset="0"/>
+              </a:rPr>
+              <a:t>2</a:t>
+            </a:r>
+          </a:p>
+          <a:p>
+            <a:r>
+              <a:rPr lang="en-US" b="1" dirty="0">
+                <a:solidFill>
+                  <a:srgbClr val="000000"/>
+                </a:solidFill>
+                <a:latin typeface="Consolas" panose="020B0609020204030204" pitchFamily="49" charset="0"/>
+              </a:rPr>
+              <a:t>a </a:t>
+            </a:r>
+            <a:r>
+              <a:rPr lang="en-US" b="1" dirty="0">
+                <a:solidFill>
+                  <a:srgbClr val="CE5C00"/>
+                </a:solidFill>
+                <a:latin typeface="Consolas" panose="020B0609020204030204" pitchFamily="49" charset="0"/>
+              </a:rPr>
+              <a:t>+ </a:t>
+            </a:r>
+            <a:r>
+              <a:rPr lang="en-US" b="1" dirty="0">
+                <a:solidFill>
+                  <a:srgbClr val="000000"/>
+                </a:solidFill>
+                <a:latin typeface="Consolas" panose="020B0609020204030204" pitchFamily="49" charset="0"/>
+              </a:rPr>
+              <a:t>b</a:t>
+            </a:r>
+          </a:p>
+          <a:p>
+            <a:r>
+              <a:rPr lang="en-US" b="1" dirty="0">
+                <a:solidFill>
+                  <a:srgbClr val="000000"/>
+                </a:solidFill>
+                <a:latin typeface="Consolas" panose="020B0609020204030204" pitchFamily="49" charset="0"/>
+              </a:rPr>
+              <a:t>a </a:t>
+            </a:r>
+            <a:r>
+              <a:rPr lang="en-US" b="1" dirty="0">
+                <a:solidFill>
+                  <a:srgbClr val="CE5C00"/>
+                </a:solidFill>
+                <a:latin typeface="Consolas" panose="020B0609020204030204" pitchFamily="49" charset="0"/>
+              </a:rPr>
+              <a:t>= </a:t>
+            </a:r>
+            <a:r>
+              <a:rPr lang="en-US" b="1" dirty="0">
+                <a:solidFill>
+                  <a:srgbClr val="0000CF"/>
+                </a:solidFill>
+                <a:latin typeface="Consolas" panose="020B0609020204030204" pitchFamily="49" charset="0"/>
+              </a:rPr>
+              <a:t>3</a:t>
+            </a:r>
+          </a:p>
+          <a:p>
+            <a:r>
+              <a:rPr lang="en-US" b="1" dirty="0">
+                <a:solidFill>
+                  <a:srgbClr val="000000"/>
+                </a:solidFill>
+                <a:latin typeface="Consolas" panose="020B0609020204030204" pitchFamily="49" charset="0"/>
+              </a:rPr>
+              <a:t>a </a:t>
+            </a:r>
+            <a:r>
+              <a:rPr lang="en-US" b="1" dirty="0">
+                <a:solidFill>
+                  <a:srgbClr val="CE5C00"/>
+                </a:solidFill>
+                <a:latin typeface="Consolas" panose="020B0609020204030204" pitchFamily="49" charset="0"/>
+              </a:rPr>
+              <a:t>= </a:t>
+            </a:r>
+            <a:r>
+              <a:rPr lang="en-US" b="1" dirty="0">
+                <a:solidFill>
+                  <a:srgbClr val="000000"/>
+                </a:solidFill>
+                <a:latin typeface="Consolas" panose="020B0609020204030204" pitchFamily="49" charset="0"/>
+              </a:rPr>
+              <a:t>a </a:t>
+            </a:r>
+            <a:r>
+              <a:rPr lang="en-US" b="1" dirty="0">
+                <a:solidFill>
+                  <a:srgbClr val="CE5C00"/>
+                </a:solidFill>
+                <a:latin typeface="Consolas" panose="020B0609020204030204" pitchFamily="49" charset="0"/>
+              </a:rPr>
+              <a:t>+ </a:t>
+            </a:r>
+            <a:r>
+              <a:rPr lang="en-US" b="1" dirty="0">
+                <a:solidFill>
+                  <a:srgbClr val="0000CF"/>
+                </a:solidFill>
+                <a:latin typeface="Consolas" panose="020B0609020204030204" pitchFamily="49" charset="0"/>
+              </a:rPr>
+              <a:t>2</a:t>
+            </a:r>
+          </a:p>
+        </p:txBody>
+      </p:sp>
+      <p:sp>
+        <p:nvSpPr>
+          <p:cNvPr id="3" name="Text Placeholder 2">
+            <a:extLst>
+              <a:ext uri="{FF2B5EF4-FFF2-40B4-BE49-F238E27FC236}">
+                <a16:creationId xmlns:a16="http://schemas.microsoft.com/office/drawing/2014/main" id="{829A63BD-C652-D447-9DB9-0EEA6B1B993F}"/>
+              </a:ext>
+            </a:extLst>
+          </p:cNvPr>
+          <p:cNvSpPr>
+            <a:spLocks noGrp="1"/>
+          </p:cNvSpPr>
+          <p:nvPr>
+            <p:ph type="body" sz="quarter" idx="12"/>
+          </p:nvPr>
+        </p:nvSpPr>
+        <p:spPr/>
+        <p:txBody>
+          <a:bodyPr/>
+          <a:lstStyle/>
+          <a:p>
+            <a:endParaRPr lang="en-US"/>
           </a:p>
         </p:txBody>
       </p:sp>
     </p:spTree>
     <p:extLst>
       <p:ext uri="{BB962C8B-B14F-4D97-AF65-F5344CB8AC3E}">
-        <p14:creationId xmlns:p14="http://schemas.microsoft.com/office/powerpoint/2010/main" val="1978305547"/>
+        <p14:creationId xmlns:p14="http://schemas.microsoft.com/office/powerpoint/2010/main" val="3089521584"/>
       </p:ext>
     </p:extLst>
   </p:cSld>
@@ -4993,7 +4743,7 @@
           <p:cNvPr id="2" name="Text Placeholder 1">
             <a:extLst>
               <a:ext uri="{FF2B5EF4-FFF2-40B4-BE49-F238E27FC236}">
-                <a16:creationId xmlns:a16="http://schemas.microsoft.com/office/drawing/2014/main" id="{0D486F6B-E362-2947-AEA5-572FEE5A6CE5}"/>
+                <a16:creationId xmlns:a16="http://schemas.microsoft.com/office/drawing/2014/main" id="{FDC03C01-63DF-2D4F-AF11-33DBAFBAA695}"/>
               </a:ext>
             </a:extLst>
           </p:cNvPr>
@@ -5001,104 +4751,102 @@
             <a:spLocks noGrp="1"/>
           </p:cNvSpPr>
           <p:nvPr>
-            <p:ph type="body" sz="quarter" idx="11"/>
-          </p:nvPr>
-        </p:nvSpPr>
-        <p:spPr>
-          <a:xfrm>
-            <a:off x="5892800" y="359330"/>
-            <a:ext cx="6011900" cy="924997"/>
-          </a:xfrm>
-        </p:spPr>
+            <p:ph type="body" sz="quarter" idx="10"/>
+          </p:nvPr>
+        </p:nvSpPr>
+        <p:spPr/>
         <p:txBody>
           <a:bodyPr/>
           <a:lstStyle/>
           <a:p>
             <a:r>
-              <a:rPr lang="en-US" dirty="0" err="1">
-                <a:solidFill>
-                  <a:srgbClr val="000000"/>
-                </a:solidFill>
-                <a:latin typeface="Consolas" panose="020B0609020204030204" pitchFamily="49" charset="0"/>
-              </a:rPr>
+              <a:rPr lang="en-US" dirty="0"/>
+              <a:t>Variable names have to start with a letter or the underscore _, and then they can have letters, digits, and underscores.</a:t>
+            </a:r>
+          </a:p>
+          <a:p>
+            <a:pPr lvl="1"/>
+            <a:r>
+              <a:rPr lang="en-US" dirty="0"/>
+              <a:t>OK: </a:t>
+            </a:r>
+            <a:r>
+              <a:rPr lang="en-US" b="1" dirty="0"/>
+              <a:t>months</a:t>
+            </a:r>
+            <a:r>
+              <a:rPr lang="en-US" dirty="0"/>
+              <a:t>, </a:t>
+            </a:r>
+            <a:r>
+              <a:rPr lang="en-US" b="1" dirty="0"/>
+              <a:t>my2data</a:t>
+            </a:r>
+            <a:r>
+              <a:rPr lang="en-US" dirty="0"/>
+              <a:t>, </a:t>
+            </a:r>
+            <a:r>
+              <a:rPr lang="en-US" b="1" dirty="0" err="1"/>
+              <a:t>BIG_variable</a:t>
+            </a:r>
+            <a:endParaRPr lang="en-US" b="1" dirty="0"/>
+          </a:p>
+          <a:p>
+            <a:pPr lvl="1"/>
+            <a:r>
+              <a:rPr lang="en-US" dirty="0"/>
+              <a:t>Not OK: </a:t>
+            </a:r>
+            <a:r>
+              <a:rPr lang="en-US" b="1" dirty="0" err="1"/>
+              <a:t>email@domain.com</a:t>
+            </a:r>
+            <a:r>
+              <a:rPr lang="en-US" dirty="0"/>
+              <a:t>, </a:t>
+            </a:r>
+            <a:r>
+              <a:rPr lang="en-US" b="1" dirty="0"/>
+              <a:t>10times</a:t>
+            </a:r>
+          </a:p>
+          <a:p>
+            <a:r>
+              <a:rPr lang="en-US" dirty="0"/>
+              <a:t>Variable names are case-sensitive: they depend on </a:t>
+            </a:r>
+            <a:r>
+              <a:rPr lang="en-US" dirty="0" err="1"/>
+              <a:t>capitalizatiton</a:t>
+            </a:r>
+            <a:endParaRPr lang="en-US" dirty="0"/>
+          </a:p>
+          <a:p>
+            <a:pPr lvl="1"/>
+            <a:r>
+              <a:rPr lang="en-US" b="1" dirty="0" err="1"/>
               <a:t>JabberWock</a:t>
             </a:r>
             <a:r>
-              <a:rPr lang="en-US" dirty="0">
-                <a:solidFill>
-                  <a:srgbClr val="000000"/>
-                </a:solidFill>
-                <a:latin typeface="Consolas" panose="020B0609020204030204" pitchFamily="49" charset="0"/>
-              </a:rPr>
-              <a:t> </a:t>
-            </a:r>
-            <a:r>
-              <a:rPr lang="en-US" b="1" dirty="0">
-                <a:solidFill>
-                  <a:srgbClr val="CE5C00"/>
-                </a:solidFill>
-                <a:latin typeface="Consolas" panose="020B0609020204030204" pitchFamily="49" charset="0"/>
-              </a:rPr>
-              <a:t>= </a:t>
-            </a:r>
-            <a:r>
-              <a:rPr lang="en-US" b="1" dirty="0">
-                <a:solidFill>
-                  <a:srgbClr val="0000CF"/>
-                </a:solidFill>
-                <a:latin typeface="Consolas" panose="020B0609020204030204" pitchFamily="49" charset="0"/>
-              </a:rPr>
-              <a:t>10</a:t>
-            </a:r>
-          </a:p>
-          <a:p>
-            <a:r>
-              <a:rPr lang="en-US" dirty="0" err="1">
-                <a:solidFill>
-                  <a:srgbClr val="000000"/>
-                </a:solidFill>
-                <a:latin typeface="Consolas" panose="020B0609020204030204" pitchFamily="49" charset="0"/>
-              </a:rPr>
+              <a:rPr lang="en-US" dirty="0"/>
+              <a:t> and </a:t>
+            </a:r>
+            <a:r>
+              <a:rPr lang="en-US" b="1" dirty="0" err="1"/>
               <a:t>jabberwock</a:t>
             </a:r>
-            <a:endParaRPr lang="en-US" dirty="0">
-              <a:solidFill>
-                <a:srgbClr val="000000"/>
-              </a:solidFill>
-              <a:latin typeface="Consolas" panose="020B0609020204030204" pitchFamily="49" charset="0"/>
-            </a:endParaRPr>
-          </a:p>
-        </p:txBody>
-      </p:sp>
-      <p:sp>
-        <p:nvSpPr>
-          <p:cNvPr id="3" name="Text Placeholder 2">
-            <a:extLst>
-              <a:ext uri="{FF2B5EF4-FFF2-40B4-BE49-F238E27FC236}">
-                <a16:creationId xmlns:a16="http://schemas.microsoft.com/office/drawing/2014/main" id="{9102FA1A-35B0-F948-BC7C-79D4069706BD}"/>
-              </a:ext>
-            </a:extLst>
-          </p:cNvPr>
-          <p:cNvSpPr>
-            <a:spLocks noGrp="1"/>
-          </p:cNvSpPr>
-          <p:nvPr>
-            <p:ph type="body" sz="quarter" idx="12"/>
-          </p:nvPr>
-        </p:nvSpPr>
-        <p:spPr/>
-        <p:txBody>
-          <a:bodyPr/>
-          <a:lstStyle/>
-          <a:p>
-            <a:endParaRPr lang="en-US"/>
+            <a:r>
+              <a:rPr lang="en-US" dirty="0"/>
+              <a:t> are different variables</a:t>
+            </a:r>
           </a:p>
         </p:txBody>
       </p:sp>
     </p:spTree>
     <p:extLst>
       <p:ext uri="{BB962C8B-B14F-4D97-AF65-F5344CB8AC3E}">
-        <p14:creationId xmlns:p14="http://schemas.microsoft.com/office/powerpoint/2010/main" val="2254210572"/>
+        <p14:creationId xmlns:p14="http://schemas.microsoft.com/office/powerpoint/2010/main" val="1978305547"/>
       </p:ext>
     </p:extLst>
   </p:cSld>
@@ -5130,7 +4878,7 @@
           <p:cNvPr id="2" name="Text Placeholder 1">
             <a:extLst>
               <a:ext uri="{FF2B5EF4-FFF2-40B4-BE49-F238E27FC236}">
-                <a16:creationId xmlns:a16="http://schemas.microsoft.com/office/drawing/2014/main" id="{06E88012-EA37-4246-8DA9-19B4AF6595E1}"/>
+                <a16:creationId xmlns:a16="http://schemas.microsoft.com/office/drawing/2014/main" id="{0D486F6B-E362-2947-AEA5-572FEE5A6CE5}"/>
               </a:ext>
             </a:extLst>
           </p:cNvPr>
@@ -5138,13 +4886,13 @@
             <a:spLocks noGrp="1"/>
           </p:cNvSpPr>
           <p:nvPr>
-            <p:ph type="body" sz="quarter" idx="10"/>
+            <p:ph type="body" sz="quarter" idx="11"/>
           </p:nvPr>
         </p:nvSpPr>
         <p:spPr>
           <a:xfrm>
-            <a:off x="3344863" y="1143000"/>
-            <a:ext cx="7593012" cy="2177006"/>
+            <a:off x="5892800" y="359330"/>
+            <a:ext cx="6011900" cy="1340495"/>
           </a:xfrm>
         </p:spPr>
         <p:txBody>
@@ -5152,40 +4900,107 @@
           <a:lstStyle/>
           <a:p>
             <a:r>
+              <a:rPr lang="en-US" dirty="0" err="1">
+                <a:solidFill>
+                  <a:srgbClr val="000000"/>
+                </a:solidFill>
+                <a:latin typeface="Consolas" panose="020B0609020204030204" pitchFamily="49" charset="0"/>
+              </a:rPr>
+              <a:t>JabberWock</a:t>
+            </a:r>
+            <a:r>
               <a:rPr lang="en-US" dirty="0">
                 <a:solidFill>
-                  <a:schemeClr val="bg1"/>
-                </a:solidFill>
-              </a:rPr>
-              <a:t>2</a:t>
-            </a:r>
-          </a:p>
-          <a:p>
-            <a:r>
-              <a:rPr lang="en-US" dirty="0">
-                <a:solidFill>
-                  <a:schemeClr val="bg1"/>
-                </a:solidFill>
-              </a:rPr>
-              <a:t>CTECH401_M2_06</a:t>
-            </a:r>
-          </a:p>
-          <a:p>
-            <a:r>
-              <a:rPr lang="en-US" dirty="0">
-                <a:solidFill>
-                  <a:schemeClr val="bg1"/>
-                </a:solidFill>
-              </a:rPr>
-              <a:t>Output</a:t>
-            </a:r>
+                  <a:srgbClr val="000000"/>
+                </a:solidFill>
+                <a:latin typeface="Consolas" panose="020B0609020204030204" pitchFamily="49" charset="0"/>
+              </a:rPr>
+              <a:t> </a:t>
+            </a:r>
+            <a:r>
+              <a:rPr lang="en-US" b="1" dirty="0">
+                <a:solidFill>
+                  <a:srgbClr val="CE5C00"/>
+                </a:solidFill>
+                <a:latin typeface="Consolas" panose="020B0609020204030204" pitchFamily="49" charset="0"/>
+              </a:rPr>
+              <a:t>= </a:t>
+            </a:r>
+            <a:r>
+              <a:rPr lang="en-US" b="1" dirty="0">
+                <a:solidFill>
+                  <a:srgbClr val="0000CF"/>
+                </a:solidFill>
+                <a:latin typeface="Consolas" panose="020B0609020204030204" pitchFamily="49" charset="0"/>
+              </a:rPr>
+              <a:t>10</a:t>
+            </a:r>
+          </a:p>
+          <a:p>
+            <a:r>
+              <a:rPr lang="en-US" dirty="0" err="1">
+                <a:solidFill>
+                  <a:srgbClr val="000000"/>
+                </a:solidFill>
+                <a:latin typeface="Consolas" panose="020B0609020204030204" pitchFamily="49" charset="0"/>
+              </a:rPr>
+              <a:t>JabberWock</a:t>
+            </a:r>
+            <a:endParaRPr lang="en-US" dirty="0">
+              <a:solidFill>
+                <a:srgbClr val="000000"/>
+              </a:solidFill>
+              <a:latin typeface="Consolas" panose="020B0609020204030204" pitchFamily="49" charset="0"/>
+            </a:endParaRPr>
+          </a:p>
+          <a:p>
+            <a:r>
+              <a:rPr lang="en-US" dirty="0" err="1">
+                <a:solidFill>
+                  <a:srgbClr val="000000"/>
+                </a:solidFill>
+                <a:latin typeface="Consolas" panose="020B0609020204030204" pitchFamily="49" charset="0"/>
+              </a:rPr>
+              <a:t>jabberwock</a:t>
+            </a:r>
+            <a:endParaRPr lang="en-US" dirty="0">
+              <a:solidFill>
+                <a:srgbClr val="000000"/>
+              </a:solidFill>
+              <a:latin typeface="Consolas" panose="020B0609020204030204" pitchFamily="49" charset="0"/>
+            </a:endParaRPr>
+          </a:p>
+        </p:txBody>
+      </p:sp>
+      <p:sp>
+        <p:nvSpPr>
+          <p:cNvPr id="3" name="Text Placeholder 2">
+            <a:extLst>
+              <a:ext uri="{FF2B5EF4-FFF2-40B4-BE49-F238E27FC236}">
+                <a16:creationId xmlns:a16="http://schemas.microsoft.com/office/drawing/2014/main" id="{9102FA1A-35B0-F948-BC7C-79D4069706BD}"/>
+              </a:ext>
+            </a:extLst>
+          </p:cNvPr>
+          <p:cNvSpPr>
+            <a:spLocks noGrp="1"/>
+          </p:cNvSpPr>
+          <p:nvPr>
+            <p:ph type="body" sz="quarter" idx="12"/>
+          </p:nvPr>
+        </p:nvSpPr>
+        <p:spPr/>
+        <p:txBody>
+          <a:bodyPr/>
+          <a:lstStyle/>
+          <a:p>
+            <a:endParaRPr lang="en-US"/>
           </a:p>
         </p:txBody>
       </p:sp>
     </p:spTree>
     <p:extLst>
       <p:ext uri="{BB962C8B-B14F-4D97-AF65-F5344CB8AC3E}">
-        <p14:creationId xmlns:p14="http://schemas.microsoft.com/office/powerpoint/2010/main" val="1323737696"/>
+        <p14:creationId xmlns:p14="http://schemas.microsoft.com/office/powerpoint/2010/main" val="2254210572"/>
       </p:ext>
     </p:extLst>
   </p:cSld>
@@ -5217,7 +5032,7 @@
           <p:cNvPr id="2" name="Text Placeholder 1">
             <a:extLst>
               <a:ext uri="{FF2B5EF4-FFF2-40B4-BE49-F238E27FC236}">
-                <a16:creationId xmlns:a16="http://schemas.microsoft.com/office/drawing/2014/main" id="{29391B63-CAA7-8B4E-A4F9-765F718EF5AE}"/>
+                <a16:creationId xmlns:a16="http://schemas.microsoft.com/office/drawing/2014/main" id="{06E88012-EA37-4246-8DA9-19B4AF6595E1}"/>
               </a:ext>
             </a:extLst>
           </p:cNvPr>
@@ -5228,20 +5043,43 @@
             <p:ph type="body" sz="quarter" idx="10"/>
           </p:nvPr>
         </p:nvSpPr>
-        <p:spPr/>
+        <p:spPr>
+          <a:xfrm>
+            <a:off x="3344863" y="1143000"/>
+            <a:ext cx="7593012" cy="2177006"/>
+          </a:xfrm>
+        </p:spPr>
         <p:txBody>
           <a:bodyPr/>
           <a:lstStyle/>
           <a:p>
             <a:r>
-              <a:rPr lang="en-US" dirty="0"/>
-              <a:t>Getting data into and out of Python </a:t>
-            </a:r>
-          </a:p>
-          <a:p>
-            <a:r>
-              <a:rPr lang="en-US" dirty="0"/>
-              <a:t>What's wrong with just typing a variable?</a:t>
+              <a:rPr lang="en-US" dirty="0">
+                <a:solidFill>
+                  <a:schemeClr val="bg1"/>
+                </a:solidFill>
+              </a:rPr>
+              <a:t>2</a:t>
+            </a:r>
+          </a:p>
+          <a:p>
+            <a:r>
+              <a:rPr lang="en-US" dirty="0">
+                <a:solidFill>
+                  <a:schemeClr val="bg1"/>
+                </a:solidFill>
+              </a:rPr>
+              <a:t>CTECH401_M2_05</a:t>
+            </a:r>
+          </a:p>
+          <a:p>
+            <a:r>
+              <a:rPr lang="en-US" dirty="0">
+                <a:solidFill>
+                  <a:schemeClr val="bg1"/>
+                </a:solidFill>
+              </a:rPr>
+              <a:t>Output</a:t>
             </a:r>
           </a:p>
         </p:txBody>
@@ -5249,7 +5087,7 @@
     </p:spTree>
     <p:extLst>
       <p:ext uri="{BB962C8B-B14F-4D97-AF65-F5344CB8AC3E}">
-        <p14:creationId xmlns:p14="http://schemas.microsoft.com/office/powerpoint/2010/main" val="2540924304"/>
+        <p14:creationId xmlns:p14="http://schemas.microsoft.com/office/powerpoint/2010/main" val="1323737696"/>
       </p:ext>
     </p:extLst>
   </p:cSld>
@@ -5281,7 +5119,7 @@
           <p:cNvPr id="2" name="Text Placeholder 1">
             <a:extLst>
               <a:ext uri="{FF2B5EF4-FFF2-40B4-BE49-F238E27FC236}">
-                <a16:creationId xmlns:a16="http://schemas.microsoft.com/office/drawing/2014/main" id="{D1695D88-7553-7649-98A2-F68638FAB1D6}"/>
+                <a16:creationId xmlns:a16="http://schemas.microsoft.com/office/drawing/2014/main" id="{29391B63-CAA7-8B4E-A4F9-765F718EF5AE}"/>
               </a:ext>
             </a:extLst>
           </p:cNvPr>
@@ -5289,7 +5127,7 @@
             <a:spLocks noGrp="1"/>
           </p:cNvSpPr>
           <p:nvPr>
-            <p:ph type="body" sz="quarter" idx="11"/>
+            <p:ph type="body" sz="quarter" idx="10"/>
           </p:nvPr>
         </p:nvSpPr>
         <p:spPr/>
@@ -5298,93 +5136,22 @@
           <a:lstStyle/>
           <a:p>
             <a:r>
-              <a:rPr lang="en-US" b="1" dirty="0">
-                <a:solidFill>
-                  <a:srgbClr val="000000"/>
-                </a:solidFill>
-                <a:latin typeface="Consolas" panose="020B0609020204030204" pitchFamily="49" charset="0"/>
-              </a:rPr>
-              <a:t>a </a:t>
-            </a:r>
-            <a:r>
-              <a:rPr lang="en-US" b="1" dirty="0">
-                <a:solidFill>
-                  <a:srgbClr val="CE5C00"/>
-                </a:solidFill>
-                <a:latin typeface="Consolas" panose="020B0609020204030204" pitchFamily="49" charset="0"/>
-              </a:rPr>
-              <a:t>= </a:t>
-            </a:r>
-            <a:r>
-              <a:rPr lang="en-US" b="1" dirty="0">
-                <a:solidFill>
-                  <a:srgbClr val="0000CF"/>
-                </a:solidFill>
-                <a:latin typeface="Consolas" panose="020B0609020204030204" pitchFamily="49" charset="0"/>
-              </a:rPr>
-              <a:t>10 </a:t>
-            </a:r>
-            <a:r>
-              <a:rPr lang="en-US" b="1" dirty="0">
-                <a:solidFill>
-                  <a:srgbClr val="CE5C00"/>
-                </a:solidFill>
-                <a:latin typeface="Consolas" panose="020B0609020204030204" pitchFamily="49" charset="0"/>
-              </a:rPr>
-              <a:t>+ </a:t>
-            </a:r>
-            <a:r>
-              <a:rPr lang="en-US" b="1" dirty="0">
-                <a:solidFill>
-                  <a:srgbClr val="0000CF"/>
-                </a:solidFill>
-                <a:latin typeface="Consolas" panose="020B0609020204030204" pitchFamily="49" charset="0"/>
-              </a:rPr>
-              <a:t>5</a:t>
-            </a:r>
-          </a:p>
-          <a:p>
-            <a:r>
-              <a:rPr lang="en-US" b="1" dirty="0">
-                <a:solidFill>
-                  <a:srgbClr val="000000"/>
-                </a:solidFill>
-                <a:latin typeface="Consolas" panose="020B0609020204030204" pitchFamily="49" charset="0"/>
-              </a:rPr>
-              <a:t>a</a:t>
-            </a:r>
-          </a:p>
-        </p:txBody>
-      </p:sp>
-      <p:sp>
-        <p:nvSpPr>
-          <p:cNvPr id="3" name="Text Placeholder 2">
-            <a:extLst>
-              <a:ext uri="{FF2B5EF4-FFF2-40B4-BE49-F238E27FC236}">
-                <a16:creationId xmlns:a16="http://schemas.microsoft.com/office/drawing/2014/main" id="{ED20C888-6D78-8743-AFF5-F3415059643E}"/>
-              </a:ext>
-            </a:extLst>
-          </p:cNvPr>
-          <p:cNvSpPr>
-            <a:spLocks noGrp="1"/>
-          </p:cNvSpPr>
-          <p:nvPr>
-            <p:ph type="body" sz="quarter" idx="12"/>
-          </p:nvPr>
-        </p:nvSpPr>
-        <p:spPr/>
-        <p:txBody>
-          <a:bodyPr/>
-          <a:lstStyle/>
-          <a:p>
-            <a:endParaRPr lang="en-US"/>
+              <a:rPr lang="en-US" dirty="0"/>
+              <a:t>Getting data into and out of Python </a:t>
+            </a:r>
+          </a:p>
+          <a:p>
+            <a:r>
+              <a:rPr lang="en-US" dirty="0"/>
+              <a:t>What's wrong with just typing a variable?</a:t>
+            </a:r>
           </a:p>
         </p:txBody>
       </p:sp>
     </p:spTree>
     <p:extLst>
       <p:ext uri="{BB962C8B-B14F-4D97-AF65-F5344CB8AC3E}">
-        <p14:creationId xmlns:p14="http://schemas.microsoft.com/office/powerpoint/2010/main" val="3261091867"/>
+        <p14:creationId xmlns:p14="http://schemas.microsoft.com/office/powerpoint/2010/main" val="2540924304"/>
       </p:ext>
     </p:extLst>
   </p:cSld>
@@ -5413,10 +5180,10 @@
       </p:grpSpPr>
       <p:sp>
         <p:nvSpPr>
-          <p:cNvPr id="2" name="Content Placeholder 1">
+          <p:cNvPr id="2" name="Text Placeholder 1">
             <a:extLst>
               <a:ext uri="{FF2B5EF4-FFF2-40B4-BE49-F238E27FC236}">
-                <a16:creationId xmlns:a16="http://schemas.microsoft.com/office/drawing/2014/main" id="{2B28D82C-B54A-4548-8711-8EFFF6A44323}"/>
+                <a16:creationId xmlns:a16="http://schemas.microsoft.com/office/drawing/2014/main" id="{D1695D88-7553-7649-98A2-F68638FAB1D6}"/>
               </a:ext>
             </a:extLst>
           </p:cNvPr>
@@ -5424,80 +5191,102 @@
             <a:spLocks noGrp="1"/>
           </p:cNvSpPr>
           <p:nvPr>
-            <p:ph sz="quarter" idx="10"/>
+            <p:ph type="body" sz="quarter" idx="11"/>
           </p:nvPr>
         </p:nvSpPr>
         <p:spPr/>
         <p:txBody>
-          <a:bodyPr>
-            <a:normAutofit fontScale="92500" lnSpcReduction="10000"/>
-          </a:bodyPr>
+          <a:bodyPr/>
           <a:lstStyle/>
           <a:p>
             <a:r>
-              <a:rPr lang="en-US" dirty="0"/>
-              <a:t>$ python </a:t>
-            </a:r>
-            <a:r>
-              <a:rPr lang="en-US" dirty="0" err="1"/>
-              <a:t>fifteen.py</a:t>
-            </a:r>
-            <a:endParaRPr lang="en-US" dirty="0"/>
-          </a:p>
-          <a:p>
-            <a:endParaRPr lang="en-US" dirty="0"/>
-          </a:p>
-          <a:p>
-            <a:r>
-              <a:rPr lang="en-US" i="1" dirty="0"/>
-              <a:t>Why didn't that do anything?</a:t>
-            </a:r>
-            <a:endParaRPr lang="en-US" dirty="0"/>
-          </a:p>
-          <a:p>
-            <a:endParaRPr lang="en-US" i="1" dirty="0"/>
-          </a:p>
-          <a:p>
-            <a:r>
-              <a:rPr lang="en-US" dirty="0"/>
-              <a:t>$ python</a:t>
-            </a:r>
-          </a:p>
-          <a:p>
-            <a:r>
-              <a:rPr lang="en-US" dirty="0"/>
-              <a:t>&gt;&gt;&gt; a = 10 + 5</a:t>
-            </a:r>
-          </a:p>
-          <a:p>
-            <a:r>
-              <a:rPr lang="en-US" dirty="0"/>
-              <a:t>&gt;&gt;&gt; a</a:t>
-            </a:r>
-          </a:p>
-          <a:p>
-            <a:endParaRPr lang="en-US" dirty="0"/>
-          </a:p>
-          <a:p>
-            <a:r>
-              <a:rPr lang="en-US" i="1" dirty="0"/>
-              <a:t>In interactive mode, Python prints the value of each statement. That's what makes it </a:t>
-            </a:r>
-            <a:r>
-              <a:rPr lang="en-US" b="1" i="1" dirty="0"/>
-              <a:t>interactive</a:t>
-            </a:r>
-            <a:r>
-              <a:rPr lang="en-US" i="1" dirty="0"/>
-              <a:t> and why it's so useful to play around with. Not when you run it as a program. Fortunately, we already know how to print from a Python program. It was the very first thing we did!</a:t>
-            </a:r>
+              <a:rPr lang="en-US" b="1" dirty="0">
+                <a:solidFill>
+                  <a:srgbClr val="000000"/>
+                </a:solidFill>
+                <a:latin typeface="Consolas" panose="020B0609020204030204" pitchFamily="49" charset="0"/>
+              </a:rPr>
+              <a:t>a </a:t>
+            </a:r>
+            <a:r>
+              <a:rPr lang="en-US" b="1" dirty="0">
+                <a:solidFill>
+                  <a:srgbClr val="CE5C00"/>
+                </a:solidFill>
+                <a:latin typeface="Consolas" panose="020B0609020204030204" pitchFamily="49" charset="0"/>
+              </a:rPr>
+              <a:t>= </a:t>
+            </a:r>
+            <a:r>
+              <a:rPr lang="en-US" b="1" dirty="0">
+                <a:solidFill>
+                  <a:srgbClr val="0000CF"/>
+                </a:solidFill>
+                <a:latin typeface="Consolas" panose="020B0609020204030204" pitchFamily="49" charset="0"/>
+              </a:rPr>
+              <a:t>10 </a:t>
+            </a:r>
+            <a:r>
+              <a:rPr lang="en-US" b="1" dirty="0">
+                <a:solidFill>
+                  <a:srgbClr val="CE5C00"/>
+                </a:solidFill>
+                <a:latin typeface="Consolas" panose="020B0609020204030204" pitchFamily="49" charset="0"/>
+              </a:rPr>
+              <a:t>+ </a:t>
+            </a:r>
+            <a:r>
+              <a:rPr lang="en-US" b="1" dirty="0">
+                <a:solidFill>
+                  <a:srgbClr val="0000CF"/>
+                </a:solidFill>
+                <a:latin typeface="Consolas" panose="020B0609020204030204" pitchFamily="49" charset="0"/>
+              </a:rPr>
+              <a:t>5</a:t>
+            </a:r>
+          </a:p>
+          <a:p>
+            <a:r>
+              <a:rPr lang="en-US" b="1" dirty="0">
+                <a:solidFill>
+                  <a:srgbClr val="000000"/>
+                </a:solidFill>
+                <a:latin typeface="Consolas" panose="020B0609020204030204" pitchFamily="49" charset="0"/>
+              </a:rPr>
+              <a:t>a</a:t>
+            </a:r>
+          </a:p>
+        </p:txBody>
+      </p:sp>
+      <p:sp>
+        <p:nvSpPr>
+          <p:cNvPr id="3" name="Text Placeholder 2">
+            <a:extLst>
+              <a:ext uri="{FF2B5EF4-FFF2-40B4-BE49-F238E27FC236}">
+                <a16:creationId xmlns:a16="http://schemas.microsoft.com/office/drawing/2014/main" id="{ED20C888-6D78-8743-AFF5-F3415059643E}"/>
+              </a:ext>
+            </a:extLst>
+          </p:cNvPr>
+          <p:cNvSpPr>
+            <a:spLocks noGrp="1"/>
+          </p:cNvSpPr>
+          <p:nvPr>
+            <p:ph type="body" sz="quarter" idx="12"/>
+          </p:nvPr>
+        </p:nvSpPr>
+        <p:spPr/>
+        <p:txBody>
+          <a:bodyPr/>
+          <a:lstStyle/>
+          <a:p>
+            <a:endParaRPr lang="en-US"/>
           </a:p>
         </p:txBody>
       </p:sp>
     </p:spTree>
     <p:extLst>
       <p:ext uri="{BB962C8B-B14F-4D97-AF65-F5344CB8AC3E}">
-        <p14:creationId xmlns:p14="http://schemas.microsoft.com/office/powerpoint/2010/main" val="3229034737"/>
+        <p14:creationId xmlns:p14="http://schemas.microsoft.com/office/powerpoint/2010/main" val="3261091867"/>
       </p:ext>
     </p:extLst>
   </p:cSld>
@@ -5576,7 +5365,7 @@
                   <a:schemeClr val="bg1"/>
                 </a:solidFill>
               </a:rPr>
-              <a:t>Arithmetic Expressions</a:t>
+              <a:t>Arithmetic</a:t>
             </a:r>
           </a:p>
         </p:txBody>
@@ -5613,10 +5402,10 @@
       </p:grpSpPr>
       <p:sp>
         <p:nvSpPr>
-          <p:cNvPr id="2" name="Text Placeholder 1">
+          <p:cNvPr id="2" name="Content Placeholder 1">
             <a:extLst>
               <a:ext uri="{FF2B5EF4-FFF2-40B4-BE49-F238E27FC236}">
-                <a16:creationId xmlns:a16="http://schemas.microsoft.com/office/drawing/2014/main" id="{EC776681-DB51-1B40-878E-847E5F1467B5}"/>
+                <a16:creationId xmlns:a16="http://schemas.microsoft.com/office/drawing/2014/main" id="{2B28D82C-B54A-4548-8711-8EFFF6A44323}"/>
               </a:ext>
             </a:extLst>
           </p:cNvPr>
@@ -5624,116 +5413,80 @@
             <a:spLocks noGrp="1"/>
           </p:cNvSpPr>
           <p:nvPr>
-            <p:ph type="body" sz="quarter" idx="11"/>
-          </p:nvPr>
-        </p:nvSpPr>
-        <p:spPr>
-          <a:xfrm>
-            <a:off x="5892800" y="359330"/>
-            <a:ext cx="6011900" cy="924997"/>
-          </a:xfrm>
-        </p:spPr>
-        <p:txBody>
-          <a:bodyPr/>
+            <p:ph sz="quarter" idx="10"/>
+          </p:nvPr>
+        </p:nvSpPr>
+        <p:spPr/>
+        <p:txBody>
+          <a:bodyPr>
+            <a:normAutofit fontScale="92500" lnSpcReduction="10000"/>
+          </a:bodyPr>
           <a:lstStyle/>
           <a:p>
             <a:r>
-              <a:rPr lang="en-US" b="1" dirty="0">
-                <a:solidFill>
-                  <a:srgbClr val="000000"/>
-                </a:solidFill>
-                <a:latin typeface="Consolas" panose="020B0609020204030204" pitchFamily="49" charset="0"/>
-              </a:rPr>
-              <a:t>a </a:t>
-            </a:r>
-            <a:r>
-              <a:rPr lang="en-US" b="1" dirty="0">
-                <a:solidFill>
-                  <a:srgbClr val="CE5C00"/>
-                </a:solidFill>
-                <a:latin typeface="Consolas" panose="020B0609020204030204" pitchFamily="49" charset="0"/>
-              </a:rPr>
-              <a:t>= </a:t>
-            </a:r>
-            <a:r>
-              <a:rPr lang="en-US" b="1" dirty="0">
-                <a:solidFill>
-                  <a:srgbClr val="0000CF"/>
-                </a:solidFill>
-                <a:latin typeface="Consolas" panose="020B0609020204030204" pitchFamily="49" charset="0"/>
-              </a:rPr>
-              <a:t>10 </a:t>
-            </a:r>
-            <a:r>
-              <a:rPr lang="en-US" b="1" dirty="0">
-                <a:solidFill>
-                  <a:srgbClr val="CE5C00"/>
-                </a:solidFill>
-                <a:latin typeface="Consolas" panose="020B0609020204030204" pitchFamily="49" charset="0"/>
-              </a:rPr>
-              <a:t>+ </a:t>
-            </a:r>
-            <a:r>
-              <a:rPr lang="en-US" b="1" dirty="0">
-                <a:solidFill>
-                  <a:srgbClr val="0000CF"/>
-                </a:solidFill>
-                <a:latin typeface="Consolas" panose="020B0609020204030204" pitchFamily="49" charset="0"/>
-              </a:rPr>
-              <a:t>5</a:t>
-            </a:r>
-          </a:p>
-          <a:p>
-            <a:r>
-              <a:rPr lang="en-US" b="1" dirty="0">
-                <a:solidFill>
-                  <a:srgbClr val="204A87"/>
-                </a:solidFill>
-                <a:latin typeface="Consolas" panose="020B0609020204030204" pitchFamily="49" charset="0"/>
-              </a:rPr>
-              <a:t>print</a:t>
-            </a:r>
-            <a:r>
-              <a:rPr lang="en-US" b="1" dirty="0">
-                <a:solidFill>
-                  <a:srgbClr val="000000"/>
-                </a:solidFill>
-                <a:latin typeface="Consolas" panose="020B0609020204030204" pitchFamily="49" charset="0"/>
-              </a:rPr>
-              <a:t>(a)</a:t>
-            </a:r>
-          </a:p>
-        </p:txBody>
-      </p:sp>
-      <p:sp>
-        <p:nvSpPr>
-          <p:cNvPr id="3" name="Text Placeholder 2">
-            <a:extLst>
-              <a:ext uri="{FF2B5EF4-FFF2-40B4-BE49-F238E27FC236}">
-                <a16:creationId xmlns:a16="http://schemas.microsoft.com/office/drawing/2014/main" id="{3BBF5307-EDEC-8644-8570-65A0BD190A7E}"/>
-              </a:ext>
-            </a:extLst>
-          </p:cNvPr>
-          <p:cNvSpPr>
-            <a:spLocks noGrp="1"/>
-          </p:cNvSpPr>
-          <p:nvPr>
-            <p:ph type="body" sz="quarter" idx="12"/>
-          </p:nvPr>
-        </p:nvSpPr>
-        <p:spPr/>
-        <p:txBody>
-          <a:bodyPr/>
-          <a:lstStyle/>
-          <a:p>
-            <a:endParaRPr lang="en-US"/>
+              <a:rPr lang="en-US" dirty="0"/>
+              <a:t>$ python </a:t>
+            </a:r>
+            <a:r>
+              <a:rPr lang="en-US" dirty="0" err="1"/>
+              <a:t>fifteen.py</a:t>
+            </a:r>
+            <a:endParaRPr lang="en-US" dirty="0"/>
+          </a:p>
+          <a:p>
+            <a:endParaRPr lang="en-US" dirty="0"/>
+          </a:p>
+          <a:p>
+            <a:r>
+              <a:rPr lang="en-US" i="1" dirty="0"/>
+              <a:t>Why didn't that do anything?</a:t>
+            </a:r>
+            <a:endParaRPr lang="en-US" dirty="0"/>
+          </a:p>
+          <a:p>
+            <a:endParaRPr lang="en-US" i="1" dirty="0"/>
+          </a:p>
+          <a:p>
+            <a:r>
+              <a:rPr lang="en-US" dirty="0"/>
+              <a:t>$ python</a:t>
+            </a:r>
+          </a:p>
+          <a:p>
+            <a:r>
+              <a:rPr lang="en-US" dirty="0"/>
+              <a:t>&gt;&gt;&gt; a = 10 + 5</a:t>
+            </a:r>
+          </a:p>
+          <a:p>
+            <a:r>
+              <a:rPr lang="en-US" dirty="0"/>
+              <a:t>&gt;&gt;&gt; a</a:t>
+            </a:r>
+          </a:p>
+          <a:p>
+            <a:endParaRPr lang="en-US" dirty="0"/>
+          </a:p>
+          <a:p>
+            <a:r>
+              <a:rPr lang="en-US" i="1" dirty="0"/>
+              <a:t>In interactive mode, Python prints the value of each statement. That's what makes it </a:t>
+            </a:r>
+            <a:r>
+              <a:rPr lang="en-US" b="1" i="1" dirty="0"/>
+              <a:t>interactive</a:t>
+            </a:r>
+            <a:r>
+              <a:rPr lang="en-US" i="1" dirty="0"/>
+              <a:t> and why it's so useful to play around with. Not when you run it as a program. Fortunately, we already know how to print from a Python program. It was the very first thing we did!</a:t>
+            </a:r>
           </a:p>
         </p:txBody>
       </p:sp>
     </p:spTree>
     <p:extLst>
       <p:ext uri="{BB962C8B-B14F-4D97-AF65-F5344CB8AC3E}">
-        <p14:creationId xmlns:p14="http://schemas.microsoft.com/office/powerpoint/2010/main" val="2411883441"/>
+        <p14:creationId xmlns:p14="http://schemas.microsoft.com/office/powerpoint/2010/main" val="3229034737"/>
       </p:ext>
     </p:extLst>
   </p:cSld>
@@ -5762,10 +5515,10 @@
       </p:grpSpPr>
       <p:sp>
         <p:nvSpPr>
-          <p:cNvPr id="2" name="Content Placeholder 1">
+          <p:cNvPr id="2" name="Text Placeholder 1">
             <a:extLst>
               <a:ext uri="{FF2B5EF4-FFF2-40B4-BE49-F238E27FC236}">
-                <a16:creationId xmlns:a16="http://schemas.microsoft.com/office/drawing/2014/main" id="{D5B6881F-0AF6-154A-9886-AEEE89E62318}"/>
+                <a16:creationId xmlns:a16="http://schemas.microsoft.com/office/drawing/2014/main" id="{EC776681-DB51-1B40-878E-847E5F1467B5}"/>
               </a:ext>
             </a:extLst>
           </p:cNvPr>
@@ -5773,57 +5526,116 @@
             <a:spLocks noGrp="1"/>
           </p:cNvSpPr>
           <p:nvPr>
-            <p:ph sz="quarter" idx="10"/>
-          </p:nvPr>
-        </p:nvSpPr>
-        <p:spPr/>
+            <p:ph type="body" sz="quarter" idx="11"/>
+          </p:nvPr>
+        </p:nvSpPr>
+        <p:spPr>
+          <a:xfrm>
+            <a:off x="5892800" y="359330"/>
+            <a:ext cx="6011900" cy="924997"/>
+          </a:xfrm>
+        </p:spPr>
         <p:txBody>
           <a:bodyPr/>
           <a:lstStyle/>
           <a:p>
             <a:r>
-              <a:rPr lang="en-US" dirty="0"/>
-              <a:t>$ python fifteen-</a:t>
-            </a:r>
-            <a:r>
-              <a:rPr lang="en-US" dirty="0" err="1"/>
-              <a:t>fixed.py</a:t>
-            </a:r>
-            <a:endParaRPr lang="en-US" dirty="0"/>
-          </a:p>
-          <a:p>
-            <a:endParaRPr lang="en-US" dirty="0"/>
-          </a:p>
-          <a:p>
-            <a:r>
-              <a:rPr lang="en-US" i="1" dirty="0"/>
-              <a:t>There. Much better. The print function also works in interactive mode, but it's indispensable when you're writing and running programs.</a:t>
-            </a:r>
-          </a:p>
-          <a:p>
-            <a:endParaRPr lang="en-US" i="1" dirty="0"/>
-          </a:p>
-          <a:p>
-            <a:r>
-              <a:rPr lang="en-US" i="1" dirty="0"/>
-              <a:t>Remember, Python executes a program, one line at a time, top to bottom.</a:t>
-            </a:r>
-          </a:p>
-          <a:p>
-            <a:endParaRPr lang="en-US" i="1" dirty="0"/>
-          </a:p>
-          <a:p>
-            <a:r>
-              <a:rPr lang="en-US" i="1" dirty="0"/>
-              <a:t>Now you know two useful kinds of statements: an assignment statement (like a = 10 + 5), and the print function (like print(a)).</a:t>
-            </a:r>
+              <a:rPr lang="en-US" b="1" dirty="0">
+                <a:solidFill>
+                  <a:srgbClr val="000000"/>
+                </a:solidFill>
+                <a:latin typeface="Consolas" panose="020B0609020204030204" pitchFamily="49" charset="0"/>
+              </a:rPr>
+              <a:t>a </a:t>
+            </a:r>
+            <a:r>
+              <a:rPr lang="en-US" b="1" dirty="0">
+                <a:solidFill>
+                  <a:srgbClr val="CE5C00"/>
+                </a:solidFill>
+                <a:latin typeface="Consolas" panose="020B0609020204030204" pitchFamily="49" charset="0"/>
+              </a:rPr>
+              <a:t>= </a:t>
+            </a:r>
+            <a:r>
+              <a:rPr lang="en-US" b="1" dirty="0">
+                <a:solidFill>
+                  <a:srgbClr val="0000CF"/>
+                </a:solidFill>
+                <a:latin typeface="Consolas" panose="020B0609020204030204" pitchFamily="49" charset="0"/>
+              </a:rPr>
+              <a:t>10 </a:t>
+            </a:r>
+            <a:r>
+              <a:rPr lang="en-US" b="1" dirty="0">
+                <a:solidFill>
+                  <a:srgbClr val="CE5C00"/>
+                </a:solidFill>
+                <a:latin typeface="Consolas" panose="020B0609020204030204" pitchFamily="49" charset="0"/>
+              </a:rPr>
+              <a:t>+ </a:t>
+            </a:r>
+            <a:r>
+              <a:rPr lang="en-US" b="1" dirty="0">
+                <a:solidFill>
+                  <a:srgbClr val="0000CF"/>
+                </a:solidFill>
+                <a:latin typeface="Consolas" panose="020B0609020204030204" pitchFamily="49" charset="0"/>
+              </a:rPr>
+              <a:t>5</a:t>
+            </a:r>
+          </a:p>
+          <a:p>
+            <a:r>
+              <a:rPr lang="en-US" b="1" dirty="0">
+                <a:solidFill>
+                  <a:srgbClr val="204A87"/>
+                </a:solidFill>
+                <a:latin typeface="Consolas" panose="020B0609020204030204" pitchFamily="49" charset="0"/>
+              </a:rPr>
+              <a:t>print</a:t>
+            </a:r>
+            <a:r>
+              <a:rPr lang="en-US" b="1" dirty="0">
+                <a:solidFill>
+                  <a:srgbClr val="000000"/>
+                </a:solidFill>
+                <a:latin typeface="Consolas" panose="020B0609020204030204" pitchFamily="49" charset="0"/>
+              </a:rPr>
+              <a:t>(a)</a:t>
+            </a:r>
+          </a:p>
+        </p:txBody>
+      </p:sp>
+      <p:sp>
+        <p:nvSpPr>
+          <p:cNvPr id="3" name="Text Placeholder 2">
+            <a:extLst>
+              <a:ext uri="{FF2B5EF4-FFF2-40B4-BE49-F238E27FC236}">
+                <a16:creationId xmlns:a16="http://schemas.microsoft.com/office/drawing/2014/main" id="{3BBF5307-EDEC-8644-8570-65A0BD190A7E}"/>
+              </a:ext>
+            </a:extLst>
+          </p:cNvPr>
+          <p:cNvSpPr>
+            <a:spLocks noGrp="1"/>
+          </p:cNvSpPr>
+          <p:nvPr>
+            <p:ph type="body" sz="quarter" idx="12"/>
+          </p:nvPr>
+        </p:nvSpPr>
+        <p:spPr/>
+        <p:txBody>
+          <a:bodyPr/>
+          <a:lstStyle/>
+          <a:p>
+            <a:endParaRPr lang="en-US"/>
           </a:p>
         </p:txBody>
       </p:sp>
     </p:spTree>
     <p:extLst>
       <p:ext uri="{BB962C8B-B14F-4D97-AF65-F5344CB8AC3E}">
-        <p14:creationId xmlns:p14="http://schemas.microsoft.com/office/powerpoint/2010/main" val="3430984425"/>
+        <p14:creationId xmlns:p14="http://schemas.microsoft.com/office/powerpoint/2010/main" val="2411883441"/>
       </p:ext>
     </p:extLst>
   </p:cSld>
@@ -5855,7 +5667,7 @@
           <p:cNvPr id="2" name="Content Placeholder 1">
             <a:extLst>
               <a:ext uri="{FF2B5EF4-FFF2-40B4-BE49-F238E27FC236}">
-                <a16:creationId xmlns:a16="http://schemas.microsoft.com/office/drawing/2014/main" id="{40BA91E4-1C99-BA4C-85B0-5CF57D5D0333}"/>
+                <a16:creationId xmlns:a16="http://schemas.microsoft.com/office/drawing/2014/main" id="{D5B6881F-0AF6-154A-9886-AEEE89E62318}"/>
               </a:ext>
             </a:extLst>
           </p:cNvPr>
@@ -5868,27 +5680,26 @@
         </p:nvSpPr>
         <p:spPr/>
         <p:txBody>
-          <a:bodyPr>
-            <a:normAutofit lnSpcReduction="10000"/>
-          </a:bodyPr>
+          <a:bodyPr/>
           <a:lstStyle/>
           <a:p>
             <a:r>
               <a:rPr lang="en-US" dirty="0"/>
-              <a:t>&gt;&gt;&gt; print('I can print a string.')</a:t>
-            </a:r>
-          </a:p>
-          <a:p>
+              <a:t>$ python fifteen-</a:t>
+            </a:r>
+            <a:r>
+              <a:rPr lang="en-US" dirty="0" err="1"/>
+              <a:t>fixed.py</a:t>
+            </a:r>
             <a:endParaRPr lang="en-US" dirty="0"/>
           </a:p>
           <a:p>
+            <a:endParaRPr lang="en-US" dirty="0"/>
+          </a:p>
+          <a:p>
             <a:r>
               <a:rPr lang="en-US" i="1" dirty="0"/>
-              <a:t>print</a:t>
-            </a:r>
-            <a:r>
-              <a:rPr lang="en-US" dirty="0"/>
-              <a:t> is pretty smart. You can give it a string, it prints the string. </a:t>
+              <a:t>There. Much better. The print function also works in interactive mode, but it's indispensable when you're writing and running programs.</a:t>
             </a:r>
           </a:p>
           <a:p>
@@ -5896,17 +5707,17 @@
           </a:p>
           <a:p>
             <a:r>
-              <a:rPr lang="en-US" dirty="0"/>
-              <a:t>&gt;&gt;&gt; print(5000)</a:t>
-            </a:r>
-          </a:p>
-          <a:p>
-            <a:endParaRPr lang="en-US" dirty="0"/>
-          </a:p>
-          <a:p>
-            <a:r>
-              <a:rPr lang="en-US" dirty="0"/>
-              <a:t>You can give it an integer, it prints the integer. There are some more complicated kinds of data that print can't fully print out, but for your basics like integers and strings, print can figure out what kind of data it's looking at and print it the right way.</a:t>
+              <a:rPr lang="en-US" i="1" dirty="0"/>
+              <a:t>Remember, Python executes a program, one line at a time, top to bottom.</a:t>
+            </a:r>
+          </a:p>
+          <a:p>
+            <a:endParaRPr lang="en-US" i="1" dirty="0"/>
+          </a:p>
+          <a:p>
+            <a:r>
+              <a:rPr lang="en-US" i="1" dirty="0"/>
+              <a:t>Now you know two useful kinds of statements: an assignment statement (like a = 10 + 5), and the print function (like print(a)).</a:t>
             </a:r>
           </a:p>
         </p:txBody>
@@ -5914,7 +5725,7 @@
     </p:spTree>
     <p:extLst>
       <p:ext uri="{BB962C8B-B14F-4D97-AF65-F5344CB8AC3E}">
-        <p14:creationId xmlns:p14="http://schemas.microsoft.com/office/powerpoint/2010/main" val="4120131173"/>
+        <p14:creationId xmlns:p14="http://schemas.microsoft.com/office/powerpoint/2010/main" val="3430984425"/>
       </p:ext>
     </p:extLst>
   </p:cSld>
@@ -5943,10 +5754,10 @@
       </p:grpSpPr>
       <p:sp>
         <p:nvSpPr>
-          <p:cNvPr id="2" name="Text Placeholder 1">
+          <p:cNvPr id="2" name="Content Placeholder 1">
             <a:extLst>
               <a:ext uri="{FF2B5EF4-FFF2-40B4-BE49-F238E27FC236}">
-                <a16:creationId xmlns:a16="http://schemas.microsoft.com/office/drawing/2014/main" id="{06E88012-EA37-4246-8DA9-19B4AF6595E1}"/>
+                <a16:creationId xmlns:a16="http://schemas.microsoft.com/office/drawing/2014/main" id="{40BA91E4-1C99-BA4C-85B0-5CF57D5D0333}"/>
               </a:ext>
             </a:extLst>
           </p:cNvPr>
@@ -5954,46 +5765,50 @@
             <a:spLocks noGrp="1"/>
           </p:cNvSpPr>
           <p:nvPr>
-            <p:ph type="body" sz="quarter" idx="10"/>
-          </p:nvPr>
-        </p:nvSpPr>
-        <p:spPr>
-          <a:xfrm>
-            <a:off x="3344863" y="1143000"/>
-            <a:ext cx="7593012" cy="2177006"/>
-          </a:xfrm>
-        </p:spPr>
-        <p:txBody>
-          <a:bodyPr/>
+            <p:ph sz="quarter" idx="10"/>
+          </p:nvPr>
+        </p:nvSpPr>
+        <p:spPr/>
+        <p:txBody>
+          <a:bodyPr>
+            <a:normAutofit lnSpcReduction="10000"/>
+          </a:bodyPr>
           <a:lstStyle/>
           <a:p>
             <a:r>
-              <a:rPr lang="en-US" dirty="0">
-                <a:solidFill>
-                  <a:schemeClr val="bg1"/>
-                </a:solidFill>
-              </a:rPr>
-              <a:t>2</a:t>
-            </a:r>
-          </a:p>
-          <a:p>
-            <a:r>
-              <a:rPr lang="en-US" dirty="0">
-                <a:solidFill>
-                  <a:schemeClr val="bg1"/>
-                </a:solidFill>
-              </a:rPr>
-              <a:t>CTECH401_M2_06</a:t>
-            </a:r>
-          </a:p>
-          <a:p>
-            <a:r>
-              <a:rPr lang="en-US" dirty="0">
-                <a:solidFill>
-                  <a:schemeClr val="bg1"/>
-                </a:solidFill>
-              </a:rPr>
-              <a:t>Input</a:t>
+              <a:rPr lang="en-US" dirty="0"/>
+              <a:t>&gt;&gt;&gt; print('I can print a string.')</a:t>
+            </a:r>
+          </a:p>
+          <a:p>
+            <a:endParaRPr lang="en-US" dirty="0"/>
+          </a:p>
+          <a:p>
+            <a:r>
+              <a:rPr lang="en-US" i="1" dirty="0"/>
+              <a:t>print</a:t>
+            </a:r>
+            <a:r>
+              <a:rPr lang="en-US" dirty="0"/>
+              <a:t> is pretty smart. You can give it a string, it prints the string. </a:t>
+            </a:r>
+          </a:p>
+          <a:p>
+            <a:endParaRPr lang="en-US" i="1" dirty="0"/>
+          </a:p>
+          <a:p>
+            <a:r>
+              <a:rPr lang="en-US" dirty="0"/>
+              <a:t>&gt;&gt;&gt; print(5000)</a:t>
+            </a:r>
+          </a:p>
+          <a:p>
+            <a:endParaRPr lang="en-US" dirty="0"/>
+          </a:p>
+          <a:p>
+            <a:r>
+              <a:rPr lang="en-US" dirty="0"/>
+              <a:t>You can give it an integer, it prints the integer. There are some more complicated kinds of data that print can't fully print out, but for your basics like integers and strings, print can figure out what kind of data it's looking at and print it the right way.</a:t>
             </a:r>
           </a:p>
         </p:txBody>
@@ -6001,7 +5816,7 @@
     </p:spTree>
     <p:extLst>
       <p:ext uri="{BB962C8B-B14F-4D97-AF65-F5344CB8AC3E}">
-        <p14:creationId xmlns:p14="http://schemas.microsoft.com/office/powerpoint/2010/main" val="1054763525"/>
+        <p14:creationId xmlns:p14="http://schemas.microsoft.com/office/powerpoint/2010/main" val="4120131173"/>
       </p:ext>
     </p:extLst>
   </p:cSld>
@@ -6033,7 +5848,7 @@
           <p:cNvPr id="2" name="Text Placeholder 1">
             <a:extLst>
               <a:ext uri="{FF2B5EF4-FFF2-40B4-BE49-F238E27FC236}">
-                <a16:creationId xmlns:a16="http://schemas.microsoft.com/office/drawing/2014/main" id="{25DAD49F-9DB1-2843-80DD-A0BDD355186B}"/>
+                <a16:creationId xmlns:a16="http://schemas.microsoft.com/office/drawing/2014/main" id="{06E88012-EA37-4246-8DA9-19B4AF6595E1}"/>
               </a:ext>
             </a:extLst>
           </p:cNvPr>
@@ -6044,20 +5859,43 @@
             <p:ph type="body" sz="quarter" idx="10"/>
           </p:nvPr>
         </p:nvSpPr>
-        <p:spPr/>
+        <p:spPr>
+          <a:xfrm>
+            <a:off x="3344863" y="1143000"/>
+            <a:ext cx="7593012" cy="2177006"/>
+          </a:xfrm>
+        </p:spPr>
         <p:txBody>
           <a:bodyPr/>
           <a:lstStyle/>
           <a:p>
             <a:r>
-              <a:rPr lang="en-US" dirty="0"/>
-              <a:t>What about input?</a:t>
-            </a:r>
-          </a:p>
-          <a:p>
-            <a:r>
-              <a:rPr lang="en-US" dirty="0"/>
-              <a:t>Would you believe me if I said that there's an input() function and as soon as you see it, it's obvious how it works?</a:t>
+              <a:rPr lang="en-US" dirty="0">
+                <a:solidFill>
+                  <a:schemeClr val="bg1"/>
+                </a:solidFill>
+              </a:rPr>
+              <a:t>2</a:t>
+            </a:r>
+          </a:p>
+          <a:p>
+            <a:r>
+              <a:rPr lang="en-US" dirty="0">
+                <a:solidFill>
+                  <a:schemeClr val="bg1"/>
+                </a:solidFill>
+              </a:rPr>
+              <a:t>CTECH401_M2_06</a:t>
+            </a:r>
+          </a:p>
+          <a:p>
+            <a:r>
+              <a:rPr lang="en-US" dirty="0">
+                <a:solidFill>
+                  <a:schemeClr val="bg1"/>
+                </a:solidFill>
+              </a:rPr>
+              <a:t>Input</a:t>
             </a:r>
           </a:p>
         </p:txBody>
@@ -6065,7 +5903,7 @@
     </p:spTree>
     <p:extLst>
       <p:ext uri="{BB962C8B-B14F-4D97-AF65-F5344CB8AC3E}">
-        <p14:creationId xmlns:p14="http://schemas.microsoft.com/office/powerpoint/2010/main" val="2615424218"/>
+        <p14:creationId xmlns:p14="http://schemas.microsoft.com/office/powerpoint/2010/main" val="1054763525"/>
       </p:ext>
     </p:extLst>
   </p:cSld>
@@ -6097,7 +5935,7 @@
           <p:cNvPr id="2" name="Text Placeholder 1">
             <a:extLst>
               <a:ext uri="{FF2B5EF4-FFF2-40B4-BE49-F238E27FC236}">
-                <a16:creationId xmlns:a16="http://schemas.microsoft.com/office/drawing/2014/main" id="{39990729-F073-6948-84AE-BA015D491E6B}"/>
+                <a16:creationId xmlns:a16="http://schemas.microsoft.com/office/drawing/2014/main" id="{25DAD49F-9DB1-2843-80DD-A0BDD355186B}"/>
               </a:ext>
             </a:extLst>
           </p:cNvPr>
@@ -6105,163 +5943,31 @@
             <a:spLocks noGrp="1"/>
           </p:cNvSpPr>
           <p:nvPr>
-            <p:ph type="body" sz="quarter" idx="11"/>
-          </p:nvPr>
-        </p:nvSpPr>
-        <p:spPr>
-          <a:xfrm>
-            <a:off x="5892800" y="359330"/>
-            <a:ext cx="6011900" cy="1340495"/>
-          </a:xfrm>
-        </p:spPr>
+            <p:ph type="body" sz="quarter" idx="10"/>
+          </p:nvPr>
+        </p:nvSpPr>
+        <p:spPr/>
         <p:txBody>
           <a:bodyPr/>
           <a:lstStyle/>
           <a:p>
             <a:r>
-              <a:rPr lang="en-US" b="1" dirty="0">
-                <a:solidFill>
-                  <a:srgbClr val="000000"/>
-                </a:solidFill>
-                <a:latin typeface="Consolas" panose="020B0609020204030204" pitchFamily="49" charset="0"/>
-              </a:rPr>
-              <a:t>name </a:t>
-            </a:r>
-            <a:r>
-              <a:rPr lang="en-US" b="1" dirty="0">
-                <a:solidFill>
-                  <a:srgbClr val="CE5C00"/>
-                </a:solidFill>
-                <a:latin typeface="Consolas" panose="020B0609020204030204" pitchFamily="49" charset="0"/>
-              </a:rPr>
-              <a:t>= </a:t>
-            </a:r>
-            <a:r>
-              <a:rPr lang="en-US" b="1" dirty="0">
-                <a:solidFill>
-                  <a:srgbClr val="204A87"/>
-                </a:solidFill>
-                <a:latin typeface="Consolas" panose="020B0609020204030204" pitchFamily="49" charset="0"/>
-              </a:rPr>
-              <a:t>input</a:t>
-            </a:r>
-            <a:r>
-              <a:rPr lang="en-US" b="1" dirty="0">
-                <a:solidFill>
-                  <a:srgbClr val="000000"/>
-                </a:solidFill>
-                <a:latin typeface="Consolas" panose="020B0609020204030204" pitchFamily="49" charset="0"/>
-              </a:rPr>
-              <a:t>(</a:t>
-            </a:r>
-            <a:r>
-              <a:rPr lang="en-US" b="1" dirty="0">
-                <a:solidFill>
-                  <a:srgbClr val="4E9A06"/>
-                </a:solidFill>
-                <a:latin typeface="Consolas" panose="020B0609020204030204" pitchFamily="49" charset="0"/>
-              </a:rPr>
-              <a:t>'What is your name? '</a:t>
-            </a:r>
-            <a:r>
-              <a:rPr lang="en-US" b="1" dirty="0">
-                <a:solidFill>
-                  <a:srgbClr val="000000"/>
-                </a:solidFill>
-                <a:latin typeface="Consolas" panose="020B0609020204030204" pitchFamily="49" charset="0"/>
-              </a:rPr>
-              <a:t>)</a:t>
-            </a:r>
-          </a:p>
-          <a:p>
-            <a:r>
-              <a:rPr lang="en-US" b="1" dirty="0">
-                <a:solidFill>
-                  <a:srgbClr val="204A87"/>
-                </a:solidFill>
-                <a:latin typeface="Consolas" panose="020B0609020204030204" pitchFamily="49" charset="0"/>
-              </a:rPr>
-              <a:t>print</a:t>
-            </a:r>
-            <a:r>
-              <a:rPr lang="en-US" b="1" dirty="0">
-                <a:solidFill>
-                  <a:srgbClr val="000000"/>
-                </a:solidFill>
-                <a:latin typeface="Consolas" panose="020B0609020204030204" pitchFamily="49" charset="0"/>
-              </a:rPr>
-              <a:t>(</a:t>
-            </a:r>
-            <a:r>
-              <a:rPr lang="en-US" b="1" dirty="0">
-                <a:solidFill>
-                  <a:srgbClr val="4E9A06"/>
-                </a:solidFill>
-                <a:latin typeface="Consolas" panose="020B0609020204030204" pitchFamily="49" charset="0"/>
-              </a:rPr>
-              <a:t>'Thank you. Your name is:'</a:t>
-            </a:r>
-            <a:r>
-              <a:rPr lang="en-US" b="1" dirty="0">
-                <a:solidFill>
-                  <a:srgbClr val="000000"/>
-                </a:solidFill>
-                <a:latin typeface="Consolas" panose="020B0609020204030204" pitchFamily="49" charset="0"/>
-              </a:rPr>
-              <a:t>)</a:t>
-            </a:r>
-          </a:p>
-          <a:p>
-            <a:r>
-              <a:rPr lang="en-US" b="1" dirty="0">
-                <a:solidFill>
-                  <a:srgbClr val="204A87"/>
-                </a:solidFill>
-                <a:latin typeface="Consolas" panose="020B0609020204030204" pitchFamily="49" charset="0"/>
-              </a:rPr>
-              <a:t>print</a:t>
-            </a:r>
-            <a:r>
-              <a:rPr lang="en-US" b="1" dirty="0">
-                <a:solidFill>
-                  <a:srgbClr val="000000"/>
-                </a:solidFill>
-                <a:latin typeface="Consolas" panose="020B0609020204030204" pitchFamily="49" charset="0"/>
-              </a:rPr>
-              <a:t>(name)</a:t>
-            </a:r>
-          </a:p>
-        </p:txBody>
-      </p:sp>
-      <p:sp>
-        <p:nvSpPr>
-          <p:cNvPr id="3" name="Text Placeholder 2">
-            <a:extLst>
-              <a:ext uri="{FF2B5EF4-FFF2-40B4-BE49-F238E27FC236}">
-                <a16:creationId xmlns:a16="http://schemas.microsoft.com/office/drawing/2014/main" id="{C3FB45F2-A567-5B4A-B2A2-427F654AC600}"/>
-              </a:ext>
-            </a:extLst>
-          </p:cNvPr>
-          <p:cNvSpPr>
-            <a:spLocks noGrp="1"/>
-          </p:cNvSpPr>
-          <p:nvPr>
-            <p:ph type="body" sz="quarter" idx="12"/>
-          </p:nvPr>
-        </p:nvSpPr>
-        <p:spPr/>
-        <p:txBody>
-          <a:bodyPr/>
-          <a:lstStyle/>
-          <a:p>
-            <a:endParaRPr lang="en-US"/>
+              <a:rPr lang="en-US" dirty="0"/>
+              <a:t>What about input?</a:t>
+            </a:r>
+          </a:p>
+          <a:p>
+            <a:r>
+              <a:rPr lang="en-US" dirty="0"/>
+              <a:t>Would you believe me if I said that there's an input() function and as soon as you see it, it's obvious how it works?</a:t>
+            </a:r>
           </a:p>
         </p:txBody>
       </p:sp>
     </p:spTree>
     <p:extLst>
       <p:ext uri="{BB962C8B-B14F-4D97-AF65-F5344CB8AC3E}">
-        <p14:creationId xmlns:p14="http://schemas.microsoft.com/office/powerpoint/2010/main" val="2862914535"/>
+        <p14:creationId xmlns:p14="http://schemas.microsoft.com/office/powerpoint/2010/main" val="2615424218"/>
       </p:ext>
     </p:extLst>
   </p:cSld>
@@ -6290,10 +5996,10 @@
       </p:grpSpPr>
       <p:sp>
         <p:nvSpPr>
-          <p:cNvPr id="2" name="Content Placeholder 1">
+          <p:cNvPr id="2" name="Text Placeholder 1">
             <a:extLst>
               <a:ext uri="{FF2B5EF4-FFF2-40B4-BE49-F238E27FC236}">
-                <a16:creationId xmlns:a16="http://schemas.microsoft.com/office/drawing/2014/main" id="{971B5F89-F635-1F40-B019-E0C3BB79AEBE}"/>
+                <a16:creationId xmlns:a16="http://schemas.microsoft.com/office/drawing/2014/main" id="{39990729-F073-6948-84AE-BA015D491E6B}"/>
               </a:ext>
             </a:extLst>
           </p:cNvPr>
@@ -6301,71 +6007,167 @@
             <a:spLocks noGrp="1"/>
           </p:cNvSpPr>
           <p:nvPr>
-            <p:ph sz="quarter" idx="10"/>
-          </p:nvPr>
-        </p:nvSpPr>
-        <p:spPr/>
+            <p:ph type="body" sz="quarter" idx="11"/>
+          </p:nvPr>
+        </p:nvSpPr>
+        <p:spPr>
+          <a:xfrm>
+            <a:off x="5892800" y="359330"/>
+            <a:ext cx="6011900" cy="1340495"/>
+          </a:xfrm>
+        </p:spPr>
         <p:txBody>
           <a:bodyPr/>
           <a:lstStyle/>
           <a:p>
             <a:r>
-              <a:rPr lang="en-US" dirty="0"/>
-              <a:t>$ python </a:t>
-            </a:r>
+              <a:rPr lang="en-US" b="1" dirty="0">
+                <a:solidFill>
+                  <a:srgbClr val="000000"/>
+                </a:solidFill>
+                <a:latin typeface="Consolas" panose="020B0609020204030204" pitchFamily="49" charset="0"/>
+              </a:rPr>
+              <a:t>name </a:t>
+            </a:r>
+            <a:r>
+              <a:rPr lang="en-US" b="1" dirty="0">
+                <a:solidFill>
+                  <a:srgbClr val="CE5C00"/>
+                </a:solidFill>
+                <a:latin typeface="Consolas" panose="020B0609020204030204" pitchFamily="49" charset="0"/>
+              </a:rPr>
+              <a:t>= </a:t>
+            </a:r>
+            <a:r>
+              <a:rPr lang="en-US" b="1" dirty="0">
+                <a:solidFill>
+                  <a:srgbClr val="204A87"/>
+                </a:solidFill>
+                <a:latin typeface="Consolas" panose="020B0609020204030204" pitchFamily="49" charset="0"/>
+              </a:rPr>
+              <a:t>input</a:t>
+            </a:r>
+            <a:r>
+              <a:rPr lang="en-US" b="1" dirty="0">
+                <a:solidFill>
+                  <a:srgbClr val="000000"/>
+                </a:solidFill>
+                <a:latin typeface="Consolas" panose="020B0609020204030204" pitchFamily="49" charset="0"/>
+              </a:rPr>
+              <a:t>(</a:t>
+            </a:r>
+            <a:r>
+              <a:rPr lang="en-US" b="1" dirty="0">
+                <a:solidFill>
+                  <a:srgbClr val="4E9A06"/>
+                </a:solidFill>
+                <a:latin typeface="Consolas" panose="020B0609020204030204" pitchFamily="49" charset="0"/>
+              </a:rPr>
+              <a:t>'What is your name? '</a:t>
+            </a:r>
+            <a:r>
+              <a:rPr lang="en-US" b="1" dirty="0">
+                <a:solidFill>
+                  <a:srgbClr val="000000"/>
+                </a:solidFill>
+                <a:latin typeface="Consolas" panose="020B0609020204030204" pitchFamily="49" charset="0"/>
+              </a:rPr>
+              <a:t>)</a:t>
+            </a:r>
+          </a:p>
+          <a:p>
+            <a:r>
+              <a:rPr lang="en-US" b="1" dirty="0">
+                <a:solidFill>
+                  <a:srgbClr val="204A87"/>
+                </a:solidFill>
+                <a:latin typeface="Consolas" panose="020B0609020204030204" pitchFamily="49" charset="0"/>
+              </a:rPr>
+              <a:t>print</a:t>
+            </a:r>
+            <a:r>
+              <a:rPr lang="en-US" b="1" dirty="0">
+                <a:solidFill>
+                  <a:srgbClr val="000000"/>
+                </a:solidFill>
+                <a:latin typeface="Consolas" panose="020B0609020204030204" pitchFamily="49" charset="0"/>
+              </a:rPr>
+              <a:t>(</a:t>
+            </a:r>
+            <a:r>
+              <a:rPr lang="en-US" b="1" dirty="0">
+                <a:solidFill>
+                  <a:srgbClr val="4E9A06"/>
+                </a:solidFill>
+                <a:latin typeface="Consolas" panose="020B0609020204030204" pitchFamily="49" charset="0"/>
+              </a:rPr>
+              <a:t>'Thank you. Your name is:'</a:t>
+            </a:r>
+            <a:r>
+              <a:rPr lang="en-US" b="1" dirty="0">
+                <a:solidFill>
+                  <a:srgbClr val="000000"/>
+                </a:solidFill>
+                <a:latin typeface="Consolas" panose="020B0609020204030204" pitchFamily="49" charset="0"/>
+              </a:rPr>
+              <a:t>)</a:t>
+            </a:r>
+          </a:p>
+          <a:p>
+            <a:r>
+              <a:rPr lang="en-US" b="1" dirty="0">
+                <a:solidFill>
+                  <a:srgbClr val="204A87"/>
+                </a:solidFill>
+                <a:latin typeface="Consolas" panose="020B0609020204030204" pitchFamily="49" charset="0"/>
+              </a:rPr>
+              <a:t>print</a:t>
+            </a:r>
+            <a:r>
+              <a:rPr lang="en-US" b="1" dirty="0">
+                <a:solidFill>
+                  <a:srgbClr val="000000"/>
+                </a:solidFill>
+                <a:latin typeface="Consolas" panose="020B0609020204030204" pitchFamily="49" charset="0"/>
+              </a:rPr>
+              <a:t>(name)</a:t>
+            </a:r>
+          </a:p>
+        </p:txBody>
+      </p:sp>
+      <p:sp>
+        <p:nvSpPr>
+          <p:cNvPr id="3" name="Text Placeholder 2">
+            <a:extLst>
+              <a:ext uri="{FF2B5EF4-FFF2-40B4-BE49-F238E27FC236}">
+                <a16:creationId xmlns:a16="http://schemas.microsoft.com/office/drawing/2014/main" id="{C3FB45F2-A567-5B4A-B2A2-427F654AC600}"/>
+              </a:ext>
+            </a:extLst>
+          </p:cNvPr>
+          <p:cNvSpPr>
+            <a:spLocks noGrp="1"/>
+          </p:cNvSpPr>
+          <p:nvPr>
+            <p:ph type="body" sz="quarter" idx="12"/>
+          </p:nvPr>
+        </p:nvSpPr>
+        <p:spPr/>
+        <p:txBody>
+          <a:bodyPr/>
+          <a:lstStyle/>
+          <a:p>
             <a:r>
               <a:rPr lang="en-US" dirty="0" err="1"/>
               <a:t>name.py</a:t>
             </a:r>
             <a:endParaRPr lang="en-US" dirty="0"/>
-          </a:p>
-          <a:p>
-            <a:r>
-              <a:rPr lang="en-US" b="1" dirty="0"/>
-              <a:t>What is your name?</a:t>
-            </a:r>
-            <a:r>
-              <a:rPr lang="en-US" dirty="0"/>
-              <a:t> James</a:t>
-            </a:r>
-          </a:p>
-          <a:p>
-            <a:r>
-              <a:rPr lang="en-US" b="1" dirty="0"/>
-              <a:t>Thank you. Your name is:</a:t>
-            </a:r>
-          </a:p>
-          <a:p>
-            <a:r>
-              <a:rPr lang="en-US" b="1" dirty="0"/>
-              <a:t>James</a:t>
-            </a:r>
-            <a:endParaRPr lang="en-US" dirty="0"/>
-          </a:p>
-          <a:p>
-            <a:endParaRPr lang="en-US" b="1" dirty="0"/>
-          </a:p>
-          <a:p>
-            <a:r>
-              <a:rPr lang="en-US" i="1" dirty="0"/>
-              <a:t>I left a space after the question mark so that the user's input wouldn't be right next to the prompt. It just looks better that way.</a:t>
-            </a:r>
-          </a:p>
-          <a:p>
-            <a:endParaRPr lang="en-US" i="1" dirty="0"/>
-          </a:p>
-          <a:p>
-            <a:r>
-              <a:rPr lang="en-US" i="1" dirty="0"/>
-              <a:t>Soon, we'll cover a way to put the name on the same line as "Your name is."</a:t>
-            </a:r>
           </a:p>
         </p:txBody>
       </p:sp>
     </p:spTree>
     <p:extLst>
       <p:ext uri="{BB962C8B-B14F-4D97-AF65-F5344CB8AC3E}">
-        <p14:creationId xmlns:p14="http://schemas.microsoft.com/office/powerpoint/2010/main" val="2181300520"/>
+        <p14:creationId xmlns:p14="http://schemas.microsoft.com/office/powerpoint/2010/main" val="2862914535"/>
       </p:ext>
     </p:extLst>
   </p:cSld>
@@ -6394,10 +6196,10 @@
       </p:grpSpPr>
       <p:sp>
         <p:nvSpPr>
-          <p:cNvPr id="2" name="Text Placeholder 1">
+          <p:cNvPr id="2" name="Content Placeholder 1">
             <a:extLst>
               <a:ext uri="{FF2B5EF4-FFF2-40B4-BE49-F238E27FC236}">
-                <a16:creationId xmlns:a16="http://schemas.microsoft.com/office/drawing/2014/main" id="{7B403CB0-B079-B94F-B1D1-AFD1BA687705}"/>
+                <a16:creationId xmlns:a16="http://schemas.microsoft.com/office/drawing/2014/main" id="{971B5F89-F635-1F40-B019-E0C3BB79AEBE}"/>
               </a:ext>
             </a:extLst>
           </p:cNvPr>
@@ -6405,217 +6207,71 @@
             <a:spLocks noGrp="1"/>
           </p:cNvSpPr>
           <p:nvPr>
-            <p:ph type="body" sz="quarter" idx="11"/>
-          </p:nvPr>
-        </p:nvSpPr>
-        <p:spPr>
-          <a:xfrm>
-            <a:off x="5892800" y="359330"/>
-            <a:ext cx="6011900" cy="1340495"/>
-          </a:xfrm>
-        </p:spPr>
+            <p:ph sz="quarter" idx="10"/>
+          </p:nvPr>
+        </p:nvSpPr>
+        <p:spPr/>
         <p:txBody>
           <a:bodyPr/>
           <a:lstStyle/>
           <a:p>
             <a:r>
-              <a:rPr lang="en-US" b="1" dirty="0" err="1">
-                <a:solidFill>
-                  <a:srgbClr val="000000"/>
-                </a:solidFill>
-                <a:latin typeface="Consolas" panose="020B0609020204030204" pitchFamily="49" charset="0"/>
-              </a:rPr>
-              <a:t>my_number</a:t>
-            </a:r>
-            <a:r>
-              <a:rPr lang="en-US" b="1" dirty="0">
-                <a:solidFill>
-                  <a:srgbClr val="000000"/>
-                </a:solidFill>
-                <a:latin typeface="Consolas" panose="020B0609020204030204" pitchFamily="49" charset="0"/>
-              </a:rPr>
-              <a:t> </a:t>
-            </a:r>
-            <a:r>
-              <a:rPr lang="en-US" b="1" dirty="0">
-                <a:solidFill>
-                  <a:srgbClr val="CE5C00"/>
-                </a:solidFill>
-                <a:latin typeface="Consolas" panose="020B0609020204030204" pitchFamily="49" charset="0"/>
-              </a:rPr>
-              <a:t>= </a:t>
-            </a:r>
-            <a:r>
-              <a:rPr lang="en-US" b="1" dirty="0">
-                <a:solidFill>
-                  <a:srgbClr val="204A87"/>
-                </a:solidFill>
-                <a:latin typeface="Consolas" panose="020B0609020204030204" pitchFamily="49" charset="0"/>
-              </a:rPr>
-              <a:t>input</a:t>
-            </a:r>
-            <a:r>
-              <a:rPr lang="en-US" b="1" dirty="0">
-                <a:solidFill>
-                  <a:srgbClr val="000000"/>
-                </a:solidFill>
-                <a:latin typeface="Consolas" panose="020B0609020204030204" pitchFamily="49" charset="0"/>
-              </a:rPr>
-              <a:t>(</a:t>
-            </a:r>
-            <a:r>
-              <a:rPr lang="en-US" b="1" dirty="0">
-                <a:solidFill>
-                  <a:srgbClr val="4E9A06"/>
-                </a:solidFill>
-                <a:latin typeface="Consolas" panose="020B0609020204030204" pitchFamily="49" charset="0"/>
-              </a:rPr>
-              <a:t>'Enter a number: '</a:t>
-            </a:r>
-            <a:r>
-              <a:rPr lang="en-US" b="1" dirty="0">
-                <a:solidFill>
-                  <a:srgbClr val="000000"/>
-                </a:solidFill>
-                <a:latin typeface="Consolas" panose="020B0609020204030204" pitchFamily="49" charset="0"/>
-              </a:rPr>
-              <a:t>)</a:t>
-            </a:r>
-          </a:p>
-          <a:p>
-            <a:r>
-              <a:rPr lang="en-US" b="1" dirty="0" err="1">
-                <a:solidFill>
-                  <a:srgbClr val="000000"/>
-                </a:solidFill>
-                <a:latin typeface="Consolas" panose="020B0609020204030204" pitchFamily="49" charset="0"/>
-              </a:rPr>
-              <a:t>bigger_number</a:t>
-            </a:r>
-            <a:r>
-              <a:rPr lang="en-US" b="1" dirty="0">
-                <a:solidFill>
-                  <a:srgbClr val="000000"/>
-                </a:solidFill>
-                <a:latin typeface="Consolas" panose="020B0609020204030204" pitchFamily="49" charset="0"/>
-              </a:rPr>
-              <a:t> </a:t>
-            </a:r>
-            <a:r>
-              <a:rPr lang="en-US" b="1" dirty="0">
-                <a:solidFill>
-                  <a:srgbClr val="CE5C00"/>
-                </a:solidFill>
-                <a:latin typeface="Consolas" panose="020B0609020204030204" pitchFamily="49" charset="0"/>
-              </a:rPr>
-              <a:t>= </a:t>
-            </a:r>
-            <a:r>
-              <a:rPr lang="en-US" b="1" dirty="0" err="1">
-                <a:solidFill>
-                  <a:srgbClr val="000000"/>
-                </a:solidFill>
-                <a:latin typeface="Consolas" panose="020B0609020204030204" pitchFamily="49" charset="0"/>
-              </a:rPr>
-              <a:t>my_number</a:t>
-            </a:r>
-            <a:r>
-              <a:rPr lang="en-US" b="1" dirty="0">
-                <a:solidFill>
-                  <a:srgbClr val="000000"/>
-                </a:solidFill>
-                <a:latin typeface="Consolas" panose="020B0609020204030204" pitchFamily="49" charset="0"/>
-              </a:rPr>
-              <a:t> </a:t>
-            </a:r>
-            <a:r>
-              <a:rPr lang="en-US" b="1" dirty="0">
-                <a:solidFill>
-                  <a:srgbClr val="CE5C00"/>
-                </a:solidFill>
-                <a:latin typeface="Consolas" panose="020B0609020204030204" pitchFamily="49" charset="0"/>
-              </a:rPr>
-              <a:t>+ </a:t>
-            </a:r>
-            <a:r>
-              <a:rPr lang="en-US" b="1" dirty="0">
-                <a:solidFill>
-                  <a:srgbClr val="0000CF"/>
-                </a:solidFill>
-                <a:latin typeface="Consolas" panose="020B0609020204030204" pitchFamily="49" charset="0"/>
-              </a:rPr>
-              <a:t>10</a:t>
-            </a:r>
-          </a:p>
-          <a:p>
-            <a:r>
-              <a:rPr lang="en-US" b="1" dirty="0">
-                <a:solidFill>
-                  <a:srgbClr val="204A87"/>
-                </a:solidFill>
-                <a:latin typeface="Consolas" panose="020B0609020204030204" pitchFamily="49" charset="0"/>
-              </a:rPr>
-              <a:t>print</a:t>
-            </a:r>
-            <a:r>
-              <a:rPr lang="en-US" b="1" dirty="0">
-                <a:solidFill>
-                  <a:srgbClr val="000000"/>
-                </a:solidFill>
-                <a:latin typeface="Consolas" panose="020B0609020204030204" pitchFamily="49" charset="0"/>
-              </a:rPr>
-              <a:t>(</a:t>
-            </a:r>
-            <a:r>
-              <a:rPr lang="en-US" b="1" dirty="0" err="1">
-                <a:solidFill>
-                  <a:srgbClr val="000000"/>
-                </a:solidFill>
-                <a:latin typeface="Consolas" panose="020B0609020204030204" pitchFamily="49" charset="0"/>
-              </a:rPr>
-              <a:t>bigger_number</a:t>
-            </a:r>
-            <a:r>
-              <a:rPr lang="en-US" b="1" dirty="0">
-                <a:solidFill>
-                  <a:srgbClr val="000000"/>
-                </a:solidFill>
-                <a:latin typeface="Consolas" panose="020B0609020204030204" pitchFamily="49" charset="0"/>
-              </a:rPr>
-              <a:t>)</a:t>
-            </a:r>
-          </a:p>
-        </p:txBody>
-      </p:sp>
-      <p:sp>
-        <p:nvSpPr>
-          <p:cNvPr id="3" name="Text Placeholder 2">
-            <a:extLst>
-              <a:ext uri="{FF2B5EF4-FFF2-40B4-BE49-F238E27FC236}">
-                <a16:creationId xmlns:a16="http://schemas.microsoft.com/office/drawing/2014/main" id="{E1B19D7E-5447-F545-8337-CE3996D66713}"/>
-              </a:ext>
-            </a:extLst>
-          </p:cNvPr>
-          <p:cNvSpPr>
-            <a:spLocks noGrp="1"/>
-          </p:cNvSpPr>
-          <p:nvPr>
-            <p:ph type="body" sz="quarter" idx="12"/>
-          </p:nvPr>
-        </p:nvSpPr>
-        <p:spPr/>
-        <p:txBody>
-          <a:bodyPr/>
-          <a:lstStyle/>
-          <a:p>
-            <a:endParaRPr lang="en-US"/>
+              <a:rPr lang="en-US" dirty="0"/>
+              <a:t>$ python </a:t>
+            </a:r>
+            <a:r>
+              <a:rPr lang="en-US" dirty="0" err="1"/>
+              <a:t>name.py</a:t>
+            </a:r>
+            <a:endParaRPr lang="en-US" dirty="0"/>
+          </a:p>
+          <a:p>
+            <a:r>
+              <a:rPr lang="en-US" b="1" dirty="0"/>
+              <a:t>What is your name?</a:t>
+            </a:r>
+            <a:r>
+              <a:rPr lang="en-US" dirty="0"/>
+              <a:t> James</a:t>
+            </a:r>
+          </a:p>
+          <a:p>
+            <a:r>
+              <a:rPr lang="en-US" b="1" dirty="0"/>
+              <a:t>Thank you. Your name is:</a:t>
+            </a:r>
+          </a:p>
+          <a:p>
+            <a:r>
+              <a:rPr lang="en-US" b="1" dirty="0"/>
+              <a:t>James</a:t>
+            </a:r>
+            <a:endParaRPr lang="en-US" dirty="0"/>
+          </a:p>
+          <a:p>
+            <a:endParaRPr lang="en-US" b="1" dirty="0"/>
+          </a:p>
+          <a:p>
+            <a:r>
+              <a:rPr lang="en-US" i="1" dirty="0"/>
+              <a:t>I left a space after the question mark so that the user's input wouldn't be right next to the prompt. It just looks better that way.</a:t>
+            </a:r>
+          </a:p>
+          <a:p>
+            <a:endParaRPr lang="en-US" i="1" dirty="0"/>
+          </a:p>
+          <a:p>
+            <a:r>
+              <a:rPr lang="en-US" i="1" dirty="0"/>
+              <a:t>Soon, we'll cover a way to put the name on the same line as "Your name is."</a:t>
+            </a:r>
           </a:p>
         </p:txBody>
       </p:sp>
     </p:spTree>
     <p:extLst>
       <p:ext uri="{BB962C8B-B14F-4D97-AF65-F5344CB8AC3E}">
-        <p14:creationId xmlns:p14="http://schemas.microsoft.com/office/powerpoint/2010/main" val="1717122668"/>
+        <p14:creationId xmlns:p14="http://schemas.microsoft.com/office/powerpoint/2010/main" val="2181300520"/>
       </p:ext>
     </p:extLst>
   </p:cSld>
@@ -6644,10 +6300,10 @@
       </p:grpSpPr>
       <p:sp>
         <p:nvSpPr>
-          <p:cNvPr id="2" name="Content Placeholder 1">
+          <p:cNvPr id="2" name="Text Placeholder 1">
             <a:extLst>
               <a:ext uri="{FF2B5EF4-FFF2-40B4-BE49-F238E27FC236}">
-                <a16:creationId xmlns:a16="http://schemas.microsoft.com/office/drawing/2014/main" id="{0423F0CE-4EAA-704B-9BE7-BA0F28017387}"/>
+                <a16:creationId xmlns:a16="http://schemas.microsoft.com/office/drawing/2014/main" id="{7B403CB0-B079-B94F-B1D1-AFD1BA687705}"/>
               </a:ext>
             </a:extLst>
           </p:cNvPr>
@@ -6655,109 +6311,212 @@
             <a:spLocks noGrp="1"/>
           </p:cNvSpPr>
           <p:nvPr>
-            <p:ph sz="quarter" idx="10"/>
+            <p:ph type="body" sz="quarter" idx="11"/>
+          </p:nvPr>
+        </p:nvSpPr>
+        <p:spPr>
+          <a:xfrm>
+            <a:off x="5892800" y="359330"/>
+            <a:ext cx="6011900" cy="1340495"/>
+          </a:xfrm>
+        </p:spPr>
+        <p:txBody>
+          <a:bodyPr/>
+          <a:lstStyle/>
+          <a:p>
+            <a:r>
+              <a:rPr lang="en-US" b="1" dirty="0" err="1">
+                <a:solidFill>
+                  <a:srgbClr val="000000"/>
+                </a:solidFill>
+                <a:latin typeface="Consolas" panose="020B0609020204030204" pitchFamily="49" charset="0"/>
+              </a:rPr>
+              <a:t>my_number</a:t>
+            </a:r>
+            <a:r>
+              <a:rPr lang="en-US" b="1" dirty="0">
+                <a:solidFill>
+                  <a:srgbClr val="000000"/>
+                </a:solidFill>
+                <a:latin typeface="Consolas" panose="020B0609020204030204" pitchFamily="49" charset="0"/>
+              </a:rPr>
+              <a:t> </a:t>
+            </a:r>
+            <a:r>
+              <a:rPr lang="en-US" b="1" dirty="0">
+                <a:solidFill>
+                  <a:srgbClr val="CE5C00"/>
+                </a:solidFill>
+                <a:latin typeface="Consolas" panose="020B0609020204030204" pitchFamily="49" charset="0"/>
+              </a:rPr>
+              <a:t>= </a:t>
+            </a:r>
+            <a:r>
+              <a:rPr lang="en-US" b="1" dirty="0">
+                <a:solidFill>
+                  <a:srgbClr val="204A87"/>
+                </a:solidFill>
+                <a:latin typeface="Consolas" panose="020B0609020204030204" pitchFamily="49" charset="0"/>
+              </a:rPr>
+              <a:t>input</a:t>
+            </a:r>
+            <a:r>
+              <a:rPr lang="en-US" b="1" dirty="0">
+                <a:solidFill>
+                  <a:srgbClr val="000000"/>
+                </a:solidFill>
+                <a:latin typeface="Consolas" panose="020B0609020204030204" pitchFamily="49" charset="0"/>
+              </a:rPr>
+              <a:t>(</a:t>
+            </a:r>
+            <a:r>
+              <a:rPr lang="en-US" b="1" dirty="0">
+                <a:solidFill>
+                  <a:srgbClr val="4E9A06"/>
+                </a:solidFill>
+                <a:latin typeface="Consolas" panose="020B0609020204030204" pitchFamily="49" charset="0"/>
+              </a:rPr>
+              <a:t>'Enter a number: '</a:t>
+            </a:r>
+            <a:r>
+              <a:rPr lang="en-US" b="1" dirty="0">
+                <a:solidFill>
+                  <a:srgbClr val="000000"/>
+                </a:solidFill>
+                <a:latin typeface="Consolas" panose="020B0609020204030204" pitchFamily="49" charset="0"/>
+              </a:rPr>
+              <a:t>)</a:t>
+            </a:r>
+          </a:p>
+          <a:p>
+            <a:r>
+              <a:rPr lang="en-US" b="1" dirty="0" err="1">
+                <a:solidFill>
+                  <a:srgbClr val="000000"/>
+                </a:solidFill>
+                <a:latin typeface="Consolas" panose="020B0609020204030204" pitchFamily="49" charset="0"/>
+              </a:rPr>
+              <a:t>bigger_number</a:t>
+            </a:r>
+            <a:r>
+              <a:rPr lang="en-US" b="1" dirty="0">
+                <a:solidFill>
+                  <a:srgbClr val="000000"/>
+                </a:solidFill>
+                <a:latin typeface="Consolas" panose="020B0609020204030204" pitchFamily="49" charset="0"/>
+              </a:rPr>
+              <a:t> </a:t>
+            </a:r>
+            <a:r>
+              <a:rPr lang="en-US" b="1" dirty="0">
+                <a:solidFill>
+                  <a:srgbClr val="CE5C00"/>
+                </a:solidFill>
+                <a:latin typeface="Consolas" panose="020B0609020204030204" pitchFamily="49" charset="0"/>
+              </a:rPr>
+              <a:t>= </a:t>
+            </a:r>
+            <a:r>
+              <a:rPr lang="en-US" b="1" dirty="0" err="1">
+                <a:solidFill>
+                  <a:srgbClr val="000000"/>
+                </a:solidFill>
+                <a:latin typeface="Consolas" panose="020B0609020204030204" pitchFamily="49" charset="0"/>
+              </a:rPr>
+              <a:t>my_number</a:t>
+            </a:r>
+            <a:r>
+              <a:rPr lang="en-US" b="1" dirty="0">
+                <a:solidFill>
+                  <a:srgbClr val="000000"/>
+                </a:solidFill>
+                <a:latin typeface="Consolas" panose="020B0609020204030204" pitchFamily="49" charset="0"/>
+              </a:rPr>
+              <a:t> </a:t>
+            </a:r>
+            <a:r>
+              <a:rPr lang="en-US" b="1" dirty="0">
+                <a:solidFill>
+                  <a:srgbClr val="CE5C00"/>
+                </a:solidFill>
+                <a:latin typeface="Consolas" panose="020B0609020204030204" pitchFamily="49" charset="0"/>
+              </a:rPr>
+              <a:t>+ </a:t>
+            </a:r>
+            <a:r>
+              <a:rPr lang="en-US" b="1" dirty="0">
+                <a:solidFill>
+                  <a:srgbClr val="0000CF"/>
+                </a:solidFill>
+                <a:latin typeface="Consolas" panose="020B0609020204030204" pitchFamily="49" charset="0"/>
+              </a:rPr>
+              <a:t>10</a:t>
+            </a:r>
+          </a:p>
+          <a:p>
+            <a:r>
+              <a:rPr lang="en-US" b="1" dirty="0">
+                <a:solidFill>
+                  <a:srgbClr val="204A87"/>
+                </a:solidFill>
+                <a:latin typeface="Consolas" panose="020B0609020204030204" pitchFamily="49" charset="0"/>
+              </a:rPr>
+              <a:t>print</a:t>
+            </a:r>
+            <a:r>
+              <a:rPr lang="en-US" b="1" dirty="0">
+                <a:solidFill>
+                  <a:srgbClr val="000000"/>
+                </a:solidFill>
+                <a:latin typeface="Consolas" panose="020B0609020204030204" pitchFamily="49" charset="0"/>
+              </a:rPr>
+              <a:t>(</a:t>
+            </a:r>
+            <a:r>
+              <a:rPr lang="en-US" b="1" dirty="0" err="1">
+                <a:solidFill>
+                  <a:srgbClr val="000000"/>
+                </a:solidFill>
+                <a:latin typeface="Consolas" panose="020B0609020204030204" pitchFamily="49" charset="0"/>
+              </a:rPr>
+              <a:t>bigger_number</a:t>
+            </a:r>
+            <a:r>
+              <a:rPr lang="en-US" b="1" dirty="0">
+                <a:solidFill>
+                  <a:srgbClr val="000000"/>
+                </a:solidFill>
+                <a:latin typeface="Consolas" panose="020B0609020204030204" pitchFamily="49" charset="0"/>
+              </a:rPr>
+              <a:t>)</a:t>
+            </a:r>
+          </a:p>
+        </p:txBody>
+      </p:sp>
+      <p:sp>
+        <p:nvSpPr>
+          <p:cNvPr id="3" name="Text Placeholder 2">
+            <a:extLst>
+              <a:ext uri="{FF2B5EF4-FFF2-40B4-BE49-F238E27FC236}">
+                <a16:creationId xmlns:a16="http://schemas.microsoft.com/office/drawing/2014/main" id="{E1B19D7E-5447-F545-8337-CE3996D66713}"/>
+              </a:ext>
+            </a:extLst>
+          </p:cNvPr>
+          <p:cNvSpPr>
+            <a:spLocks noGrp="1"/>
+          </p:cNvSpPr>
+          <p:nvPr>
+            <p:ph type="body" sz="quarter" idx="12"/>
           </p:nvPr>
         </p:nvSpPr>
         <p:spPr/>
         <p:txBody>
-          <a:bodyPr>
-            <a:normAutofit lnSpcReduction="10000"/>
-          </a:bodyPr>
+          <a:bodyPr/>
           <a:lstStyle/>
           <a:p>
             <a:r>
               <a:rPr lang="en-US" dirty="0"/>
-              <a:t>$ python add10.py</a:t>
-            </a:r>
-          </a:p>
-          <a:p>
-            <a:r>
-              <a:rPr lang="en-US" b="1" dirty="0"/>
-              <a:t>Enter a number:</a:t>
-            </a:r>
-            <a:r>
-              <a:rPr lang="en-US" dirty="0"/>
-              <a:t> 85</a:t>
-            </a:r>
-          </a:p>
-          <a:p>
-            <a:r>
-              <a:rPr lang="en-US" b="1" dirty="0"/>
-              <a:t>Traceback (most recent call last):</a:t>
-            </a:r>
-          </a:p>
-          <a:p>
-            <a:r>
-              <a:rPr lang="en-US" b="1" dirty="0"/>
-              <a:t>  File "2-6-add10.py", line 2, in &lt;module&gt;</a:t>
-            </a:r>
-          </a:p>
-          <a:p>
-            <a:r>
-              <a:rPr lang="en-US" b="1" dirty="0"/>
-              <a:t>    </a:t>
-            </a:r>
-            <a:r>
-              <a:rPr lang="en-US" b="1" dirty="0" err="1"/>
-              <a:t>bigger_number</a:t>
-            </a:r>
-            <a:r>
-              <a:rPr lang="en-US" b="1" dirty="0"/>
-              <a:t> = </a:t>
-            </a:r>
-            <a:r>
-              <a:rPr lang="en-US" b="1" dirty="0" err="1"/>
-              <a:t>my_number</a:t>
-            </a:r>
-            <a:r>
-              <a:rPr lang="en-US" b="1" dirty="0"/>
-              <a:t> + 10</a:t>
-            </a:r>
-          </a:p>
-          <a:p>
-            <a:r>
-              <a:rPr lang="en-US" b="1" dirty="0" err="1"/>
-              <a:t>TypeError</a:t>
-            </a:r>
-            <a:r>
-              <a:rPr lang="en-US" b="1" dirty="0"/>
-              <a:t>: must be </a:t>
-            </a:r>
-            <a:r>
-              <a:rPr lang="en-US" b="1" dirty="0" err="1"/>
-              <a:t>str</a:t>
-            </a:r>
-            <a:r>
-              <a:rPr lang="en-US" b="1" dirty="0"/>
-              <a:t>, not </a:t>
-            </a:r>
-            <a:r>
-              <a:rPr lang="en-US" b="1" dirty="0" err="1"/>
-              <a:t>int</a:t>
-            </a:r>
-            <a:endParaRPr lang="en-US" b="1" dirty="0"/>
-          </a:p>
-          <a:p>
-            <a:endParaRPr lang="en-US" b="1" dirty="0"/>
-          </a:p>
-          <a:p>
-            <a:r>
-              <a:rPr lang="en-US" i="1" dirty="0"/>
-              <a:t>Whoops! What went wrong?</a:t>
-            </a:r>
-            <a:r>
-              <a:rPr lang="en-US" dirty="0"/>
-              <a:t> </a:t>
-            </a:r>
-            <a:r>
-              <a:rPr lang="en-US" i="1" dirty="0"/>
-              <a:t>Look at the error. It's a type problem. We're trying to add 10 to a string. That doesn't make sense.</a:t>
-            </a:r>
-          </a:p>
-          <a:p>
-            <a:r>
-              <a:rPr lang="en-US" i="1" dirty="0"/>
-              <a:t>The user typed in 85. That's the digit 8 followed by the digit 5: two characters, a string. We need to tell Python to treat it like an integer instead.</a:t>
+              <a:t>add10.py</a:t>
             </a:r>
           </a:p>
         </p:txBody>
@@ -6765,7 +6524,7 @@
     </p:spTree>
     <p:extLst>
       <p:ext uri="{BB962C8B-B14F-4D97-AF65-F5344CB8AC3E}">
-        <p14:creationId xmlns:p14="http://schemas.microsoft.com/office/powerpoint/2010/main" val="1085645785"/>
+        <p14:creationId xmlns:p14="http://schemas.microsoft.com/office/powerpoint/2010/main" val="1717122668"/>
       </p:ext>
     </p:extLst>
   </p:cSld>
@@ -6794,10 +6553,10 @@
       </p:grpSpPr>
       <p:sp>
         <p:nvSpPr>
-          <p:cNvPr id="2" name="Text Placeholder 1">
+          <p:cNvPr id="2" name="Content Placeholder 1">
             <a:extLst>
               <a:ext uri="{FF2B5EF4-FFF2-40B4-BE49-F238E27FC236}">
-                <a16:creationId xmlns:a16="http://schemas.microsoft.com/office/drawing/2014/main" id="{0124EB63-C71F-B648-AA10-66C0C16F188B}"/>
+                <a16:creationId xmlns:a16="http://schemas.microsoft.com/office/drawing/2014/main" id="{0423F0CE-4EAA-704B-9BE7-BA0F28017387}"/>
               </a:ext>
             </a:extLst>
           </p:cNvPr>
@@ -6805,273 +6564,117 @@
             <a:spLocks noGrp="1"/>
           </p:cNvSpPr>
           <p:nvPr>
-            <p:ph type="body" sz="quarter" idx="11"/>
-          </p:nvPr>
-        </p:nvSpPr>
-        <p:spPr>
-          <a:xfrm>
-            <a:off x="5892800" y="359330"/>
-            <a:ext cx="6011900" cy="1755994"/>
-          </a:xfrm>
-        </p:spPr>
-        <p:txBody>
-          <a:bodyPr/>
+            <p:ph sz="quarter" idx="10"/>
+          </p:nvPr>
+        </p:nvSpPr>
+        <p:spPr/>
+        <p:txBody>
+          <a:bodyPr>
+            <a:normAutofit lnSpcReduction="10000"/>
+          </a:bodyPr>
           <a:lstStyle/>
           <a:p>
             <a:r>
-              <a:rPr lang="en-US" b="1" dirty="0" err="1">
-                <a:solidFill>
-                  <a:srgbClr val="000000"/>
-                </a:solidFill>
-                <a:latin typeface="Consolas" panose="020B0609020204030204" pitchFamily="49" charset="0"/>
-              </a:rPr>
+              <a:rPr lang="en-US" dirty="0"/>
+              <a:t>$ python add10.py</a:t>
+            </a:r>
+          </a:p>
+          <a:p>
+            <a:r>
+              <a:rPr lang="en-US" b="1" dirty="0"/>
+              <a:t>Enter a number:</a:t>
+            </a:r>
+            <a:r>
+              <a:rPr lang="en-US" dirty="0"/>
+              <a:t> 85</a:t>
+            </a:r>
+          </a:p>
+          <a:p>
+            <a:r>
+              <a:rPr lang="en-US" b="1" dirty="0"/>
+              <a:t>Traceback (most recent call last):</a:t>
+            </a:r>
+          </a:p>
+          <a:p>
+            <a:r>
+              <a:rPr lang="en-US" b="1" dirty="0"/>
+              <a:t>  File "2-6-add10.py", line 2, in &lt;module&gt;</a:t>
+            </a:r>
+          </a:p>
+          <a:p>
+            <a:r>
+              <a:rPr lang="en-US" b="1" dirty="0"/>
+              <a:t>    </a:t>
+            </a:r>
+            <a:r>
+              <a:rPr lang="en-US" b="1" dirty="0" err="1"/>
+              <a:t>bigger_number</a:t>
+            </a:r>
+            <a:r>
+              <a:rPr lang="en-US" b="1" dirty="0"/>
+              <a:t> = </a:t>
+            </a:r>
+            <a:r>
+              <a:rPr lang="en-US" b="1" dirty="0" err="1"/>
               <a:t>my_number</a:t>
             </a:r>
             <a:r>
-              <a:rPr lang="en-US" b="1" dirty="0">
-                <a:solidFill>
-                  <a:srgbClr val="000000"/>
-                </a:solidFill>
-                <a:latin typeface="Consolas" panose="020B0609020204030204" pitchFamily="49" charset="0"/>
-              </a:rPr>
+              <a:rPr lang="en-US" b="1" dirty="0"/>
+              <a:t> + 10</a:t>
+            </a:r>
+          </a:p>
+          <a:p>
+            <a:r>
+              <a:rPr lang="en-US" b="1" dirty="0" err="1"/>
+              <a:t>TypeError</a:t>
+            </a:r>
+            <a:r>
+              <a:rPr lang="en-US" b="1" dirty="0"/>
+              <a:t>: must be </a:t>
+            </a:r>
+            <a:r>
+              <a:rPr lang="en-US" b="1" dirty="0" err="1"/>
+              <a:t>str</a:t>
+            </a:r>
+            <a:r>
+              <a:rPr lang="en-US" b="1" dirty="0"/>
+              <a:t>, not </a:t>
+            </a:r>
+            <a:r>
+              <a:rPr lang="en-US" b="1" dirty="0" err="1"/>
+              <a:t>int</a:t>
+            </a:r>
+            <a:endParaRPr lang="en-US" b="1" dirty="0"/>
+          </a:p>
+          <a:p>
+            <a:endParaRPr lang="en-US" b="1" dirty="0"/>
+          </a:p>
+          <a:p>
+            <a:r>
+              <a:rPr lang="en-US" i="1" dirty="0"/>
+              <a:t>Whoops! What went wrong?</a:t>
+            </a:r>
+            <a:r>
+              <a:rPr lang="en-US" dirty="0"/>
               <a:t> </a:t>
             </a:r>
             <a:r>
-              <a:rPr lang="en-US" b="1" dirty="0">
-                <a:solidFill>
-                  <a:srgbClr val="CE5C00"/>
-                </a:solidFill>
-                <a:latin typeface="Consolas" panose="020B0609020204030204" pitchFamily="49" charset="0"/>
-              </a:rPr>
-              <a:t>= </a:t>
-            </a:r>
-            <a:r>
-              <a:rPr lang="en-US" b="1" dirty="0" err="1">
-                <a:solidFill>
-                  <a:srgbClr val="204A87"/>
-                </a:solidFill>
-                <a:latin typeface="Consolas" panose="020B0609020204030204" pitchFamily="49" charset="0"/>
-              </a:rPr>
-              <a:t>int</a:t>
-            </a:r>
-            <a:r>
-              <a:rPr lang="en-US" b="1" dirty="0">
-                <a:solidFill>
-                  <a:srgbClr val="000000"/>
-                </a:solidFill>
-                <a:latin typeface="Consolas" panose="020B0609020204030204" pitchFamily="49" charset="0"/>
-              </a:rPr>
-              <a:t>(</a:t>
-            </a:r>
-            <a:r>
-              <a:rPr lang="en-US" b="1" dirty="0">
-                <a:solidFill>
-                  <a:srgbClr val="204A87"/>
-                </a:solidFill>
-                <a:latin typeface="Consolas" panose="020B0609020204030204" pitchFamily="49" charset="0"/>
-              </a:rPr>
-              <a:t>input</a:t>
-            </a:r>
-            <a:r>
-              <a:rPr lang="en-US" b="1" dirty="0">
-                <a:solidFill>
-                  <a:srgbClr val="000000"/>
-                </a:solidFill>
-                <a:latin typeface="Consolas" panose="020B0609020204030204" pitchFamily="49" charset="0"/>
-              </a:rPr>
-              <a:t>(</a:t>
-            </a:r>
-            <a:r>
-              <a:rPr lang="en-US" b="1" dirty="0">
-                <a:solidFill>
-                  <a:srgbClr val="4E9A06"/>
-                </a:solidFill>
-                <a:latin typeface="Consolas" panose="020B0609020204030204" pitchFamily="49" charset="0"/>
-              </a:rPr>
-              <a:t>'Enter a number: '</a:t>
-            </a:r>
-            <a:r>
-              <a:rPr lang="en-US" b="1" dirty="0">
-                <a:solidFill>
-                  <a:srgbClr val="000000"/>
-                </a:solidFill>
-                <a:latin typeface="Consolas" panose="020B0609020204030204" pitchFamily="49" charset="0"/>
-              </a:rPr>
-              <a:t>))</a:t>
-            </a:r>
-          </a:p>
-          <a:p>
-            <a:r>
-              <a:rPr lang="en-US" b="1" dirty="0" err="1">
-                <a:solidFill>
-                  <a:srgbClr val="000000"/>
-                </a:solidFill>
-                <a:latin typeface="Consolas" panose="020B0609020204030204" pitchFamily="49" charset="0"/>
-              </a:rPr>
-              <a:t>bigger_number</a:t>
-            </a:r>
-            <a:r>
-              <a:rPr lang="en-US" b="1" dirty="0">
-                <a:solidFill>
-                  <a:srgbClr val="000000"/>
-                </a:solidFill>
-                <a:latin typeface="Consolas" panose="020B0609020204030204" pitchFamily="49" charset="0"/>
-              </a:rPr>
-              <a:t> </a:t>
-            </a:r>
-            <a:r>
-              <a:rPr lang="en-US" b="1" dirty="0">
-                <a:solidFill>
-                  <a:srgbClr val="CE5C00"/>
-                </a:solidFill>
-                <a:latin typeface="Consolas" panose="020B0609020204030204" pitchFamily="49" charset="0"/>
-              </a:rPr>
-              <a:t>= </a:t>
-            </a:r>
-            <a:r>
-              <a:rPr lang="en-US" b="1" dirty="0" err="1">
-                <a:solidFill>
-                  <a:srgbClr val="000000"/>
-                </a:solidFill>
-                <a:latin typeface="Consolas" panose="020B0609020204030204" pitchFamily="49" charset="0"/>
-              </a:rPr>
-              <a:t>my_number</a:t>
-            </a:r>
-            <a:r>
-              <a:rPr lang="en-US" b="1" dirty="0">
-                <a:solidFill>
-                  <a:srgbClr val="000000"/>
-                </a:solidFill>
-                <a:latin typeface="Consolas" panose="020B0609020204030204" pitchFamily="49" charset="0"/>
-              </a:rPr>
-              <a:t> </a:t>
-            </a:r>
-            <a:r>
-              <a:rPr lang="en-US" b="1" dirty="0">
-                <a:solidFill>
-                  <a:srgbClr val="CE5C00"/>
-                </a:solidFill>
-                <a:latin typeface="Consolas" panose="020B0609020204030204" pitchFamily="49" charset="0"/>
-              </a:rPr>
-              <a:t>+ </a:t>
-            </a:r>
-            <a:r>
-              <a:rPr lang="en-US" b="1" dirty="0">
-                <a:solidFill>
-                  <a:srgbClr val="0000CF"/>
-                </a:solidFill>
-                <a:latin typeface="Consolas" panose="020B0609020204030204" pitchFamily="49" charset="0"/>
-              </a:rPr>
-              <a:t>10</a:t>
-            </a:r>
-          </a:p>
-          <a:p>
-            <a:r>
-              <a:rPr lang="en-US" b="1" dirty="0">
-                <a:solidFill>
-                  <a:srgbClr val="204A87"/>
-                </a:solidFill>
-                <a:latin typeface="Consolas" panose="020B0609020204030204" pitchFamily="49" charset="0"/>
-              </a:rPr>
-              <a:t>print</a:t>
-            </a:r>
-            <a:r>
-              <a:rPr lang="en-US" b="1" dirty="0">
-                <a:solidFill>
-                  <a:srgbClr val="000000"/>
-                </a:solidFill>
-                <a:latin typeface="Consolas" panose="020B0609020204030204" pitchFamily="49" charset="0"/>
-              </a:rPr>
-              <a:t>(</a:t>
-            </a:r>
-            <a:r>
-              <a:rPr lang="en-US" b="1" dirty="0">
-                <a:solidFill>
-                  <a:srgbClr val="4E9A06"/>
-                </a:solidFill>
-                <a:latin typeface="Consolas" panose="020B0609020204030204" pitchFamily="49" charset="0"/>
-              </a:rPr>
-              <a:t>'Your number plus ten is:'</a:t>
-            </a:r>
-            <a:r>
-              <a:rPr lang="en-US" b="1" dirty="0">
-                <a:solidFill>
-                  <a:srgbClr val="000000"/>
-                </a:solidFill>
-                <a:latin typeface="Consolas" panose="020B0609020204030204" pitchFamily="49" charset="0"/>
-              </a:rPr>
-              <a:t>)</a:t>
-            </a:r>
-          </a:p>
-          <a:p>
-            <a:r>
-              <a:rPr lang="en-US" b="1" dirty="0">
-                <a:solidFill>
-                  <a:srgbClr val="204A87"/>
-                </a:solidFill>
-                <a:latin typeface="Consolas" panose="020B0609020204030204" pitchFamily="49" charset="0"/>
-              </a:rPr>
-              <a:t>print</a:t>
-            </a:r>
-            <a:r>
-              <a:rPr lang="en-US" b="1" dirty="0">
-                <a:solidFill>
-                  <a:srgbClr val="000000"/>
-                </a:solidFill>
-                <a:latin typeface="Consolas" panose="020B0609020204030204" pitchFamily="49" charset="0"/>
-              </a:rPr>
-              <a:t>(</a:t>
-            </a:r>
-            <a:r>
-              <a:rPr lang="en-US" b="1" dirty="0" err="1">
-                <a:solidFill>
-                  <a:srgbClr val="000000"/>
-                </a:solidFill>
-                <a:latin typeface="Consolas" panose="020B0609020204030204" pitchFamily="49" charset="0"/>
-              </a:rPr>
-              <a:t>bigger_number</a:t>
-            </a:r>
-            <a:r>
-              <a:rPr lang="en-US" b="1" dirty="0">
-                <a:solidFill>
-                  <a:srgbClr val="000000"/>
-                </a:solidFill>
-                <a:latin typeface="Consolas" panose="020B0609020204030204" pitchFamily="49" charset="0"/>
-              </a:rPr>
-              <a:t>)</a:t>
-            </a:r>
-          </a:p>
-        </p:txBody>
-      </p:sp>
-      <p:sp>
-        <p:nvSpPr>
-          <p:cNvPr id="3" name="Text Placeholder 2">
-            <a:extLst>
-              <a:ext uri="{FF2B5EF4-FFF2-40B4-BE49-F238E27FC236}">
-                <a16:creationId xmlns:a16="http://schemas.microsoft.com/office/drawing/2014/main" id="{A174CB0C-B3BE-6E43-AD11-4CF590AC581B}"/>
-              </a:ext>
-            </a:extLst>
-          </p:cNvPr>
-          <p:cNvSpPr>
-            <a:spLocks noGrp="1"/>
-          </p:cNvSpPr>
-          <p:nvPr>
-            <p:ph type="body" sz="quarter" idx="12"/>
-          </p:nvPr>
-        </p:nvSpPr>
-        <p:spPr/>
-        <p:txBody>
-          <a:bodyPr/>
-          <a:lstStyle/>
-          <a:p>
-            <a:endParaRPr lang="en-US"/>
+              <a:rPr lang="en-US" i="1" dirty="0"/>
+              <a:t>Look at the error. It's a type problem. We're trying to add 10 to a string. That doesn't make sense.</a:t>
+            </a:r>
+          </a:p>
+          <a:p>
+            <a:r>
+              <a:rPr lang="en-US" i="1" dirty="0"/>
+              <a:t>The user typed in 85. That's the digit 8 followed by the digit 5: two characters, a string. We need to tell Python to treat it like an integer instead.</a:t>
+            </a:r>
           </a:p>
         </p:txBody>
       </p:sp>
     </p:spTree>
     <p:extLst>
       <p:ext uri="{BB962C8B-B14F-4D97-AF65-F5344CB8AC3E}">
-        <p14:creationId xmlns:p14="http://schemas.microsoft.com/office/powerpoint/2010/main" val="436341555"/>
+        <p14:creationId xmlns:p14="http://schemas.microsoft.com/office/powerpoint/2010/main" val="1085645785"/>
       </p:ext>
     </p:extLst>
   </p:cSld>
@@ -7158,6 +6761,312 @@
       </p:grpSpPr>
       <p:sp>
         <p:nvSpPr>
+          <p:cNvPr id="2" name="Text Placeholder 1">
+            <a:extLst>
+              <a:ext uri="{FF2B5EF4-FFF2-40B4-BE49-F238E27FC236}">
+                <a16:creationId xmlns:a16="http://schemas.microsoft.com/office/drawing/2014/main" id="{0124EB63-C71F-B648-AA10-66C0C16F188B}"/>
+              </a:ext>
+            </a:extLst>
+          </p:cNvPr>
+          <p:cNvSpPr>
+            <a:spLocks noGrp="1"/>
+          </p:cNvSpPr>
+          <p:nvPr>
+            <p:ph type="body" sz="quarter" idx="11"/>
+          </p:nvPr>
+        </p:nvSpPr>
+        <p:spPr>
+          <a:xfrm>
+            <a:off x="5892800" y="359330"/>
+            <a:ext cx="6011900" cy="1755994"/>
+          </a:xfrm>
+        </p:spPr>
+        <p:txBody>
+          <a:bodyPr/>
+          <a:lstStyle/>
+          <a:p>
+            <a:r>
+              <a:rPr lang="en-US" b="1" dirty="0" err="1">
+                <a:solidFill>
+                  <a:srgbClr val="000000"/>
+                </a:solidFill>
+                <a:latin typeface="Consolas" panose="020B0609020204030204" pitchFamily="49" charset="0"/>
+              </a:rPr>
+              <a:t>my_number</a:t>
+            </a:r>
+            <a:r>
+              <a:rPr lang="en-US" b="1" dirty="0">
+                <a:solidFill>
+                  <a:srgbClr val="000000"/>
+                </a:solidFill>
+                <a:latin typeface="Consolas" panose="020B0609020204030204" pitchFamily="49" charset="0"/>
+              </a:rPr>
+              <a:t> </a:t>
+            </a:r>
+            <a:r>
+              <a:rPr lang="en-US" b="1" dirty="0">
+                <a:solidFill>
+                  <a:srgbClr val="CE5C00"/>
+                </a:solidFill>
+                <a:latin typeface="Consolas" panose="020B0609020204030204" pitchFamily="49" charset="0"/>
+              </a:rPr>
+              <a:t>= </a:t>
+            </a:r>
+            <a:r>
+              <a:rPr lang="en-US" b="1" dirty="0" err="1">
+                <a:solidFill>
+                  <a:srgbClr val="204A87"/>
+                </a:solidFill>
+                <a:latin typeface="Consolas" panose="020B0609020204030204" pitchFamily="49" charset="0"/>
+              </a:rPr>
+              <a:t>int</a:t>
+            </a:r>
+            <a:r>
+              <a:rPr lang="en-US" b="1" dirty="0">
+                <a:solidFill>
+                  <a:srgbClr val="000000"/>
+                </a:solidFill>
+                <a:latin typeface="Consolas" panose="020B0609020204030204" pitchFamily="49" charset="0"/>
+              </a:rPr>
+              <a:t>(</a:t>
+            </a:r>
+            <a:r>
+              <a:rPr lang="en-US" b="1" dirty="0">
+                <a:solidFill>
+                  <a:srgbClr val="204A87"/>
+                </a:solidFill>
+                <a:latin typeface="Consolas" panose="020B0609020204030204" pitchFamily="49" charset="0"/>
+              </a:rPr>
+              <a:t>input</a:t>
+            </a:r>
+            <a:r>
+              <a:rPr lang="en-US" b="1" dirty="0">
+                <a:solidFill>
+                  <a:srgbClr val="000000"/>
+                </a:solidFill>
+                <a:latin typeface="Consolas" panose="020B0609020204030204" pitchFamily="49" charset="0"/>
+              </a:rPr>
+              <a:t>(</a:t>
+            </a:r>
+            <a:r>
+              <a:rPr lang="en-US" b="1" dirty="0">
+                <a:solidFill>
+                  <a:srgbClr val="4E9A06"/>
+                </a:solidFill>
+                <a:latin typeface="Consolas" panose="020B0609020204030204" pitchFamily="49" charset="0"/>
+              </a:rPr>
+              <a:t>'Enter a number: '</a:t>
+            </a:r>
+            <a:r>
+              <a:rPr lang="en-US" b="1" dirty="0">
+                <a:solidFill>
+                  <a:srgbClr val="000000"/>
+                </a:solidFill>
+                <a:latin typeface="Consolas" panose="020B0609020204030204" pitchFamily="49" charset="0"/>
+              </a:rPr>
+              <a:t>))</a:t>
+            </a:r>
+          </a:p>
+          <a:p>
+            <a:r>
+              <a:rPr lang="en-US" b="1" dirty="0" err="1">
+                <a:solidFill>
+                  <a:srgbClr val="000000"/>
+                </a:solidFill>
+                <a:latin typeface="Consolas" panose="020B0609020204030204" pitchFamily="49" charset="0"/>
+              </a:rPr>
+              <a:t>bigger_number</a:t>
+            </a:r>
+            <a:r>
+              <a:rPr lang="en-US" b="1" dirty="0">
+                <a:solidFill>
+                  <a:srgbClr val="000000"/>
+                </a:solidFill>
+                <a:latin typeface="Consolas" panose="020B0609020204030204" pitchFamily="49" charset="0"/>
+              </a:rPr>
+              <a:t> </a:t>
+            </a:r>
+            <a:r>
+              <a:rPr lang="en-US" b="1" dirty="0">
+                <a:solidFill>
+                  <a:srgbClr val="CE5C00"/>
+                </a:solidFill>
+                <a:latin typeface="Consolas" panose="020B0609020204030204" pitchFamily="49" charset="0"/>
+              </a:rPr>
+              <a:t>= </a:t>
+            </a:r>
+            <a:r>
+              <a:rPr lang="en-US" b="1" dirty="0" err="1">
+                <a:solidFill>
+                  <a:srgbClr val="000000"/>
+                </a:solidFill>
+                <a:latin typeface="Consolas" panose="020B0609020204030204" pitchFamily="49" charset="0"/>
+              </a:rPr>
+              <a:t>my_number</a:t>
+            </a:r>
+            <a:r>
+              <a:rPr lang="en-US" b="1" dirty="0">
+                <a:solidFill>
+                  <a:srgbClr val="000000"/>
+                </a:solidFill>
+                <a:latin typeface="Consolas" panose="020B0609020204030204" pitchFamily="49" charset="0"/>
+              </a:rPr>
+              <a:t> </a:t>
+            </a:r>
+            <a:r>
+              <a:rPr lang="en-US" b="1" dirty="0">
+                <a:solidFill>
+                  <a:srgbClr val="CE5C00"/>
+                </a:solidFill>
+                <a:latin typeface="Consolas" panose="020B0609020204030204" pitchFamily="49" charset="0"/>
+              </a:rPr>
+              <a:t>+ </a:t>
+            </a:r>
+            <a:r>
+              <a:rPr lang="en-US" b="1" dirty="0">
+                <a:solidFill>
+                  <a:srgbClr val="0000CF"/>
+                </a:solidFill>
+                <a:latin typeface="Consolas" panose="020B0609020204030204" pitchFamily="49" charset="0"/>
+              </a:rPr>
+              <a:t>10</a:t>
+            </a:r>
+          </a:p>
+          <a:p>
+            <a:r>
+              <a:rPr lang="en-US" b="1" dirty="0">
+                <a:solidFill>
+                  <a:srgbClr val="204A87"/>
+                </a:solidFill>
+                <a:latin typeface="Consolas" panose="020B0609020204030204" pitchFamily="49" charset="0"/>
+              </a:rPr>
+              <a:t>print</a:t>
+            </a:r>
+            <a:r>
+              <a:rPr lang="en-US" b="1" dirty="0">
+                <a:solidFill>
+                  <a:srgbClr val="000000"/>
+                </a:solidFill>
+                <a:latin typeface="Consolas" panose="020B0609020204030204" pitchFamily="49" charset="0"/>
+              </a:rPr>
+              <a:t>(</a:t>
+            </a:r>
+            <a:r>
+              <a:rPr lang="en-US" b="1" dirty="0">
+                <a:solidFill>
+                  <a:srgbClr val="4E9A06"/>
+                </a:solidFill>
+                <a:latin typeface="Consolas" panose="020B0609020204030204" pitchFamily="49" charset="0"/>
+              </a:rPr>
+              <a:t>'Your number plus ten is:'</a:t>
+            </a:r>
+            <a:r>
+              <a:rPr lang="en-US" b="1" dirty="0">
+                <a:solidFill>
+                  <a:srgbClr val="000000"/>
+                </a:solidFill>
+                <a:latin typeface="Consolas" panose="020B0609020204030204" pitchFamily="49" charset="0"/>
+              </a:rPr>
+              <a:t>)</a:t>
+            </a:r>
+          </a:p>
+          <a:p>
+            <a:r>
+              <a:rPr lang="en-US" b="1" dirty="0">
+                <a:solidFill>
+                  <a:srgbClr val="204A87"/>
+                </a:solidFill>
+                <a:latin typeface="Consolas" panose="020B0609020204030204" pitchFamily="49" charset="0"/>
+              </a:rPr>
+              <a:t>print</a:t>
+            </a:r>
+            <a:r>
+              <a:rPr lang="en-US" b="1" dirty="0">
+                <a:solidFill>
+                  <a:srgbClr val="000000"/>
+                </a:solidFill>
+                <a:latin typeface="Consolas" panose="020B0609020204030204" pitchFamily="49" charset="0"/>
+              </a:rPr>
+              <a:t>(</a:t>
+            </a:r>
+            <a:r>
+              <a:rPr lang="en-US" b="1" dirty="0" err="1">
+                <a:solidFill>
+                  <a:srgbClr val="000000"/>
+                </a:solidFill>
+                <a:latin typeface="Consolas" panose="020B0609020204030204" pitchFamily="49" charset="0"/>
+              </a:rPr>
+              <a:t>bigger_number</a:t>
+            </a:r>
+            <a:r>
+              <a:rPr lang="en-US" b="1" dirty="0">
+                <a:solidFill>
+                  <a:srgbClr val="000000"/>
+                </a:solidFill>
+                <a:latin typeface="Consolas" panose="020B0609020204030204" pitchFamily="49" charset="0"/>
+              </a:rPr>
+              <a:t>)</a:t>
+            </a:r>
+          </a:p>
+        </p:txBody>
+      </p:sp>
+      <p:sp>
+        <p:nvSpPr>
+          <p:cNvPr id="3" name="Text Placeholder 2">
+            <a:extLst>
+              <a:ext uri="{FF2B5EF4-FFF2-40B4-BE49-F238E27FC236}">
+                <a16:creationId xmlns:a16="http://schemas.microsoft.com/office/drawing/2014/main" id="{A174CB0C-B3BE-6E43-AD11-4CF590AC581B}"/>
+              </a:ext>
+            </a:extLst>
+          </p:cNvPr>
+          <p:cNvSpPr>
+            <a:spLocks noGrp="1"/>
+          </p:cNvSpPr>
+          <p:nvPr>
+            <p:ph type="body" sz="quarter" idx="12"/>
+          </p:nvPr>
+        </p:nvSpPr>
+        <p:spPr/>
+        <p:txBody>
+          <a:bodyPr/>
+          <a:lstStyle/>
+          <a:p>
+            <a:endParaRPr lang="en-US"/>
+          </a:p>
+        </p:txBody>
+      </p:sp>
+    </p:spTree>
+    <p:extLst>
+      <p:ext uri="{BB962C8B-B14F-4D97-AF65-F5344CB8AC3E}">
+        <p14:creationId xmlns:p14="http://schemas.microsoft.com/office/powerpoint/2010/main" val="436341555"/>
+      </p:ext>
+    </p:extLst>
+  </p:cSld>
+  <p:clrMapOvr>
+    <a:masterClrMapping/>
+  </p:clrMapOvr>
+</p:sld>
+</file>
+
+<file path=ppt/slides/slide41.xml><?xml version="1.0" encoding="utf-8"?>
+<p:sld xmlns:a="http://schemas.openxmlformats.org/drawingml/2006/main" xmlns:r="http://schemas.openxmlformats.org/officeDocument/2006/relationships" xmlns:p="http://schemas.openxmlformats.org/presentationml/2006/main">
+  <p:cSld>
+    <p:spTree>
+      <p:nvGrpSpPr>
+        <p:cNvPr id="1" name=""/>
+        <p:cNvGrpSpPr/>
+        <p:nvPr/>
+      </p:nvGrpSpPr>
+      <p:grpSpPr>
+        <a:xfrm>
+          <a:off x="0" y="0"/>
+          <a:ext cx="0" cy="0"/>
+          <a:chOff x="0" y="0"/>
+          <a:chExt cx="0" cy="0"/>
+        </a:xfrm>
+      </p:grpSpPr>
+      <p:sp>
+        <p:nvSpPr>
           <p:cNvPr id="2" name="Content Placeholder 1">
             <a:extLst>
               <a:ext uri="{FF2B5EF4-FFF2-40B4-BE49-F238E27FC236}">
@@ -7245,7 +7154,7 @@
 </p:sld>
 </file>
 
-<file path=ppt/slides/slide41.xml><?xml version="1.0" encoding="utf-8"?>
+<file path=ppt/slides/slide42.xml><?xml version="1.0" encoding="utf-8"?>
 <p:sld xmlns:a="http://schemas.openxmlformats.org/drawingml/2006/main" xmlns:r="http://schemas.openxmlformats.org/officeDocument/2006/relationships" xmlns:p="http://schemas.openxmlformats.org/presentationml/2006/main">
   <p:cSld>
     <p:spTree>
@@ -7446,15 +7355,6 @@
               <a:t>2 * 4</a:t>
             </a:r>
           </a:p>
-          <a:p>
-            <a:endParaRPr lang="en-US" dirty="0"/>
-          </a:p>
-          <a:p>
-            <a:r>
-              <a:rPr lang="en-US" dirty="0"/>
-              <a:t>8 – 3</a:t>
-            </a:r>
-          </a:p>
         </p:txBody>
       </p:sp>
     </p:spTree>
@@ -7606,10 +7506,10 @@
       </p:grpSpPr>
       <p:sp>
         <p:nvSpPr>
-          <p:cNvPr id="2" name="Text Placeholder 1">
+          <p:cNvPr id="2" name="Content Placeholder 1">
             <a:extLst>
               <a:ext uri="{FF2B5EF4-FFF2-40B4-BE49-F238E27FC236}">
-                <a16:creationId xmlns:a16="http://schemas.microsoft.com/office/drawing/2014/main" id="{06E88012-EA37-4246-8DA9-19B4AF6595E1}"/>
+                <a16:creationId xmlns:a16="http://schemas.microsoft.com/office/drawing/2014/main" id="{9B8967D6-B64C-4349-BA2F-C0131EF81A5E}"/>
               </a:ext>
             </a:extLst>
           </p:cNvPr>
@@ -7617,54 +7517,57 @@
             <a:spLocks noGrp="1"/>
           </p:cNvSpPr>
           <p:nvPr>
-            <p:ph type="body" sz="quarter" idx="10"/>
-          </p:nvPr>
+            <p:ph sz="quarter" idx="10"/>
+          </p:nvPr>
+        </p:nvSpPr>
+        <p:spPr/>
+        <p:txBody>
+          <a:bodyPr/>
+          <a:lstStyle/>
+          <a:p>
+            <a:r>
+              <a:rPr lang="en-US" dirty="0"/>
+              <a:t>8 – 3</a:t>
+            </a:r>
+          </a:p>
+        </p:txBody>
+      </p:sp>
+      <p:sp>
+        <p:nvSpPr>
+          <p:cNvPr id="3" name="TextBox 2">
+            <a:extLst>
+              <a:ext uri="{FF2B5EF4-FFF2-40B4-BE49-F238E27FC236}">
+                <a16:creationId xmlns:a16="http://schemas.microsoft.com/office/drawing/2014/main" id="{33112AD7-5603-C04C-ABC6-17F0268D8DE8}"/>
+              </a:ext>
+            </a:extLst>
+          </p:cNvPr>
+          <p:cNvSpPr txBox="1"/>
+          <p:nvPr/>
         </p:nvSpPr>
         <p:spPr>
           <a:xfrm>
-            <a:off x="3344863" y="1143000"/>
-            <a:ext cx="7593012" cy="2177006"/>
+            <a:off x="1610436" y="3903260"/>
+            <a:ext cx="184731" cy="369332"/>
           </a:xfrm>
+          <a:prstGeom prst="rect">
+            <a:avLst/>
+          </a:prstGeom>
+          <a:noFill/>
         </p:spPr>
         <p:txBody>
-          <a:bodyPr/>
+          <a:bodyPr wrap="none" rtlCol="0">
+            <a:spAutoFit/>
+          </a:bodyPr>
           <a:lstStyle/>
           <a:p>
-            <a:r>
-              <a:rPr lang="en-US" dirty="0">
-                <a:solidFill>
-                  <a:schemeClr val="bg1"/>
-                </a:solidFill>
-              </a:rPr>
-              <a:t>2</a:t>
-            </a:r>
-          </a:p>
-          <a:p>
-            <a:r>
-              <a:rPr lang="en-US" dirty="0">
-                <a:solidFill>
-                  <a:schemeClr val="bg1"/>
-                </a:solidFill>
-              </a:rPr>
-              <a:t>CTECH401_M2_03</a:t>
-            </a:r>
-          </a:p>
-          <a:p>
-            <a:r>
-              <a:rPr lang="en-US" dirty="0">
-                <a:solidFill>
-                  <a:schemeClr val="bg1"/>
-                </a:solidFill>
-              </a:rPr>
-              <a:t>Precedence and Parentheses</a:t>
-            </a:r>
+            <a:endParaRPr lang="en-US" dirty="0"/>
           </a:p>
         </p:txBody>
       </p:sp>
     </p:spTree>
     <p:extLst>
       <p:ext uri="{BB962C8B-B14F-4D97-AF65-F5344CB8AC3E}">
-        <p14:creationId xmlns:p14="http://schemas.microsoft.com/office/powerpoint/2010/main" val="450768669"/>
+        <p14:creationId xmlns:p14="http://schemas.microsoft.com/office/powerpoint/2010/main" val="154580172"/>
       </p:ext>
     </p:extLst>
   </p:cSld>
@@ -7696,7 +7599,7 @@
           <p:cNvPr id="2" name="Content Placeholder 1">
             <a:extLst>
               <a:ext uri="{FF2B5EF4-FFF2-40B4-BE49-F238E27FC236}">
-                <a16:creationId xmlns:a16="http://schemas.microsoft.com/office/drawing/2014/main" id="{8D608CAC-8B96-E842-9190-A581EA4A20A2}"/>
+                <a16:creationId xmlns:a16="http://schemas.microsoft.com/office/drawing/2014/main" id="{9B8967D6-B64C-4349-BA2F-C0131EF81A5E}"/>
               </a:ext>
             </a:extLst>
           </p:cNvPr>
@@ -7710,13 +7613,13 @@
         <p:spPr/>
         <p:txBody>
           <a:bodyPr>
-            <a:normAutofit lnSpcReduction="10000"/>
+            <a:normAutofit/>
           </a:bodyPr>
           <a:lstStyle/>
           <a:p>
             <a:r>
               <a:rPr lang="en-US" i="1" dirty="0"/>
-              <a:t>What will this do?</a:t>
+              <a:t>What will this do:</a:t>
             </a:r>
           </a:p>
           <a:p>
@@ -7725,7 +7628,16 @@
           <a:p>
             <a:r>
               <a:rPr lang="en-US" dirty="0"/>
-              <a:t>1 + 2 * 3</a:t>
+              <a:t>&gt;&gt;&gt; 1 + 3 + 5</a:t>
+            </a:r>
+          </a:p>
+          <a:p>
+            <a:endParaRPr lang="en-US" dirty="0"/>
+          </a:p>
+          <a:p>
+            <a:r>
+              <a:rPr lang="en-US" i="1" dirty="0"/>
+              <a:t>That's 6. First, Python computes the value of the smaller expression 1 + 3, which is 4. It replaces that smaller expression with its value:</a:t>
             </a:r>
           </a:p>
           <a:p>
@@ -7733,39 +7645,62 @@
           </a:p>
           <a:p>
             <a:r>
+              <a:rPr lang="en-US" b="1" i="1" dirty="0"/>
+              <a:t>4</a:t>
+            </a:r>
+            <a:r>
               <a:rPr lang="en-US" i="1" dirty="0"/>
-              <a:t>Yes, 7. Python does the multiplication before the addition. 2*3=6, and then 1+6=7. We say that multiplication has higher </a:t>
-            </a:r>
-            <a:r>
-              <a:rPr lang="en-US" b="1" i="1" dirty="0"/>
-              <a:t>precedence</a:t>
-            </a:r>
+              <a:t> + 5</a:t>
+            </a:r>
+            <a:endParaRPr lang="en-US" b="1" i="1" dirty="0"/>
+          </a:p>
+          <a:p>
+            <a:endParaRPr lang="en-US" i="1" dirty="0"/>
+          </a:p>
+          <a:p>
             <a:r>
               <a:rPr lang="en-US" i="1" dirty="0"/>
-              <a:t>: it goes first. If you don't like this, use parentheses:</a:t>
-            </a:r>
-          </a:p>
-          <a:p>
-            <a:endParaRPr lang="en-US" i="1" dirty="0"/>
-          </a:p>
-          <a:p>
-            <a:r>
-              <a:rPr lang="en-US" dirty="0"/>
-              <a:t>(1 + 2) * 3</a:t>
-            </a:r>
-          </a:p>
-          <a:p>
-            <a:r>
-              <a:rPr lang="en-US" i="1" dirty="0"/>
-              <a:t>That's 9. 1+2=3, and then 3*3 = 9. When in doubt, it's usually safe to add more parentheses to be clear.</a:t>
-            </a:r>
+              <a:t>Now Python computes the value of the overall expression 4 + 5, which is 9</a:t>
+            </a:r>
+          </a:p>
+        </p:txBody>
+      </p:sp>
+      <p:sp>
+        <p:nvSpPr>
+          <p:cNvPr id="3" name="TextBox 2">
+            <a:extLst>
+              <a:ext uri="{FF2B5EF4-FFF2-40B4-BE49-F238E27FC236}">
+                <a16:creationId xmlns:a16="http://schemas.microsoft.com/office/drawing/2014/main" id="{33112AD7-5603-C04C-ABC6-17F0268D8DE8}"/>
+              </a:ext>
+            </a:extLst>
+          </p:cNvPr>
+          <p:cNvSpPr txBox="1"/>
+          <p:nvPr/>
+        </p:nvSpPr>
+        <p:spPr>
+          <a:xfrm>
+            <a:off x="1610436" y="3903260"/>
+            <a:ext cx="184731" cy="369332"/>
+          </a:xfrm>
+          <a:prstGeom prst="rect">
+            <a:avLst/>
+          </a:prstGeom>
+          <a:noFill/>
+        </p:spPr>
+        <p:txBody>
+          <a:bodyPr wrap="none" rtlCol="0">
+            <a:spAutoFit/>
+          </a:bodyPr>
+          <a:lstStyle/>
+          <a:p>
+            <a:endParaRPr lang="en-US" dirty="0"/>
           </a:p>
         </p:txBody>
       </p:sp>
     </p:spTree>
     <p:extLst>
       <p:ext uri="{BB962C8B-B14F-4D97-AF65-F5344CB8AC3E}">
-        <p14:creationId xmlns:p14="http://schemas.microsoft.com/office/powerpoint/2010/main" val="449300795"/>
+        <p14:creationId xmlns:p14="http://schemas.microsoft.com/office/powerpoint/2010/main" val="2792806660"/>
       </p:ext>
     </p:extLst>
   </p:cSld>
@@ -7794,10 +7729,10 @@
       </p:grpSpPr>
       <p:sp>
         <p:nvSpPr>
-          <p:cNvPr id="2" name="Text Placeholder 1">
+          <p:cNvPr id="2" name="Content Placeholder 1">
             <a:extLst>
               <a:ext uri="{FF2B5EF4-FFF2-40B4-BE49-F238E27FC236}">
-                <a16:creationId xmlns:a16="http://schemas.microsoft.com/office/drawing/2014/main" id="{FE084B4B-6E60-7342-9D10-B1CB418D1B45}"/>
+                <a16:creationId xmlns:a16="http://schemas.microsoft.com/office/drawing/2014/main" id="{8D608CAC-8B96-E842-9190-A581EA4A20A2}"/>
               </a:ext>
             </a:extLst>
           </p:cNvPr>
@@ -7805,17 +7740,60 @@
             <a:spLocks noGrp="1"/>
           </p:cNvSpPr>
           <p:nvPr>
-            <p:ph type="body" sz="quarter" idx="10"/>
+            <p:ph sz="quarter" idx="10"/>
           </p:nvPr>
         </p:nvSpPr>
         <p:spPr/>
         <p:txBody>
-          <a:bodyPr/>
+          <a:bodyPr>
+            <a:normAutofit lnSpcReduction="10000"/>
+          </a:bodyPr>
           <a:lstStyle/>
           <a:p>
             <a:r>
-              <a:rPr lang="en-US" dirty="0"/>
-              <a:t>Python is extremely literal. Even if it's "obvious" you forgot the parentheses, Python doesn't know what's obvious to humans. It will do what you typed, not what you meant.</a:t>
+              <a:rPr lang="en-US" i="1" dirty="0"/>
+              <a:t>What will this do?</a:t>
+            </a:r>
+          </a:p>
+          <a:p>
+            <a:endParaRPr lang="en-US" dirty="0"/>
+          </a:p>
+          <a:p>
+            <a:r>
+              <a:rPr lang="en-US" dirty="0"/>
+              <a:t>1 + 2 * 3</a:t>
+            </a:r>
+          </a:p>
+          <a:p>
+            <a:endParaRPr lang="en-US" i="1" dirty="0"/>
+          </a:p>
+          <a:p>
+            <a:r>
+              <a:rPr lang="en-US" i="1" dirty="0"/>
+              <a:t>Yes, 7. Python does the multiplication before the addition. 2*3=6, and then 1+6=7. We say that multiplication has higher </a:t>
+            </a:r>
+            <a:r>
+              <a:rPr lang="en-US" b="1" i="1" dirty="0"/>
+              <a:t>precedence</a:t>
+            </a:r>
+            <a:r>
+              <a:rPr lang="en-US" i="1" dirty="0"/>
+              <a:t>: it goes first. If you don't like this, use parentheses:</a:t>
+            </a:r>
+          </a:p>
+          <a:p>
+            <a:endParaRPr lang="en-US" i="1" dirty="0"/>
+          </a:p>
+          <a:p>
+            <a:r>
+              <a:rPr lang="en-US" dirty="0"/>
+              <a:t>(1 + 2) * 3</a:t>
+            </a:r>
+          </a:p>
+          <a:p>
+            <a:r>
+              <a:rPr lang="en-US" i="1" dirty="0"/>
+              <a:t>That's 9. 1+2=3, and then 3*3 = 9. When in doubt, it's usually safe to add more parentheses to be clear.</a:t>
             </a:r>
           </a:p>
         </p:txBody>
@@ -7823,7 +7801,7 @@
     </p:spTree>
     <p:extLst>
       <p:ext uri="{BB962C8B-B14F-4D97-AF65-F5344CB8AC3E}">
-        <p14:creationId xmlns:p14="http://schemas.microsoft.com/office/powerpoint/2010/main" val="3176490625"/>
+        <p14:creationId xmlns:p14="http://schemas.microsoft.com/office/powerpoint/2010/main" val="449300795"/>
       </p:ext>
     </p:extLst>
   </p:cSld>
